--- a/snek.pptx
+++ b/snek.pptx
@@ -10,9 +10,9 @@
     <p:sldId id="266" r:id="rId7"/>
     <p:sldId id="264" r:id="rId8"/>
     <p:sldId id="260" r:id="rId9"/>
-    <p:sldId id="262" r:id="rId10"/>
-    <p:sldId id="263" r:id="rId11"/>
-    <p:sldId id="261" r:id="rId12"/>
+    <p:sldId id="263" r:id="rId10"/>
+    <p:sldId id="261" r:id="rId11"/>
+    <p:sldId id="262" r:id="rId12"/>
     <p:sldId id="258" r:id="rId13"/>
     <p:sldId id="259" r:id="rId14"/>
     <p:sldId id="257" r:id="rId15"/>
@@ -280,7 +280,7 @@
           <a:p>
             <a:fld id="{3AAF0A7B-F37E-4D1E-9F7C-AA0DBB7404CD}" type="datetimeFigureOut">
               <a:rPr lang="en-US" smtClean="0"/>
-              <a:t>4/5/2022</a:t>
+              <a:t>4/6/2022</a:t>
             </a:fld>
             <a:endParaRPr lang="en-US"/>
           </a:p>
@@ -478,7 +478,7 @@
           <a:p>
             <a:fld id="{3AAF0A7B-F37E-4D1E-9F7C-AA0DBB7404CD}" type="datetimeFigureOut">
               <a:rPr lang="en-US" smtClean="0"/>
-              <a:t>4/5/2022</a:t>
+              <a:t>4/6/2022</a:t>
             </a:fld>
             <a:endParaRPr lang="en-US"/>
           </a:p>
@@ -686,7 +686,7 @@
           <a:p>
             <a:fld id="{3AAF0A7B-F37E-4D1E-9F7C-AA0DBB7404CD}" type="datetimeFigureOut">
               <a:rPr lang="en-US" smtClean="0"/>
-              <a:t>4/5/2022</a:t>
+              <a:t>4/6/2022</a:t>
             </a:fld>
             <a:endParaRPr lang="en-US"/>
           </a:p>
@@ -884,7 +884,7 @@
           <a:p>
             <a:fld id="{3AAF0A7B-F37E-4D1E-9F7C-AA0DBB7404CD}" type="datetimeFigureOut">
               <a:rPr lang="en-US" smtClean="0"/>
-              <a:t>4/5/2022</a:t>
+              <a:t>4/6/2022</a:t>
             </a:fld>
             <a:endParaRPr lang="en-US"/>
           </a:p>
@@ -1159,7 +1159,7 @@
           <a:p>
             <a:fld id="{3AAF0A7B-F37E-4D1E-9F7C-AA0DBB7404CD}" type="datetimeFigureOut">
               <a:rPr lang="en-US" smtClean="0"/>
-              <a:t>4/5/2022</a:t>
+              <a:t>4/6/2022</a:t>
             </a:fld>
             <a:endParaRPr lang="en-US"/>
           </a:p>
@@ -1424,7 +1424,7 @@
           <a:p>
             <a:fld id="{3AAF0A7B-F37E-4D1E-9F7C-AA0DBB7404CD}" type="datetimeFigureOut">
               <a:rPr lang="en-US" smtClean="0"/>
-              <a:t>4/5/2022</a:t>
+              <a:t>4/6/2022</a:t>
             </a:fld>
             <a:endParaRPr lang="en-US"/>
           </a:p>
@@ -1836,7 +1836,7 @@
           <a:p>
             <a:fld id="{3AAF0A7B-F37E-4D1E-9F7C-AA0DBB7404CD}" type="datetimeFigureOut">
               <a:rPr lang="en-US" smtClean="0"/>
-              <a:t>4/5/2022</a:t>
+              <a:t>4/6/2022</a:t>
             </a:fld>
             <a:endParaRPr lang="en-US"/>
           </a:p>
@@ -1977,7 +1977,7 @@
           <a:p>
             <a:fld id="{3AAF0A7B-F37E-4D1E-9F7C-AA0DBB7404CD}" type="datetimeFigureOut">
               <a:rPr lang="en-US" smtClean="0"/>
-              <a:t>4/5/2022</a:t>
+              <a:t>4/6/2022</a:t>
             </a:fld>
             <a:endParaRPr lang="en-US"/>
           </a:p>
@@ -2090,7 +2090,7 @@
           <a:p>
             <a:fld id="{3AAF0A7B-F37E-4D1E-9F7C-AA0DBB7404CD}" type="datetimeFigureOut">
               <a:rPr lang="en-US" smtClean="0"/>
-              <a:t>4/5/2022</a:t>
+              <a:t>4/6/2022</a:t>
             </a:fld>
             <a:endParaRPr lang="en-US"/>
           </a:p>
@@ -2401,7 +2401,7 @@
           <a:p>
             <a:fld id="{3AAF0A7B-F37E-4D1E-9F7C-AA0DBB7404CD}" type="datetimeFigureOut">
               <a:rPr lang="en-US" smtClean="0"/>
-              <a:t>4/5/2022</a:t>
+              <a:t>4/6/2022</a:t>
             </a:fld>
             <a:endParaRPr lang="en-US"/>
           </a:p>
@@ -2689,7 +2689,7 @@
           <a:p>
             <a:fld id="{3AAF0A7B-F37E-4D1E-9F7C-AA0DBB7404CD}" type="datetimeFigureOut">
               <a:rPr lang="en-US" smtClean="0"/>
-              <a:t>4/5/2022</a:t>
+              <a:t>4/6/2022</a:t>
             </a:fld>
             <a:endParaRPr lang="en-US"/>
           </a:p>
@@ -2930,7 +2930,7 @@
           <a:p>
             <a:fld id="{3AAF0A7B-F37E-4D1E-9F7C-AA0DBB7404CD}" type="datetimeFigureOut">
               <a:rPr lang="en-US" smtClean="0"/>
-              <a:t>4/5/2022</a:t>
+              <a:t>4/6/2022</a:t>
             </a:fld>
             <a:endParaRPr lang="en-US"/>
           </a:p>
@@ -17370,7 +17370,7 @@
                 <a:latin typeface="Arial" panose="020B0604020202020204" pitchFamily="34" charset="0"/>
                 <a:cs typeface="Arial" panose="020B0604020202020204" pitchFamily="34" charset="0"/>
               </a:rPr>
-              <a:t>Loops</a:t>
+              <a:t>Functions</a:t>
             </a:r>
           </a:p>
         </p:txBody>
@@ -17389,8 +17389,8 @@
         </p:nvSpPr>
         <p:spPr>
           <a:xfrm>
-            <a:off x="441099" y="2220919"/>
-            <a:ext cx="6206656" cy="1477328"/>
+            <a:off x="710980" y="2498481"/>
+            <a:ext cx="6206656" cy="2862322"/>
           </a:xfrm>
           <a:prstGeom prst="rect">
             <a:avLst/>
@@ -17406,32 +17406,62 @@
             <a:r>
               <a:rPr lang="en-US" b="0" dirty="0">
                 <a:solidFill>
-                  <a:srgbClr val="B5B3AA"/>
-                </a:solidFill>
-                <a:effectLst/>
-                <a:latin typeface="Fira Code" pitchFamily="1" charset="0"/>
-              </a:rPr>
-              <a:t>      </a:t>
-            </a:r>
-            <a:r>
-              <a:rPr lang="en-US" b="0" i="1" dirty="0">
-                <a:solidFill>
-                  <a:srgbClr val="6C6C66"/>
-                </a:solidFill>
-                <a:effectLst/>
-                <a:latin typeface="Fira Code" pitchFamily="1" charset="0"/>
-              </a:rPr>
-              <a:t>//</a:t>
-            </a:r>
-            <a:r>
-              <a:rPr lang="en-US" b="0" i="1" dirty="0">
-                <a:solidFill>
-                  <a:srgbClr val="747C84"/>
-                </a:solidFill>
-                <a:effectLst/>
-                <a:latin typeface="Fira Code" pitchFamily="1" charset="0"/>
-              </a:rPr>
-              <a:t> Move</a:t>
+                  <a:srgbClr val="FF73FD"/>
+                </a:solidFill>
+                <a:effectLst/>
+                <a:latin typeface="Fira Code" pitchFamily="1" charset="0"/>
+              </a:rPr>
+              <a:t>char</a:t>
+            </a:r>
+            <a:r>
+              <a:rPr lang="en-US" b="0" dirty="0">
+                <a:solidFill>
+                  <a:srgbClr val="DDDDDD"/>
+                </a:solidFill>
+                <a:effectLst/>
+                <a:latin typeface="Fira Code" pitchFamily="1" charset="0"/>
+              </a:rPr>
+              <a:t> </a:t>
+            </a:r>
+            <a:r>
+              <a:rPr lang="en-US" b="0" dirty="0" err="1">
+                <a:solidFill>
+                  <a:srgbClr val="96CBFE"/>
+                </a:solidFill>
+                <a:effectLst/>
+                <a:latin typeface="Fira Code" pitchFamily="1" charset="0"/>
+              </a:rPr>
+              <a:t>checkKb</a:t>
+            </a:r>
+            <a:r>
+              <a:rPr lang="en-US" b="0" dirty="0">
+                <a:solidFill>
+                  <a:srgbClr val="B5B3AA"/>
+                </a:solidFill>
+                <a:effectLst/>
+                <a:latin typeface="Fira Code" pitchFamily="1" charset="0"/>
+              </a:rPr>
+              <a:t>()</a:t>
+            </a:r>
+            <a:r>
+              <a:rPr lang="en-US" b="0" dirty="0">
+                <a:solidFill>
+                  <a:srgbClr val="DDDDDD"/>
+                </a:solidFill>
+                <a:effectLst/>
+                <a:latin typeface="Fira Code" pitchFamily="1" charset="0"/>
+              </a:rPr>
+              <a:t> </a:t>
+            </a:r>
+            <a:r>
+              <a:rPr lang="en-US" b="0" dirty="0">
+                <a:solidFill>
+                  <a:srgbClr val="B5B3AA"/>
+                </a:solidFill>
+                <a:effectLst/>
+                <a:latin typeface="Fira Code" pitchFamily="1" charset="0"/>
+              </a:rPr>
+              <a:t>{</a:t>
             </a:r>
             <a:endParaRPr lang="en-US" b="0" dirty="0">
               <a:solidFill>
@@ -17450,18 +17480,10 @@
                 <a:effectLst/>
                 <a:latin typeface="Fira Code" pitchFamily="1" charset="0"/>
               </a:rPr>
-              <a:t>      </a:t>
-            </a:r>
-            <a:r>
-              <a:rPr lang="en-US" b="0" dirty="0">
-                <a:solidFill>
-                  <a:srgbClr val="B5B3AA"/>
-                </a:solidFill>
-                <a:effectLst/>
-                <a:latin typeface="Fira Code" pitchFamily="1" charset="0"/>
-              </a:rPr>
-              <a:t>for</a:t>
-            </a:r>
+              <a:t>  </a:t>
+            </a:r>
+          </a:p>
+          <a:p>
             <a:r>
               <a:rPr lang="en-US" b="0" dirty="0">
                 <a:solidFill>
@@ -17470,6 +17492,26 @@
                 <a:effectLst/>
                 <a:latin typeface="Fira Code" pitchFamily="1" charset="0"/>
               </a:rPr>
+              <a:t>  </a:t>
+            </a:r>
+            <a:r>
+              <a:rPr lang="en-US" b="0" dirty="0">
+                <a:solidFill>
+                  <a:srgbClr val="B5B3AA"/>
+                </a:solidFill>
+                <a:effectLst/>
+                <a:latin typeface="Fira Code" pitchFamily="1" charset="0"/>
+              </a:rPr>
+              <a:t>if</a:t>
+            </a:r>
+            <a:r>
+              <a:rPr lang="en-US" b="0" dirty="0">
+                <a:solidFill>
+                  <a:srgbClr val="DDDDDD"/>
+                </a:solidFill>
+                <a:effectLst/>
+                <a:latin typeface="Fira Code" pitchFamily="1" charset="0"/>
+              </a:rPr>
               <a:t> </a:t>
             </a:r>
             <a:r>
@@ -17483,14 +17525,44 @@
               <a:t>(</a:t>
             </a:r>
             <a:r>
-              <a:rPr lang="en-US" b="0" dirty="0">
-                <a:solidFill>
-                  <a:srgbClr val="FF73FD"/>
-                </a:solidFill>
-                <a:effectLst/>
-                <a:latin typeface="Fira Code" pitchFamily="1" charset="0"/>
-              </a:rPr>
-              <a:t>int</a:t>
+              <a:rPr lang="en-US" b="0" dirty="0" err="1">
+                <a:solidFill>
+                  <a:srgbClr val="96CBFE"/>
+                </a:solidFill>
+                <a:effectLst/>
+                <a:latin typeface="Fira Code" pitchFamily="1" charset="0"/>
+              </a:rPr>
+              <a:t>GetKeyState</a:t>
+            </a:r>
+            <a:r>
+              <a:rPr lang="en-US" b="0" dirty="0">
+                <a:solidFill>
+                  <a:srgbClr val="B5B3AA"/>
+                </a:solidFill>
+                <a:effectLst/>
+                <a:latin typeface="Fira Code" pitchFamily="1" charset="0"/>
+              </a:rPr>
+              <a:t>(</a:t>
+            </a:r>
+            <a:r>
+              <a:rPr lang="en-US" b="0" dirty="0">
+                <a:solidFill>
+                  <a:srgbClr val="E9C062"/>
+                </a:solidFill>
+                <a:effectLst/>
+                <a:latin typeface="Fira Code" pitchFamily="1" charset="0"/>
+              </a:rPr>
+              <a:t>0x57</a:t>
+            </a:r>
+            <a:r>
+              <a:rPr lang="en-US" b="0" dirty="0">
+                <a:solidFill>
+                  <a:srgbClr val="B5B3AA"/>
+                </a:solidFill>
+                <a:effectLst/>
+                <a:latin typeface="Fira Code" pitchFamily="1" charset="0"/>
+              </a:rPr>
+              <a:t>)</a:t>
             </a:r>
             <a:r>
               <a:rPr lang="en-US" b="0" dirty="0">
@@ -17503,14 +17575,14 @@
               <a:t> </a:t>
             </a:r>
             <a:r>
-              <a:rPr lang="en-US" b="0" dirty="0" err="1">
-                <a:solidFill>
-                  <a:srgbClr val="FF6C60"/>
-                </a:solidFill>
-                <a:effectLst/>
-                <a:latin typeface="Fira Code" pitchFamily="1" charset="0"/>
-              </a:rPr>
-              <a:t>i</a:t>
+              <a:rPr lang="en-US" b="0" dirty="0">
+                <a:solidFill>
+                  <a:srgbClr val="D4D4D4"/>
+                </a:solidFill>
+                <a:effectLst/>
+                <a:latin typeface="Fira Code" pitchFamily="1" charset="0"/>
+              </a:rPr>
+              <a:t>&lt;</a:t>
             </a:r>
             <a:r>
               <a:rPr lang="en-US" b="0" dirty="0">
@@ -17525,12 +17597,22 @@
             <a:r>
               <a:rPr lang="en-US" b="0" dirty="0">
                 <a:solidFill>
-                  <a:srgbClr val="D4D4D4"/>
-                </a:solidFill>
-                <a:effectLst/>
-                <a:latin typeface="Fira Code" pitchFamily="1" charset="0"/>
-              </a:rPr>
-              <a:t>=</a:t>
+                  <a:srgbClr val="E9C062"/>
+                </a:solidFill>
+                <a:effectLst/>
+                <a:latin typeface="Fira Code" pitchFamily="1" charset="0"/>
+              </a:rPr>
+              <a:t>0</a:t>
+            </a:r>
+            <a:r>
+              <a:rPr lang="en-US" b="0" dirty="0">
+                <a:solidFill>
+                  <a:srgbClr val="B5B3AA"/>
+                </a:solidFill>
+                <a:effectLst/>
+                <a:latin typeface="Fira Code" pitchFamily="1" charset="0"/>
+              </a:rPr>
+              <a:t>)</a:t>
             </a:r>
             <a:r>
               <a:rPr lang="en-US" b="0" dirty="0">
@@ -17545,42 +17627,12 @@
             <a:r>
               <a:rPr lang="en-US" b="0" dirty="0">
                 <a:solidFill>
-                  <a:srgbClr val="FF6C60"/>
-                </a:solidFill>
-                <a:effectLst/>
-                <a:latin typeface="Fira Code" pitchFamily="1" charset="0"/>
-              </a:rPr>
-              <a:t>score</a:t>
-            </a:r>
-            <a:r>
-              <a:rPr lang="en-US" b="0" dirty="0">
-                <a:solidFill>
-                  <a:srgbClr val="D4D4D4"/>
-                </a:solidFill>
-                <a:effectLst/>
-                <a:latin typeface="Fira Code" pitchFamily="1" charset="0"/>
-              </a:rPr>
-              <a:t>-</a:t>
-            </a:r>
-            <a:r>
-              <a:rPr lang="en-US" b="0" dirty="0">
-                <a:solidFill>
-                  <a:srgbClr val="E9C062"/>
-                </a:solidFill>
-                <a:effectLst/>
-                <a:latin typeface="Fira Code" pitchFamily="1" charset="0"/>
-              </a:rPr>
-              <a:t>1</a:t>
-            </a:r>
-            <a:r>
-              <a:rPr lang="en-US" b="0" dirty="0">
-                <a:solidFill>
-                  <a:srgbClr val="B5B3AA"/>
-                </a:solidFill>
-                <a:effectLst/>
-                <a:latin typeface="Fira Code" pitchFamily="1" charset="0"/>
-              </a:rPr>
-              <a:t>;</a:t>
+                  <a:srgbClr val="B5B3AA"/>
+                </a:solidFill>
+                <a:effectLst/>
+                <a:latin typeface="Fira Code" pitchFamily="1" charset="0"/>
+              </a:rPr>
+              <a:t>return</a:t>
             </a:r>
             <a:r>
               <a:rPr lang="en-US" b="0" dirty="0">
@@ -17593,124 +17645,34 @@
               <a:t> </a:t>
             </a:r>
             <a:r>
-              <a:rPr lang="en-US" b="0" dirty="0" err="1">
-                <a:solidFill>
-                  <a:srgbClr val="FF6C60"/>
-                </a:solidFill>
-                <a:effectLst/>
-                <a:latin typeface="Fira Code" pitchFamily="1" charset="0"/>
-              </a:rPr>
-              <a:t>i</a:t>
-            </a:r>
-            <a:r>
-              <a:rPr lang="en-US" b="0" dirty="0">
-                <a:solidFill>
-                  <a:srgbClr val="DDDDDD"/>
-                </a:solidFill>
-                <a:effectLst/>
-                <a:latin typeface="Fira Code" pitchFamily="1" charset="0"/>
-              </a:rPr>
-              <a:t> </a:t>
-            </a:r>
-            <a:r>
-              <a:rPr lang="en-US" b="0" dirty="0">
-                <a:solidFill>
-                  <a:srgbClr val="D4D4D4"/>
-                </a:solidFill>
-                <a:effectLst/>
-                <a:latin typeface="Fira Code" pitchFamily="1" charset="0"/>
-              </a:rPr>
-              <a:t>&gt;=</a:t>
-            </a:r>
-            <a:r>
-              <a:rPr lang="en-US" b="0" dirty="0">
-                <a:solidFill>
-                  <a:srgbClr val="DDDDDD"/>
-                </a:solidFill>
-                <a:effectLst/>
-                <a:latin typeface="Fira Code" pitchFamily="1" charset="0"/>
-              </a:rPr>
-              <a:t> </a:t>
-            </a:r>
-            <a:r>
-              <a:rPr lang="en-US" b="0" dirty="0">
-                <a:solidFill>
-                  <a:srgbClr val="E9C062"/>
-                </a:solidFill>
-                <a:effectLst/>
-                <a:latin typeface="Fira Code" pitchFamily="1" charset="0"/>
-              </a:rPr>
-              <a:t>1</a:t>
-            </a:r>
-            <a:r>
-              <a:rPr lang="en-US" b="0" dirty="0">
-                <a:solidFill>
-                  <a:srgbClr val="B5B3AA"/>
-                </a:solidFill>
-                <a:effectLst/>
-                <a:latin typeface="Fira Code" pitchFamily="1" charset="0"/>
-              </a:rPr>
-              <a:t>;</a:t>
-            </a:r>
-            <a:r>
-              <a:rPr lang="en-US" b="0" dirty="0">
-                <a:solidFill>
-                  <a:srgbClr val="DDDDDD"/>
-                </a:solidFill>
-                <a:effectLst/>
-                <a:latin typeface="Fira Code" pitchFamily="1" charset="0"/>
-              </a:rPr>
-              <a:t> </a:t>
-            </a:r>
-            <a:r>
-              <a:rPr lang="en-US" b="0" dirty="0" err="1">
-                <a:solidFill>
-                  <a:srgbClr val="FF6C60"/>
-                </a:solidFill>
-                <a:effectLst/>
-                <a:latin typeface="Fira Code" pitchFamily="1" charset="0"/>
-              </a:rPr>
-              <a:t>i</a:t>
-            </a:r>
-            <a:r>
-              <a:rPr lang="en-US" b="0" dirty="0">
-                <a:solidFill>
-                  <a:srgbClr val="D4D4D4"/>
-                </a:solidFill>
-                <a:effectLst/>
-                <a:latin typeface="Fira Code" pitchFamily="1" charset="0"/>
-              </a:rPr>
-              <a:t>--</a:t>
-            </a:r>
-            <a:r>
-              <a:rPr lang="en-US" b="0" dirty="0">
-                <a:solidFill>
-                  <a:srgbClr val="B5B3AA"/>
-                </a:solidFill>
-                <a:effectLst/>
-                <a:latin typeface="Fira Code" pitchFamily="1" charset="0"/>
-              </a:rPr>
-              <a:t>)</a:t>
-            </a:r>
-            <a:r>
-              <a:rPr lang="en-US" b="0" dirty="0">
-                <a:solidFill>
-                  <a:srgbClr val="DDDDDD"/>
-                </a:solidFill>
-                <a:effectLst/>
-                <a:latin typeface="Fira Code" pitchFamily="1" charset="0"/>
-              </a:rPr>
-              <a:t> </a:t>
-            </a:r>
-            <a:r>
-              <a:rPr lang="en-US" b="0" dirty="0">
-                <a:solidFill>
-                  <a:srgbClr val="B5B3AA"/>
-                </a:solidFill>
-                <a:effectLst/>
-                <a:latin typeface="Fira Code" pitchFamily="1" charset="0"/>
-              </a:rPr>
-              <a:t>{</a:t>
+              <a:rPr lang="en-US" b="0" dirty="0">
+                <a:solidFill>
+                  <a:srgbClr val="B5B3AA"/>
+                </a:solidFill>
+                <a:effectLst/>
+                <a:latin typeface="Fira Code" pitchFamily="1" charset="0"/>
+              </a:rPr>
+              <a:t>'</a:t>
+            </a:r>
+            <a:r>
+              <a:rPr lang="en-US" b="0" dirty="0">
+                <a:solidFill>
+                  <a:srgbClr val="A8FF60"/>
+                </a:solidFill>
+                <a:effectLst/>
+                <a:latin typeface="Fira Code" pitchFamily="1" charset="0"/>
+              </a:rPr>
+              <a:t>w</a:t>
+            </a:r>
+            <a:r>
+              <a:rPr lang="en-US" b="0" dirty="0">
+                <a:solidFill>
+                  <a:srgbClr val="B5B3AA"/>
+                </a:solidFill>
+                <a:effectLst/>
+                <a:latin typeface="Fira Code" pitchFamily="1" charset="0"/>
+              </a:rPr>
+              <a:t>';</a:t>
             </a:r>
             <a:endParaRPr lang="en-US" b="0" dirty="0">
               <a:solidFill>
@@ -17729,47 +17691,57 @@
                 <a:effectLst/>
                 <a:latin typeface="Fira Code" pitchFamily="1" charset="0"/>
               </a:rPr>
-              <a:t>        </a:t>
-            </a:r>
-            <a:r>
-              <a:rPr lang="en-US" b="0" dirty="0">
-                <a:solidFill>
-                  <a:srgbClr val="FF6C60"/>
-                </a:solidFill>
-                <a:effectLst/>
-                <a:latin typeface="Fira Code" pitchFamily="1" charset="0"/>
-              </a:rPr>
-              <a:t>snake</a:t>
-            </a:r>
-            <a:r>
-              <a:rPr lang="en-US" b="0" dirty="0">
-                <a:solidFill>
-                  <a:srgbClr val="B5B3AA"/>
-                </a:solidFill>
-                <a:effectLst/>
-                <a:latin typeface="Fira Code" pitchFamily="1" charset="0"/>
-              </a:rPr>
-              <a:t>[</a:t>
+              <a:t>  </a:t>
+            </a:r>
+            <a:r>
+              <a:rPr lang="en-US" b="0" dirty="0">
+                <a:solidFill>
+                  <a:srgbClr val="B5B3AA"/>
+                </a:solidFill>
+                <a:effectLst/>
+                <a:latin typeface="Fira Code" pitchFamily="1" charset="0"/>
+              </a:rPr>
+              <a:t>if</a:t>
+            </a:r>
+            <a:r>
+              <a:rPr lang="en-US" b="0" dirty="0">
+                <a:solidFill>
+                  <a:srgbClr val="DDDDDD"/>
+                </a:solidFill>
+                <a:effectLst/>
+                <a:latin typeface="Fira Code" pitchFamily="1" charset="0"/>
+              </a:rPr>
+              <a:t> </a:t>
+            </a:r>
+            <a:r>
+              <a:rPr lang="en-US" b="0" dirty="0">
+                <a:solidFill>
+                  <a:srgbClr val="B5B3AA"/>
+                </a:solidFill>
+                <a:effectLst/>
+                <a:latin typeface="Fira Code" pitchFamily="1" charset="0"/>
+              </a:rPr>
+              <a:t>(</a:t>
             </a:r>
             <a:r>
               <a:rPr lang="en-US" b="0" dirty="0" err="1">
                 <a:solidFill>
-                  <a:srgbClr val="FF6C60"/>
-                </a:solidFill>
-                <a:effectLst/>
-                <a:latin typeface="Fira Code" pitchFamily="1" charset="0"/>
-              </a:rPr>
-              <a:t>i</a:t>
-            </a:r>
-            <a:r>
-              <a:rPr lang="en-US" b="0" dirty="0">
-                <a:solidFill>
-                  <a:srgbClr val="B5B3AA"/>
-                </a:solidFill>
-                <a:effectLst/>
-                <a:latin typeface="Fira Code" pitchFamily="1" charset="0"/>
-              </a:rPr>
-              <a:t>][</a:t>
+                  <a:srgbClr val="96CBFE"/>
+                </a:solidFill>
+                <a:effectLst/>
+                <a:latin typeface="Fira Code" pitchFamily="1" charset="0"/>
+              </a:rPr>
+              <a:t>GetKeyState</a:t>
+            </a:r>
+            <a:r>
+              <a:rPr lang="en-US" b="0" dirty="0">
+                <a:solidFill>
+                  <a:srgbClr val="B5B3AA"/>
+                </a:solidFill>
+                <a:effectLst/>
+                <a:latin typeface="Fira Code" pitchFamily="1" charset="0"/>
+              </a:rPr>
+              <a:t>(</a:t>
             </a:r>
             <a:r>
               <a:rPr lang="en-US" b="0" dirty="0">
@@ -17779,6 +17751,56 @@
                 <a:effectLst/>
                 <a:latin typeface="Fira Code" pitchFamily="1" charset="0"/>
               </a:rPr>
+              <a:t>0x41</a:t>
+            </a:r>
+            <a:r>
+              <a:rPr lang="en-US" b="0" dirty="0">
+                <a:solidFill>
+                  <a:srgbClr val="B5B3AA"/>
+                </a:solidFill>
+                <a:effectLst/>
+                <a:latin typeface="Fira Code" pitchFamily="1" charset="0"/>
+              </a:rPr>
+              <a:t>)</a:t>
+            </a:r>
+            <a:r>
+              <a:rPr lang="en-US" b="0" dirty="0">
+                <a:solidFill>
+                  <a:srgbClr val="DDDDDD"/>
+                </a:solidFill>
+                <a:effectLst/>
+                <a:latin typeface="Fira Code" pitchFamily="1" charset="0"/>
+              </a:rPr>
+              <a:t> </a:t>
+            </a:r>
+            <a:r>
+              <a:rPr lang="en-US" b="0" dirty="0">
+                <a:solidFill>
+                  <a:srgbClr val="D4D4D4"/>
+                </a:solidFill>
+                <a:effectLst/>
+                <a:latin typeface="Fira Code" pitchFamily="1" charset="0"/>
+              </a:rPr>
+              <a:t>&lt;</a:t>
+            </a:r>
+            <a:r>
+              <a:rPr lang="en-US" b="0" dirty="0">
+                <a:solidFill>
+                  <a:srgbClr val="DDDDDD"/>
+                </a:solidFill>
+                <a:effectLst/>
+                <a:latin typeface="Fira Code" pitchFamily="1" charset="0"/>
+              </a:rPr>
+              <a:t> </a:t>
+            </a:r>
+            <a:r>
+              <a:rPr lang="en-US" b="0" dirty="0">
+                <a:solidFill>
+                  <a:srgbClr val="E9C062"/>
+                </a:solidFill>
+                <a:effectLst/>
+                <a:latin typeface="Fira Code" pitchFamily="1" charset="0"/>
+              </a:rPr>
               <a:t>0</a:t>
             </a:r>
             <a:r>
@@ -17789,7 +17811,7 @@
                 <a:effectLst/>
                 <a:latin typeface="Fira Code" pitchFamily="1" charset="0"/>
               </a:rPr>
-              <a:t>]</a:t>
+              <a:t>)</a:t>
             </a:r>
             <a:r>
               <a:rPr lang="en-US" b="0" dirty="0">
@@ -17804,12 +17826,12 @@
             <a:r>
               <a:rPr lang="en-US" b="0" dirty="0">
                 <a:solidFill>
-                  <a:srgbClr val="D4D4D4"/>
-                </a:solidFill>
-                <a:effectLst/>
-                <a:latin typeface="Fira Code" pitchFamily="1" charset="0"/>
-              </a:rPr>
-              <a:t>=</a:t>
+                  <a:srgbClr val="B5B3AA"/>
+                </a:solidFill>
+                <a:effectLst/>
+                <a:latin typeface="Fira Code" pitchFamily="1" charset="0"/>
+              </a:rPr>
+              <a:t>return</a:t>
             </a:r>
             <a:r>
               <a:rPr lang="en-US" b="0" dirty="0">
@@ -17824,82 +17846,32 @@
             <a:r>
               <a:rPr lang="en-US" b="0" dirty="0">
                 <a:solidFill>
-                  <a:srgbClr val="FF6C60"/>
-                </a:solidFill>
-                <a:effectLst/>
-                <a:latin typeface="Fira Code" pitchFamily="1" charset="0"/>
-              </a:rPr>
-              <a:t>snake</a:t>
-            </a:r>
-            <a:r>
-              <a:rPr lang="en-US" b="0" dirty="0">
-                <a:solidFill>
-                  <a:srgbClr val="B5B3AA"/>
-                </a:solidFill>
-                <a:effectLst/>
-                <a:latin typeface="Fira Code" pitchFamily="1" charset="0"/>
-              </a:rPr>
-              <a:t>[</a:t>
-            </a:r>
-            <a:r>
-              <a:rPr lang="en-US" b="0" dirty="0">
-                <a:solidFill>
-                  <a:srgbClr val="FF6C60"/>
-                </a:solidFill>
-                <a:effectLst/>
-                <a:latin typeface="Fira Code" pitchFamily="1" charset="0"/>
-              </a:rPr>
-              <a:t>i</a:t>
-            </a:r>
-            <a:r>
-              <a:rPr lang="en-US" b="0" dirty="0">
-                <a:solidFill>
-                  <a:srgbClr val="D4D4D4"/>
-                </a:solidFill>
-                <a:effectLst/>
-                <a:latin typeface="Fira Code" pitchFamily="1" charset="0"/>
-              </a:rPr>
-              <a:t>-</a:t>
-            </a:r>
-            <a:r>
-              <a:rPr lang="en-US" b="0" dirty="0">
-                <a:solidFill>
-                  <a:srgbClr val="E9C062"/>
-                </a:solidFill>
-                <a:effectLst/>
-                <a:latin typeface="Fira Code" pitchFamily="1" charset="0"/>
-              </a:rPr>
-              <a:t>1</a:t>
-            </a:r>
-            <a:r>
-              <a:rPr lang="en-US" b="0" dirty="0">
-                <a:solidFill>
-                  <a:srgbClr val="B5B3AA"/>
-                </a:solidFill>
-                <a:effectLst/>
-                <a:latin typeface="Fira Code" pitchFamily="1" charset="0"/>
-              </a:rPr>
-              <a:t>][</a:t>
-            </a:r>
-            <a:r>
-              <a:rPr lang="en-US" b="0" dirty="0">
-                <a:solidFill>
-                  <a:srgbClr val="E9C062"/>
-                </a:solidFill>
-                <a:effectLst/>
-                <a:latin typeface="Fira Code" pitchFamily="1" charset="0"/>
-              </a:rPr>
-              <a:t>0</a:t>
-            </a:r>
-            <a:r>
-              <a:rPr lang="en-US" b="0" dirty="0">
-                <a:solidFill>
-                  <a:srgbClr val="B5B3AA"/>
-                </a:solidFill>
-                <a:effectLst/>
-                <a:latin typeface="Fira Code" pitchFamily="1" charset="0"/>
-              </a:rPr>
-              <a:t>];</a:t>
+                  <a:srgbClr val="B5B3AA"/>
+                </a:solidFill>
+                <a:effectLst/>
+                <a:latin typeface="Fira Code" pitchFamily="1" charset="0"/>
+              </a:rPr>
+              <a:t>'</a:t>
+            </a:r>
+            <a:r>
+              <a:rPr lang="en-US" b="0" dirty="0">
+                <a:solidFill>
+                  <a:srgbClr val="A8FF60"/>
+                </a:solidFill>
+                <a:effectLst/>
+                <a:latin typeface="Fira Code" pitchFamily="1" charset="0"/>
+              </a:rPr>
+              <a:t>a</a:t>
+            </a:r>
+            <a:r>
+              <a:rPr lang="en-US" b="0" dirty="0">
+                <a:solidFill>
+                  <a:srgbClr val="B5B3AA"/>
+                </a:solidFill>
+                <a:effectLst/>
+                <a:latin typeface="Fira Code" pitchFamily="1" charset="0"/>
+              </a:rPr>
+              <a:t>';</a:t>
             </a:r>
             <a:endParaRPr lang="en-US" b="0" dirty="0">
               <a:solidFill>
@@ -17918,47 +17890,57 @@
                 <a:effectLst/>
                 <a:latin typeface="Fira Code" pitchFamily="1" charset="0"/>
               </a:rPr>
-              <a:t>        </a:t>
-            </a:r>
-            <a:r>
-              <a:rPr lang="en-US" b="0" dirty="0">
-                <a:solidFill>
-                  <a:srgbClr val="FF6C60"/>
-                </a:solidFill>
-                <a:effectLst/>
-                <a:latin typeface="Fira Code" pitchFamily="1" charset="0"/>
-              </a:rPr>
-              <a:t>snake</a:t>
-            </a:r>
-            <a:r>
-              <a:rPr lang="en-US" b="0" dirty="0">
-                <a:solidFill>
-                  <a:srgbClr val="B5B3AA"/>
-                </a:solidFill>
-                <a:effectLst/>
-                <a:latin typeface="Fira Code" pitchFamily="1" charset="0"/>
-              </a:rPr>
-              <a:t>[</a:t>
+              <a:t>  </a:t>
+            </a:r>
+            <a:r>
+              <a:rPr lang="en-US" b="0" dirty="0">
+                <a:solidFill>
+                  <a:srgbClr val="B5B3AA"/>
+                </a:solidFill>
+                <a:effectLst/>
+                <a:latin typeface="Fira Code" pitchFamily="1" charset="0"/>
+              </a:rPr>
+              <a:t>if</a:t>
+            </a:r>
+            <a:r>
+              <a:rPr lang="en-US" b="0" dirty="0">
+                <a:solidFill>
+                  <a:srgbClr val="DDDDDD"/>
+                </a:solidFill>
+                <a:effectLst/>
+                <a:latin typeface="Fira Code" pitchFamily="1" charset="0"/>
+              </a:rPr>
+              <a:t> </a:t>
+            </a:r>
+            <a:r>
+              <a:rPr lang="en-US" b="0" dirty="0">
+                <a:solidFill>
+                  <a:srgbClr val="B5B3AA"/>
+                </a:solidFill>
+                <a:effectLst/>
+                <a:latin typeface="Fira Code" pitchFamily="1" charset="0"/>
+              </a:rPr>
+              <a:t>(</a:t>
             </a:r>
             <a:r>
               <a:rPr lang="en-US" b="0" dirty="0" err="1">
                 <a:solidFill>
-                  <a:srgbClr val="FF6C60"/>
-                </a:solidFill>
-                <a:effectLst/>
-                <a:latin typeface="Fira Code" pitchFamily="1" charset="0"/>
-              </a:rPr>
-              <a:t>i</a:t>
-            </a:r>
-            <a:r>
-              <a:rPr lang="en-US" b="0" dirty="0">
-                <a:solidFill>
-                  <a:srgbClr val="B5B3AA"/>
-                </a:solidFill>
-                <a:effectLst/>
-                <a:latin typeface="Fira Code" pitchFamily="1" charset="0"/>
-              </a:rPr>
-              <a:t>][</a:t>
+                  <a:srgbClr val="96CBFE"/>
+                </a:solidFill>
+                <a:effectLst/>
+                <a:latin typeface="Fira Code" pitchFamily="1" charset="0"/>
+              </a:rPr>
+              <a:t>GetKeyState</a:t>
+            </a:r>
+            <a:r>
+              <a:rPr lang="en-US" b="0" dirty="0">
+                <a:solidFill>
+                  <a:srgbClr val="B5B3AA"/>
+                </a:solidFill>
+                <a:effectLst/>
+                <a:latin typeface="Fira Code" pitchFamily="1" charset="0"/>
+              </a:rPr>
+              <a:t>(</a:t>
             </a:r>
             <a:r>
               <a:rPr lang="en-US" b="0" dirty="0">
@@ -17968,17 +17950,17 @@
                 <a:effectLst/>
                 <a:latin typeface="Fira Code" pitchFamily="1" charset="0"/>
               </a:rPr>
-              <a:t>1</a:t>
-            </a:r>
-            <a:r>
-              <a:rPr lang="en-US" b="0" dirty="0">
-                <a:solidFill>
-                  <a:srgbClr val="B5B3AA"/>
-                </a:solidFill>
-                <a:effectLst/>
-                <a:latin typeface="Fira Code" pitchFamily="1" charset="0"/>
-              </a:rPr>
-              <a:t>]</a:t>
+              <a:t>0x53</a:t>
+            </a:r>
+            <a:r>
+              <a:rPr lang="en-US" b="0" dirty="0">
+                <a:solidFill>
+                  <a:srgbClr val="B5B3AA"/>
+                </a:solidFill>
+                <a:effectLst/>
+                <a:latin typeface="Fira Code" pitchFamily="1" charset="0"/>
+              </a:rPr>
+              <a:t>)</a:t>
             </a:r>
             <a:r>
               <a:rPr lang="en-US" b="0" dirty="0">
@@ -17998,7 +17980,7 @@
                 <a:effectLst/>
                 <a:latin typeface="Fira Code" pitchFamily="1" charset="0"/>
               </a:rPr>
-              <a:t>=</a:t>
+              <a:t>&lt;</a:t>
             </a:r>
             <a:r>
               <a:rPr lang="en-US" b="0" dirty="0">
@@ -18013,82 +17995,82 @@
             <a:r>
               <a:rPr lang="en-US" b="0" dirty="0">
                 <a:solidFill>
-                  <a:srgbClr val="FF6C60"/>
-                </a:solidFill>
-                <a:effectLst/>
-                <a:latin typeface="Fira Code" pitchFamily="1" charset="0"/>
-              </a:rPr>
-              <a:t>snake</a:t>
-            </a:r>
-            <a:r>
-              <a:rPr lang="en-US" b="0" dirty="0">
-                <a:solidFill>
-                  <a:srgbClr val="B5B3AA"/>
-                </a:solidFill>
-                <a:effectLst/>
-                <a:latin typeface="Fira Code" pitchFamily="1" charset="0"/>
-              </a:rPr>
-              <a:t>[</a:t>
-            </a:r>
-            <a:r>
-              <a:rPr lang="en-US" b="0" dirty="0">
-                <a:solidFill>
-                  <a:srgbClr val="FF6C60"/>
-                </a:solidFill>
-                <a:effectLst/>
-                <a:latin typeface="Fira Code" pitchFamily="1" charset="0"/>
-              </a:rPr>
-              <a:t>i</a:t>
-            </a:r>
-            <a:r>
-              <a:rPr lang="en-US" b="0" dirty="0">
-                <a:solidFill>
-                  <a:srgbClr val="D4D4D4"/>
-                </a:solidFill>
-                <a:effectLst/>
-                <a:latin typeface="Fira Code" pitchFamily="1" charset="0"/>
-              </a:rPr>
-              <a:t>-</a:t>
-            </a:r>
-            <a:r>
-              <a:rPr lang="en-US" b="0" dirty="0">
-                <a:solidFill>
                   <a:srgbClr val="E9C062"/>
                 </a:solidFill>
                 <a:effectLst/>
                 <a:latin typeface="Fira Code" pitchFamily="1" charset="0"/>
               </a:rPr>
-              <a:t>1</a:t>
-            </a:r>
-            <a:r>
-              <a:rPr lang="en-US" b="0" dirty="0">
-                <a:solidFill>
-                  <a:srgbClr val="B5B3AA"/>
-                </a:solidFill>
-                <a:effectLst/>
-                <a:latin typeface="Fira Code" pitchFamily="1" charset="0"/>
-              </a:rPr>
-              <a:t>][</a:t>
-            </a:r>
-            <a:r>
-              <a:rPr lang="en-US" b="0" dirty="0">
-                <a:solidFill>
-                  <a:srgbClr val="E9C062"/>
-                </a:solidFill>
-                <a:effectLst/>
-                <a:latin typeface="Fira Code" pitchFamily="1" charset="0"/>
-              </a:rPr>
-              <a:t>1</a:t>
-            </a:r>
-            <a:r>
-              <a:rPr lang="en-US" b="0" dirty="0">
-                <a:solidFill>
-                  <a:srgbClr val="B5B3AA"/>
-                </a:solidFill>
-                <a:effectLst/>
-                <a:latin typeface="Fira Code" pitchFamily="1" charset="0"/>
-              </a:rPr>
-              <a:t>];</a:t>
+              <a:t>0</a:t>
+            </a:r>
+            <a:r>
+              <a:rPr lang="en-US" b="0" dirty="0">
+                <a:solidFill>
+                  <a:srgbClr val="B5B3AA"/>
+                </a:solidFill>
+                <a:effectLst/>
+                <a:latin typeface="Fira Code" pitchFamily="1" charset="0"/>
+              </a:rPr>
+              <a:t>)</a:t>
+            </a:r>
+            <a:r>
+              <a:rPr lang="en-US" b="0" dirty="0">
+                <a:solidFill>
+                  <a:srgbClr val="DDDDDD"/>
+                </a:solidFill>
+                <a:effectLst/>
+                <a:latin typeface="Fira Code" pitchFamily="1" charset="0"/>
+              </a:rPr>
+              <a:t> </a:t>
+            </a:r>
+            <a:r>
+              <a:rPr lang="en-US" b="0" dirty="0">
+                <a:solidFill>
+                  <a:srgbClr val="B5B3AA"/>
+                </a:solidFill>
+                <a:effectLst/>
+                <a:latin typeface="Fira Code" pitchFamily="1" charset="0"/>
+              </a:rPr>
+              <a:t>return</a:t>
+            </a:r>
+            <a:r>
+              <a:rPr lang="en-US" b="0" dirty="0">
+                <a:solidFill>
+                  <a:srgbClr val="DDDDDD"/>
+                </a:solidFill>
+                <a:effectLst/>
+                <a:latin typeface="Fira Code" pitchFamily="1" charset="0"/>
+              </a:rPr>
+              <a:t> </a:t>
+            </a:r>
+            <a:r>
+              <a:rPr lang="en-US" b="0" dirty="0">
+                <a:solidFill>
+                  <a:srgbClr val="B5B3AA"/>
+                </a:solidFill>
+                <a:effectLst/>
+                <a:latin typeface="Fira Code" pitchFamily="1" charset="0"/>
+              </a:rPr>
+              <a:t>'</a:t>
+            </a:r>
+            <a:r>
+              <a:rPr lang="en-US" b="0" dirty="0">
+                <a:solidFill>
+                  <a:srgbClr val="A8FF60"/>
+                </a:solidFill>
+                <a:effectLst/>
+                <a:latin typeface="Fira Code" pitchFamily="1" charset="0"/>
+              </a:rPr>
+              <a:t>s</a:t>
+            </a:r>
+            <a:r>
+              <a:rPr lang="en-US" b="0" dirty="0">
+                <a:solidFill>
+                  <a:srgbClr val="B5B3AA"/>
+                </a:solidFill>
+                <a:effectLst/>
+                <a:latin typeface="Fira Code" pitchFamily="1" charset="0"/>
+              </a:rPr>
+              <a:t>';</a:t>
             </a:r>
             <a:endParaRPr lang="en-US" b="0" dirty="0">
               <a:solidFill>
@@ -18107,8 +18089,287 @@
                 <a:effectLst/>
                 <a:latin typeface="Fira Code" pitchFamily="1" charset="0"/>
               </a:rPr>
-              <a:t>      </a:t>
-            </a:r>
+              <a:t>  </a:t>
+            </a:r>
+            <a:r>
+              <a:rPr lang="en-US" b="0" dirty="0">
+                <a:solidFill>
+                  <a:srgbClr val="B5B3AA"/>
+                </a:solidFill>
+                <a:effectLst/>
+                <a:latin typeface="Fira Code" pitchFamily="1" charset="0"/>
+              </a:rPr>
+              <a:t>if</a:t>
+            </a:r>
+            <a:r>
+              <a:rPr lang="en-US" b="0" dirty="0">
+                <a:solidFill>
+                  <a:srgbClr val="DDDDDD"/>
+                </a:solidFill>
+                <a:effectLst/>
+                <a:latin typeface="Fira Code" pitchFamily="1" charset="0"/>
+              </a:rPr>
+              <a:t> </a:t>
+            </a:r>
+            <a:r>
+              <a:rPr lang="en-US" b="0" dirty="0">
+                <a:solidFill>
+                  <a:srgbClr val="B5B3AA"/>
+                </a:solidFill>
+                <a:effectLst/>
+                <a:latin typeface="Fira Code" pitchFamily="1" charset="0"/>
+              </a:rPr>
+              <a:t>(</a:t>
+            </a:r>
+            <a:r>
+              <a:rPr lang="en-US" b="0" dirty="0" err="1">
+                <a:solidFill>
+                  <a:srgbClr val="96CBFE"/>
+                </a:solidFill>
+                <a:effectLst/>
+                <a:latin typeface="Fira Code" pitchFamily="1" charset="0"/>
+              </a:rPr>
+              <a:t>GetKeyState</a:t>
+            </a:r>
+            <a:r>
+              <a:rPr lang="en-US" b="0" dirty="0">
+                <a:solidFill>
+                  <a:srgbClr val="B5B3AA"/>
+                </a:solidFill>
+                <a:effectLst/>
+                <a:latin typeface="Fira Code" pitchFamily="1" charset="0"/>
+              </a:rPr>
+              <a:t>(</a:t>
+            </a:r>
+            <a:r>
+              <a:rPr lang="en-US" b="0" dirty="0">
+                <a:solidFill>
+                  <a:srgbClr val="E9C062"/>
+                </a:solidFill>
+                <a:effectLst/>
+                <a:latin typeface="Fira Code" pitchFamily="1" charset="0"/>
+              </a:rPr>
+              <a:t>0x44</a:t>
+            </a:r>
+            <a:r>
+              <a:rPr lang="en-US" b="0" dirty="0">
+                <a:solidFill>
+                  <a:srgbClr val="B5B3AA"/>
+                </a:solidFill>
+                <a:effectLst/>
+                <a:latin typeface="Fira Code" pitchFamily="1" charset="0"/>
+              </a:rPr>
+              <a:t>)</a:t>
+            </a:r>
+            <a:r>
+              <a:rPr lang="en-US" b="0" dirty="0">
+                <a:solidFill>
+                  <a:srgbClr val="DDDDDD"/>
+                </a:solidFill>
+                <a:effectLst/>
+                <a:latin typeface="Fira Code" pitchFamily="1" charset="0"/>
+              </a:rPr>
+              <a:t> </a:t>
+            </a:r>
+            <a:r>
+              <a:rPr lang="en-US" b="0" dirty="0">
+                <a:solidFill>
+                  <a:srgbClr val="D4D4D4"/>
+                </a:solidFill>
+                <a:effectLst/>
+                <a:latin typeface="Fira Code" pitchFamily="1" charset="0"/>
+              </a:rPr>
+              <a:t>&lt;</a:t>
+            </a:r>
+            <a:r>
+              <a:rPr lang="en-US" b="0" dirty="0">
+                <a:solidFill>
+                  <a:srgbClr val="DDDDDD"/>
+                </a:solidFill>
+                <a:effectLst/>
+                <a:latin typeface="Fira Code" pitchFamily="1" charset="0"/>
+              </a:rPr>
+              <a:t> </a:t>
+            </a:r>
+            <a:r>
+              <a:rPr lang="en-US" b="0" dirty="0">
+                <a:solidFill>
+                  <a:srgbClr val="E9C062"/>
+                </a:solidFill>
+                <a:effectLst/>
+                <a:latin typeface="Fira Code" pitchFamily="1" charset="0"/>
+              </a:rPr>
+              <a:t>0</a:t>
+            </a:r>
+            <a:r>
+              <a:rPr lang="en-US" b="0" dirty="0">
+                <a:solidFill>
+                  <a:srgbClr val="B5B3AA"/>
+                </a:solidFill>
+                <a:effectLst/>
+                <a:latin typeface="Fira Code" pitchFamily="1" charset="0"/>
+              </a:rPr>
+              <a:t>)</a:t>
+            </a:r>
+            <a:r>
+              <a:rPr lang="en-US" b="0" dirty="0">
+                <a:solidFill>
+                  <a:srgbClr val="DDDDDD"/>
+                </a:solidFill>
+                <a:effectLst/>
+                <a:latin typeface="Fira Code" pitchFamily="1" charset="0"/>
+              </a:rPr>
+              <a:t> </a:t>
+            </a:r>
+            <a:r>
+              <a:rPr lang="en-US" b="0" dirty="0">
+                <a:solidFill>
+                  <a:srgbClr val="B5B3AA"/>
+                </a:solidFill>
+                <a:effectLst/>
+                <a:latin typeface="Fira Code" pitchFamily="1" charset="0"/>
+              </a:rPr>
+              <a:t>return</a:t>
+            </a:r>
+            <a:r>
+              <a:rPr lang="en-US" b="0" dirty="0">
+                <a:solidFill>
+                  <a:srgbClr val="DDDDDD"/>
+                </a:solidFill>
+                <a:effectLst/>
+                <a:latin typeface="Fira Code" pitchFamily="1" charset="0"/>
+              </a:rPr>
+              <a:t> </a:t>
+            </a:r>
+            <a:r>
+              <a:rPr lang="en-US" b="0" dirty="0">
+                <a:solidFill>
+                  <a:srgbClr val="B5B3AA"/>
+                </a:solidFill>
+                <a:effectLst/>
+                <a:latin typeface="Fira Code" pitchFamily="1" charset="0"/>
+              </a:rPr>
+              <a:t>'</a:t>
+            </a:r>
+            <a:r>
+              <a:rPr lang="en-US" b="0" dirty="0">
+                <a:solidFill>
+                  <a:srgbClr val="A8FF60"/>
+                </a:solidFill>
+                <a:effectLst/>
+                <a:latin typeface="Fira Code" pitchFamily="1" charset="0"/>
+              </a:rPr>
+              <a:t>d</a:t>
+            </a:r>
+            <a:r>
+              <a:rPr lang="en-US" b="0" dirty="0">
+                <a:solidFill>
+                  <a:srgbClr val="B5B3AA"/>
+                </a:solidFill>
+                <a:effectLst/>
+                <a:latin typeface="Fira Code" pitchFamily="1" charset="0"/>
+              </a:rPr>
+              <a:t>';</a:t>
+            </a:r>
+            <a:endParaRPr lang="en-US" b="0" dirty="0">
+              <a:solidFill>
+                <a:srgbClr val="DDDDDD"/>
+              </a:solidFill>
+              <a:effectLst/>
+              <a:latin typeface="Fira Code" pitchFamily="1" charset="0"/>
+            </a:endParaRPr>
+          </a:p>
+          <a:p>
+            <a:r>
+              <a:rPr lang="en-US" b="0" dirty="0">
+                <a:solidFill>
+                  <a:srgbClr val="DDDDDD"/>
+                </a:solidFill>
+                <a:effectLst/>
+                <a:latin typeface="Fira Code" pitchFamily="1" charset="0"/>
+              </a:rPr>
+              <a:t>  </a:t>
+            </a:r>
+          </a:p>
+          <a:p>
+            <a:r>
+              <a:rPr lang="en-US" b="0" dirty="0">
+                <a:solidFill>
+                  <a:srgbClr val="DDDDDD"/>
+                </a:solidFill>
+                <a:effectLst/>
+                <a:latin typeface="Fira Code" pitchFamily="1" charset="0"/>
+              </a:rPr>
+              <a:t>  </a:t>
+            </a:r>
+            <a:r>
+              <a:rPr lang="en-US" b="0" dirty="0">
+                <a:solidFill>
+                  <a:srgbClr val="B5B3AA"/>
+                </a:solidFill>
+                <a:effectLst/>
+                <a:latin typeface="Fira Code" pitchFamily="1" charset="0"/>
+              </a:rPr>
+              <a:t>return</a:t>
+            </a:r>
+            <a:r>
+              <a:rPr lang="en-US" b="0" dirty="0">
+                <a:solidFill>
+                  <a:srgbClr val="DDDDDD"/>
+                </a:solidFill>
+                <a:effectLst/>
+                <a:latin typeface="Fira Code" pitchFamily="1" charset="0"/>
+              </a:rPr>
+              <a:t> </a:t>
+            </a:r>
+            <a:r>
+              <a:rPr lang="en-US" b="0" dirty="0">
+                <a:solidFill>
+                  <a:srgbClr val="B5B3AA"/>
+                </a:solidFill>
+                <a:effectLst/>
+                <a:latin typeface="Fira Code" pitchFamily="1" charset="0"/>
+              </a:rPr>
+              <a:t>'</a:t>
+            </a:r>
+            <a:r>
+              <a:rPr lang="en-US" b="0" dirty="0">
+                <a:solidFill>
+                  <a:srgbClr val="C6C5FE"/>
+                </a:solidFill>
+                <a:effectLst/>
+                <a:latin typeface="Fira Code" pitchFamily="1" charset="0"/>
+              </a:rPr>
+              <a:t>\0</a:t>
+            </a:r>
+            <a:r>
+              <a:rPr lang="en-US" b="0" dirty="0">
+                <a:solidFill>
+                  <a:srgbClr val="B5B3AA"/>
+                </a:solidFill>
+                <a:effectLst/>
+                <a:latin typeface="Fira Code" pitchFamily="1" charset="0"/>
+              </a:rPr>
+              <a:t>';</a:t>
+            </a:r>
+            <a:endParaRPr lang="en-US" b="0" dirty="0">
+              <a:solidFill>
+                <a:srgbClr val="DDDDDD"/>
+              </a:solidFill>
+              <a:effectLst/>
+              <a:latin typeface="Fira Code" pitchFamily="1" charset="0"/>
+            </a:endParaRPr>
+          </a:p>
+          <a:p>
+            <a:br>
+              <a:rPr lang="en-US" b="0" dirty="0">
+                <a:solidFill>
+                  <a:srgbClr val="DDDDDD"/>
+                </a:solidFill>
+                <a:effectLst/>
+                <a:latin typeface="Fira Code" pitchFamily="1" charset="0"/>
+              </a:rPr>
+            </a:br>
             <a:r>
               <a:rPr lang="en-US" b="0" dirty="0">
                 <a:solidFill>
@@ -18143,8 +18404,8 @@
         </p:nvSpPr>
         <p:spPr>
           <a:xfrm>
-            <a:off x="712303" y="4228478"/>
-            <a:ext cx="9417657" cy="1200329"/>
+            <a:off x="7366552" y="2418894"/>
+            <a:ext cx="9417657" cy="3139321"/>
           </a:xfrm>
           <a:prstGeom prst="rect">
             <a:avLst/>
@@ -18160,332 +18421,42 @@
             <a:r>
               <a:rPr lang="en-US" b="0" dirty="0">
                 <a:solidFill>
+                  <a:srgbClr val="FF73FD"/>
+                </a:solidFill>
+                <a:effectLst/>
+                <a:latin typeface="Fira Code" pitchFamily="1" charset="0"/>
+              </a:rPr>
+              <a:t>void</a:t>
+            </a:r>
+            <a:r>
+              <a:rPr lang="en-US" b="0" dirty="0">
+                <a:solidFill>
                   <a:srgbClr val="DDDDDD"/>
                 </a:solidFill>
                 <a:effectLst/>
                 <a:latin typeface="Fira Code" pitchFamily="1" charset="0"/>
               </a:rPr>
-              <a:t>    </a:t>
-            </a:r>
-            <a:r>
-              <a:rPr lang="en-US" b="0" dirty="0">
-                <a:solidFill>
-                  <a:srgbClr val="B5B3AA"/>
-                </a:solidFill>
-                <a:effectLst/>
-                <a:latin typeface="Fira Code" pitchFamily="1" charset="0"/>
-              </a:rPr>
-              <a:t>while</a:t>
-            </a:r>
-            <a:r>
-              <a:rPr lang="en-US" b="0" dirty="0">
-                <a:solidFill>
-                  <a:srgbClr val="DDDDDD"/>
-                </a:solidFill>
-                <a:effectLst/>
-                <a:latin typeface="Fira Code" pitchFamily="1" charset="0"/>
-              </a:rPr>
               <a:t> </a:t>
             </a:r>
             <a:r>
-              <a:rPr lang="en-US" b="0" dirty="0">
-                <a:solidFill>
-                  <a:srgbClr val="B5B3AA"/>
-                </a:solidFill>
-                <a:effectLst/>
-                <a:latin typeface="Fira Code" pitchFamily="1" charset="0"/>
-              </a:rPr>
-              <a:t>(</a:t>
-            </a:r>
-            <a:r>
-              <a:rPr lang="en-US" b="0" dirty="0">
-                <a:solidFill>
-                  <a:srgbClr val="FF6C60"/>
-                </a:solidFill>
-                <a:effectLst/>
-                <a:latin typeface="Fira Code" pitchFamily="1" charset="0"/>
-              </a:rPr>
-              <a:t>apple</a:t>
-            </a:r>
-            <a:r>
-              <a:rPr lang="en-US" b="0" dirty="0">
-                <a:solidFill>
-                  <a:srgbClr val="B5B3AA"/>
-                </a:solidFill>
-                <a:effectLst/>
-                <a:latin typeface="Fira Code" pitchFamily="1" charset="0"/>
-              </a:rPr>
-              <a:t>[</a:t>
-            </a:r>
-            <a:r>
-              <a:rPr lang="en-US" b="0" dirty="0">
-                <a:solidFill>
-                  <a:srgbClr val="E9C062"/>
-                </a:solidFill>
-                <a:effectLst/>
-                <a:latin typeface="Fira Code" pitchFamily="1" charset="0"/>
-              </a:rPr>
-              <a:t>0</a:t>
-            </a:r>
-            <a:r>
-              <a:rPr lang="en-US" b="0" dirty="0">
-                <a:solidFill>
-                  <a:srgbClr val="B5B3AA"/>
-                </a:solidFill>
-                <a:effectLst/>
-                <a:latin typeface="Fira Code" pitchFamily="1" charset="0"/>
-              </a:rPr>
-              <a:t>]</a:t>
-            </a:r>
-            <a:r>
-              <a:rPr lang="en-US" b="0" dirty="0">
-                <a:solidFill>
-                  <a:srgbClr val="DDDDDD"/>
-                </a:solidFill>
-                <a:effectLst/>
-                <a:latin typeface="Fira Code" pitchFamily="1" charset="0"/>
-              </a:rPr>
-              <a:t> </a:t>
-            </a:r>
-            <a:r>
-              <a:rPr lang="en-US" b="0" dirty="0">
-                <a:solidFill>
-                  <a:srgbClr val="D4D4D4"/>
-                </a:solidFill>
-                <a:effectLst/>
-                <a:latin typeface="Fira Code" pitchFamily="1" charset="0"/>
-              </a:rPr>
-              <a:t>==</a:t>
-            </a:r>
-            <a:r>
-              <a:rPr lang="en-US" b="0" dirty="0">
-                <a:solidFill>
-                  <a:srgbClr val="DDDDDD"/>
-                </a:solidFill>
-                <a:effectLst/>
-                <a:latin typeface="Fira Code" pitchFamily="1" charset="0"/>
-              </a:rPr>
-              <a:t> </a:t>
-            </a:r>
-            <a:r>
-              <a:rPr lang="en-US" b="0" dirty="0">
-                <a:solidFill>
-                  <a:srgbClr val="FF6C60"/>
-                </a:solidFill>
-                <a:effectLst/>
-                <a:latin typeface="Fira Code" pitchFamily="1" charset="0"/>
-              </a:rPr>
-              <a:t>snake</a:t>
-            </a:r>
-            <a:r>
-              <a:rPr lang="en-US" b="0" dirty="0">
-                <a:solidFill>
-                  <a:srgbClr val="B5B3AA"/>
-                </a:solidFill>
-                <a:effectLst/>
-                <a:latin typeface="Fira Code" pitchFamily="1" charset="0"/>
-              </a:rPr>
-              <a:t>[</a:t>
-            </a:r>
-            <a:r>
-              <a:rPr lang="en-US" b="0" dirty="0">
-                <a:solidFill>
-                  <a:srgbClr val="E9C062"/>
-                </a:solidFill>
-                <a:effectLst/>
-                <a:latin typeface="Fira Code" pitchFamily="1" charset="0"/>
-              </a:rPr>
-              <a:t>0</a:t>
-            </a:r>
-            <a:r>
-              <a:rPr lang="en-US" b="0" dirty="0">
-                <a:solidFill>
-                  <a:srgbClr val="B5B3AA"/>
-                </a:solidFill>
-                <a:effectLst/>
-                <a:latin typeface="Fira Code" pitchFamily="1" charset="0"/>
-              </a:rPr>
-              <a:t>][</a:t>
-            </a:r>
-            <a:r>
-              <a:rPr lang="en-US" b="0" dirty="0">
-                <a:solidFill>
-                  <a:srgbClr val="E9C062"/>
-                </a:solidFill>
-                <a:effectLst/>
-                <a:latin typeface="Fira Code" pitchFamily="1" charset="0"/>
-              </a:rPr>
-              <a:t>0</a:t>
-            </a:r>
-            <a:r>
-              <a:rPr lang="en-US" b="0" dirty="0">
-                <a:solidFill>
-                  <a:srgbClr val="B5B3AA"/>
-                </a:solidFill>
-                <a:effectLst/>
-                <a:latin typeface="Fira Code" pitchFamily="1" charset="0"/>
-              </a:rPr>
-              <a:t>]</a:t>
-            </a:r>
-            <a:r>
-              <a:rPr lang="en-US" b="0" dirty="0">
-                <a:solidFill>
-                  <a:srgbClr val="DDDDDD"/>
-                </a:solidFill>
-                <a:effectLst/>
-                <a:latin typeface="Fira Code" pitchFamily="1" charset="0"/>
-              </a:rPr>
-              <a:t> </a:t>
-            </a:r>
-            <a:r>
-              <a:rPr lang="en-US" b="0" dirty="0">
-                <a:solidFill>
-                  <a:srgbClr val="D4D4D4"/>
-                </a:solidFill>
-                <a:effectLst/>
-                <a:latin typeface="Fira Code" pitchFamily="1" charset="0"/>
-              </a:rPr>
-              <a:t>&amp;&amp;</a:t>
-            </a:r>
-            <a:r>
-              <a:rPr lang="en-US" b="0" dirty="0">
-                <a:solidFill>
-                  <a:srgbClr val="DDDDDD"/>
-                </a:solidFill>
-                <a:effectLst/>
-                <a:latin typeface="Fira Code" pitchFamily="1" charset="0"/>
-              </a:rPr>
-              <a:t> </a:t>
-            </a:r>
-            <a:r>
-              <a:rPr lang="en-US" b="0" dirty="0">
-                <a:solidFill>
-                  <a:srgbClr val="FF6C60"/>
-                </a:solidFill>
-                <a:effectLst/>
-                <a:latin typeface="Fira Code" pitchFamily="1" charset="0"/>
-              </a:rPr>
-              <a:t>apple</a:t>
-            </a:r>
-            <a:r>
-              <a:rPr lang="en-US" b="0" dirty="0">
-                <a:solidFill>
-                  <a:srgbClr val="B5B3AA"/>
-                </a:solidFill>
-                <a:effectLst/>
-                <a:latin typeface="Fira Code" pitchFamily="1" charset="0"/>
-              </a:rPr>
-              <a:t>[</a:t>
-            </a:r>
-            <a:r>
-              <a:rPr lang="en-US" b="0" dirty="0">
-                <a:solidFill>
-                  <a:srgbClr val="E9C062"/>
-                </a:solidFill>
-                <a:effectLst/>
-                <a:latin typeface="Fira Code" pitchFamily="1" charset="0"/>
-              </a:rPr>
-              <a:t>1</a:t>
-            </a:r>
-            <a:r>
-              <a:rPr lang="en-US" b="0" dirty="0">
-                <a:solidFill>
-                  <a:srgbClr val="B5B3AA"/>
-                </a:solidFill>
-                <a:effectLst/>
-                <a:latin typeface="Fira Code" pitchFamily="1" charset="0"/>
-              </a:rPr>
-              <a:t>]</a:t>
-            </a:r>
-            <a:r>
-              <a:rPr lang="en-US" b="0" dirty="0">
-                <a:solidFill>
-                  <a:srgbClr val="DDDDDD"/>
-                </a:solidFill>
-                <a:effectLst/>
-                <a:latin typeface="Fira Code" pitchFamily="1" charset="0"/>
-              </a:rPr>
-              <a:t> </a:t>
-            </a:r>
-            <a:r>
-              <a:rPr lang="en-US" b="0" dirty="0">
-                <a:solidFill>
-                  <a:srgbClr val="D4D4D4"/>
-                </a:solidFill>
-                <a:effectLst/>
-                <a:latin typeface="Fira Code" pitchFamily="1" charset="0"/>
-              </a:rPr>
-              <a:t>==</a:t>
-            </a:r>
-            <a:r>
-              <a:rPr lang="en-US" b="0" dirty="0">
-                <a:solidFill>
-                  <a:srgbClr val="DDDDDD"/>
-                </a:solidFill>
-                <a:effectLst/>
-                <a:latin typeface="Fira Code" pitchFamily="1" charset="0"/>
-              </a:rPr>
-              <a:t> </a:t>
-            </a:r>
-            <a:r>
-              <a:rPr lang="en-US" b="0" dirty="0">
-                <a:solidFill>
-                  <a:srgbClr val="FF6C60"/>
-                </a:solidFill>
-                <a:effectLst/>
-                <a:latin typeface="Fira Code" pitchFamily="1" charset="0"/>
-              </a:rPr>
-              <a:t>snake</a:t>
-            </a:r>
-            <a:r>
-              <a:rPr lang="en-US" b="0" dirty="0">
-                <a:solidFill>
-                  <a:srgbClr val="B5B3AA"/>
-                </a:solidFill>
-                <a:effectLst/>
-                <a:latin typeface="Fira Code" pitchFamily="1" charset="0"/>
-              </a:rPr>
-              <a:t>[</a:t>
-            </a:r>
-            <a:r>
-              <a:rPr lang="en-US" b="0" dirty="0">
-                <a:solidFill>
-                  <a:srgbClr val="E9C062"/>
-                </a:solidFill>
-                <a:effectLst/>
-                <a:latin typeface="Fira Code" pitchFamily="1" charset="0"/>
-              </a:rPr>
-              <a:t>0</a:t>
-            </a:r>
-            <a:r>
-              <a:rPr lang="en-US" b="0" dirty="0">
-                <a:solidFill>
-                  <a:srgbClr val="B5B3AA"/>
-                </a:solidFill>
-                <a:effectLst/>
-                <a:latin typeface="Fira Code" pitchFamily="1" charset="0"/>
-              </a:rPr>
-              <a:t>][</a:t>
-            </a:r>
-            <a:r>
-              <a:rPr lang="en-US" b="0" dirty="0">
-                <a:solidFill>
-                  <a:srgbClr val="E9C062"/>
-                </a:solidFill>
-                <a:effectLst/>
-                <a:latin typeface="Fira Code" pitchFamily="1" charset="0"/>
-              </a:rPr>
-              <a:t>1</a:t>
-            </a:r>
-            <a:r>
-              <a:rPr lang="en-US" b="0" dirty="0">
-                <a:solidFill>
-                  <a:srgbClr val="B5B3AA"/>
-                </a:solidFill>
-                <a:effectLst/>
-                <a:latin typeface="Fira Code" pitchFamily="1" charset="0"/>
-              </a:rPr>
-              <a:t>])</a:t>
+              <a:rPr lang="en-US" b="0" dirty="0" err="1">
+                <a:solidFill>
+                  <a:srgbClr val="96CBFE"/>
+                </a:solidFill>
+                <a:effectLst/>
+                <a:latin typeface="Fira Code" pitchFamily="1" charset="0"/>
+              </a:rPr>
+              <a:t>colorRed</a:t>
+            </a:r>
+            <a:r>
+              <a:rPr lang="en-US" b="0" dirty="0">
+                <a:solidFill>
+                  <a:srgbClr val="B5B3AA"/>
+                </a:solidFill>
+                <a:effectLst/>
+                <a:latin typeface="Fira Code" pitchFamily="1" charset="0"/>
+              </a:rPr>
+              <a:t>()</a:t>
             </a:r>
             <a:r>
               <a:rPr lang="en-US" b="0" dirty="0">
@@ -18524,127 +18495,57 @@
                 <a:effectLst/>
                 <a:latin typeface="Fira Code" pitchFamily="1" charset="0"/>
               </a:rPr>
-              <a:t>      </a:t>
-            </a:r>
-            <a:r>
-              <a:rPr lang="en-US" b="0" dirty="0">
-                <a:solidFill>
-                  <a:srgbClr val="FF6C60"/>
-                </a:solidFill>
-                <a:effectLst/>
-                <a:latin typeface="Fira Code" pitchFamily="1" charset="0"/>
-              </a:rPr>
-              <a:t>apple</a:t>
-            </a:r>
-            <a:r>
-              <a:rPr lang="en-US" b="0" dirty="0">
-                <a:solidFill>
-                  <a:srgbClr val="B5B3AA"/>
-                </a:solidFill>
-                <a:effectLst/>
-                <a:latin typeface="Fira Code" pitchFamily="1" charset="0"/>
-              </a:rPr>
-              <a:t>[</a:t>
-            </a:r>
-            <a:r>
-              <a:rPr lang="en-US" b="0" dirty="0">
-                <a:solidFill>
-                  <a:srgbClr val="E9C062"/>
-                </a:solidFill>
-                <a:effectLst/>
-                <a:latin typeface="Fira Code" pitchFamily="1" charset="0"/>
-              </a:rPr>
-              <a:t>0</a:t>
-            </a:r>
-            <a:r>
-              <a:rPr lang="en-US" b="0" dirty="0">
-                <a:solidFill>
-                  <a:srgbClr val="B5B3AA"/>
-                </a:solidFill>
-                <a:effectLst/>
-                <a:latin typeface="Fira Code" pitchFamily="1" charset="0"/>
-              </a:rPr>
-              <a:t>]</a:t>
-            </a:r>
-            <a:r>
-              <a:rPr lang="en-US" b="0" dirty="0">
-                <a:solidFill>
-                  <a:srgbClr val="DDDDDD"/>
-                </a:solidFill>
-                <a:effectLst/>
-                <a:latin typeface="Fira Code" pitchFamily="1" charset="0"/>
-              </a:rPr>
-              <a:t> </a:t>
-            </a:r>
-            <a:r>
-              <a:rPr lang="en-US" b="0" dirty="0">
-                <a:solidFill>
-                  <a:srgbClr val="D4D4D4"/>
-                </a:solidFill>
-                <a:effectLst/>
-                <a:latin typeface="Fira Code" pitchFamily="1" charset="0"/>
-              </a:rPr>
-              <a:t>=</a:t>
-            </a:r>
-            <a:r>
-              <a:rPr lang="en-US" b="0" dirty="0">
-                <a:solidFill>
-                  <a:srgbClr val="DDDDDD"/>
-                </a:solidFill>
-                <a:effectLst/>
-                <a:latin typeface="Fira Code" pitchFamily="1" charset="0"/>
-              </a:rPr>
-              <a:t> </a:t>
-            </a:r>
-            <a:r>
-              <a:rPr lang="en-US" b="0" dirty="0">
+              <a:t>  </a:t>
+            </a:r>
+            <a:r>
+              <a:rPr lang="en-US" b="0" dirty="0" err="1">
                 <a:solidFill>
                   <a:srgbClr val="96CBFE"/>
                 </a:solidFill>
                 <a:effectLst/>
                 <a:latin typeface="Fira Code" pitchFamily="1" charset="0"/>
               </a:rPr>
-              <a:t>rand</a:t>
-            </a:r>
-            <a:r>
-              <a:rPr lang="en-US" b="0" dirty="0">
-                <a:solidFill>
-                  <a:srgbClr val="B5B3AA"/>
-                </a:solidFill>
-                <a:effectLst/>
-                <a:latin typeface="Fira Code" pitchFamily="1" charset="0"/>
-              </a:rPr>
-              <a:t>()</a:t>
-            </a:r>
-            <a:r>
-              <a:rPr lang="en-US" b="0" dirty="0">
-                <a:solidFill>
-                  <a:srgbClr val="D4D4D4"/>
-                </a:solidFill>
-                <a:effectLst/>
-                <a:latin typeface="Fira Code" pitchFamily="1" charset="0"/>
-              </a:rPr>
-              <a:t>%</a:t>
-            </a:r>
-            <a:r>
-              <a:rPr lang="en-US" b="0" dirty="0">
-                <a:solidFill>
-                  <a:srgbClr val="96CBFE"/>
-                </a:solidFill>
-                <a:effectLst/>
-                <a:latin typeface="Fira Code" pitchFamily="1" charset="0"/>
-              </a:rPr>
-              <a:t>ROWS</a:t>
-            </a:r>
-            <a:r>
-              <a:rPr lang="en-US" b="0" dirty="0">
-                <a:solidFill>
-                  <a:srgbClr val="B5B3AA"/>
-                </a:solidFill>
-                <a:effectLst/>
-                <a:latin typeface="Fira Code" pitchFamily="1" charset="0"/>
-              </a:rPr>
-              <a:t>;</a:t>
+              <a:t>printf</a:t>
+            </a:r>
+            <a:r>
+              <a:rPr lang="en-US" b="0" dirty="0">
+                <a:solidFill>
+                  <a:srgbClr val="B5B3AA"/>
+                </a:solidFill>
+                <a:effectLst/>
+                <a:latin typeface="Fira Code" pitchFamily="1" charset="0"/>
+              </a:rPr>
+              <a:t>("</a:t>
+            </a:r>
+            <a:r>
+              <a:rPr lang="en-US" b="0" dirty="0">
+                <a:solidFill>
+                  <a:srgbClr val="C6C5FE"/>
+                </a:solidFill>
+                <a:effectLst/>
+                <a:latin typeface="Fira Code" pitchFamily="1" charset="0"/>
+              </a:rPr>
+              <a:t>\033</a:t>
+            </a:r>
+            <a:r>
+              <a:rPr lang="en-US" b="0" dirty="0">
+                <a:solidFill>
+                  <a:srgbClr val="A8FF60"/>
+                </a:solidFill>
+                <a:effectLst/>
+                <a:latin typeface="Fira Code" pitchFamily="1" charset="0"/>
+              </a:rPr>
+              <a:t>[0;31m</a:t>
+            </a:r>
+            <a:r>
+              <a:rPr lang="en-US" b="0" dirty="0">
+                <a:solidFill>
+                  <a:srgbClr val="B5B3AA"/>
+                </a:solidFill>
+                <a:effectLst/>
+                <a:latin typeface="Fira Code" pitchFamily="1" charset="0"/>
+              </a:rPr>
+              <a:t>");</a:t>
             </a:r>
             <a:endParaRPr lang="en-US" b="0" dirty="0">
               <a:solidFill>
@@ -18658,132 +18559,12 @@
             <a:r>
               <a:rPr lang="en-US" b="0" dirty="0">
                 <a:solidFill>
-                  <a:srgbClr val="DDDDDD"/>
-                </a:solidFill>
-                <a:effectLst/>
-                <a:latin typeface="Fira Code" pitchFamily="1" charset="0"/>
-              </a:rPr>
-              <a:t>      </a:t>
-            </a:r>
-            <a:r>
-              <a:rPr lang="en-US" b="0" dirty="0">
-                <a:solidFill>
-                  <a:srgbClr val="FF6C60"/>
-                </a:solidFill>
-                <a:effectLst/>
-                <a:latin typeface="Fira Code" pitchFamily="1" charset="0"/>
-              </a:rPr>
-              <a:t>apple</a:t>
-            </a:r>
-            <a:r>
-              <a:rPr lang="en-US" b="0" dirty="0">
-                <a:solidFill>
-                  <a:srgbClr val="B5B3AA"/>
-                </a:solidFill>
-                <a:effectLst/>
-                <a:latin typeface="Fira Code" pitchFamily="1" charset="0"/>
-              </a:rPr>
-              <a:t>[</a:t>
-            </a:r>
-            <a:r>
-              <a:rPr lang="en-US" b="0" dirty="0">
-                <a:solidFill>
-                  <a:srgbClr val="E9C062"/>
-                </a:solidFill>
-                <a:effectLst/>
-                <a:latin typeface="Fira Code" pitchFamily="1" charset="0"/>
-              </a:rPr>
-              <a:t>1</a:t>
-            </a:r>
-            <a:r>
-              <a:rPr lang="en-US" b="0" dirty="0">
-                <a:solidFill>
-                  <a:srgbClr val="B5B3AA"/>
-                </a:solidFill>
-                <a:effectLst/>
-                <a:latin typeface="Fira Code" pitchFamily="1" charset="0"/>
-              </a:rPr>
-              <a:t>]</a:t>
-            </a:r>
-            <a:r>
-              <a:rPr lang="en-US" b="0" dirty="0">
-                <a:solidFill>
-                  <a:srgbClr val="DDDDDD"/>
-                </a:solidFill>
-                <a:effectLst/>
-                <a:latin typeface="Fira Code" pitchFamily="1" charset="0"/>
-              </a:rPr>
-              <a:t> </a:t>
-            </a:r>
-            <a:r>
-              <a:rPr lang="en-US" b="0" dirty="0">
-                <a:solidFill>
-                  <a:srgbClr val="D4D4D4"/>
-                </a:solidFill>
-                <a:effectLst/>
-                <a:latin typeface="Fira Code" pitchFamily="1" charset="0"/>
-              </a:rPr>
-              <a:t>=</a:t>
-            </a:r>
-            <a:r>
-              <a:rPr lang="en-US" b="0" dirty="0">
-                <a:solidFill>
-                  <a:srgbClr val="DDDDDD"/>
-                </a:solidFill>
-                <a:effectLst/>
-                <a:latin typeface="Fira Code" pitchFamily="1" charset="0"/>
-              </a:rPr>
-              <a:t> </a:t>
-            </a:r>
-            <a:r>
-              <a:rPr lang="en-US" b="0" dirty="0">
-                <a:solidFill>
-                  <a:srgbClr val="96CBFE"/>
-                </a:solidFill>
-                <a:effectLst/>
-                <a:latin typeface="Fira Code" pitchFamily="1" charset="0"/>
-              </a:rPr>
-              <a:t>rand</a:t>
-            </a:r>
-            <a:r>
-              <a:rPr lang="en-US" b="0" dirty="0">
-                <a:solidFill>
-                  <a:srgbClr val="B5B3AA"/>
-                </a:solidFill>
-                <a:effectLst/>
-                <a:latin typeface="Fira Code" pitchFamily="1" charset="0"/>
-              </a:rPr>
-              <a:t>()</a:t>
-            </a:r>
-            <a:r>
-              <a:rPr lang="en-US" b="0" dirty="0">
-                <a:solidFill>
-                  <a:srgbClr val="D4D4D4"/>
-                </a:solidFill>
-                <a:effectLst/>
-                <a:latin typeface="Fira Code" pitchFamily="1" charset="0"/>
-              </a:rPr>
-              <a:t>%</a:t>
-            </a:r>
-            <a:r>
-              <a:rPr lang="en-US" b="0" dirty="0">
-                <a:solidFill>
-                  <a:srgbClr val="96CBFE"/>
-                </a:solidFill>
-                <a:effectLst/>
-                <a:latin typeface="Fira Code" pitchFamily="1" charset="0"/>
-              </a:rPr>
-              <a:t>COLS</a:t>
-            </a:r>
-            <a:r>
-              <a:rPr lang="en-US" b="0" dirty="0">
-                <a:solidFill>
-                  <a:srgbClr val="B5B3AA"/>
-                </a:solidFill>
-                <a:effectLst/>
-                <a:latin typeface="Fira Code" pitchFamily="1" charset="0"/>
-              </a:rPr>
-              <a:t>;</a:t>
+                  <a:srgbClr val="B5B3AA"/>
+                </a:solidFill>
+                <a:effectLst/>
+                <a:latin typeface="Fira Code" pitchFamily="1" charset="0"/>
+              </a:rPr>
+              <a:t>}</a:t>
             </a:r>
             <a:endParaRPr lang="en-US" b="0" dirty="0">
               <a:solidFill>
@@ -18794,7 +18575,7 @@
             </a:endParaRPr>
           </a:p>
           <a:p>
-            <a:r>
+            <a:br>
               <a:rPr lang="en-US" b="0" dirty="0">
                 <a:solidFill>
                   <a:srgbClr val="DDDDDD"/>
@@ -18802,8 +18583,311 @@
                 <a:effectLst/>
                 <a:latin typeface="Fira Code" pitchFamily="1" charset="0"/>
               </a:rPr>
-              <a:t>    </a:t>
-            </a:r>
+            </a:br>
+            <a:r>
+              <a:rPr lang="en-US" b="0" dirty="0">
+                <a:solidFill>
+                  <a:srgbClr val="FF73FD"/>
+                </a:solidFill>
+                <a:effectLst/>
+                <a:latin typeface="Fira Code" pitchFamily="1" charset="0"/>
+              </a:rPr>
+              <a:t>void</a:t>
+            </a:r>
+            <a:r>
+              <a:rPr lang="en-US" b="0" dirty="0">
+                <a:solidFill>
+                  <a:srgbClr val="DDDDDD"/>
+                </a:solidFill>
+                <a:effectLst/>
+                <a:latin typeface="Fira Code" pitchFamily="1" charset="0"/>
+              </a:rPr>
+              <a:t> </a:t>
+            </a:r>
+            <a:r>
+              <a:rPr lang="en-US" b="0" dirty="0" err="1">
+                <a:solidFill>
+                  <a:srgbClr val="96CBFE"/>
+                </a:solidFill>
+                <a:effectLst/>
+                <a:latin typeface="Fira Code" pitchFamily="1" charset="0"/>
+              </a:rPr>
+              <a:t>colorGreen</a:t>
+            </a:r>
+            <a:r>
+              <a:rPr lang="en-US" b="0" dirty="0">
+                <a:solidFill>
+                  <a:srgbClr val="B5B3AA"/>
+                </a:solidFill>
+                <a:effectLst/>
+                <a:latin typeface="Fira Code" pitchFamily="1" charset="0"/>
+              </a:rPr>
+              <a:t>()</a:t>
+            </a:r>
+            <a:r>
+              <a:rPr lang="en-US" b="0" dirty="0">
+                <a:solidFill>
+                  <a:srgbClr val="DDDDDD"/>
+                </a:solidFill>
+                <a:effectLst/>
+                <a:latin typeface="Fira Code" pitchFamily="1" charset="0"/>
+              </a:rPr>
+              <a:t> </a:t>
+            </a:r>
+            <a:r>
+              <a:rPr lang="en-US" b="0" dirty="0">
+                <a:solidFill>
+                  <a:srgbClr val="B5B3AA"/>
+                </a:solidFill>
+                <a:effectLst/>
+                <a:latin typeface="Fira Code" pitchFamily="1" charset="0"/>
+              </a:rPr>
+              <a:t>{</a:t>
+            </a:r>
+            <a:endParaRPr lang="en-US" b="0" dirty="0">
+              <a:solidFill>
+                <a:srgbClr val="DDDDDD"/>
+              </a:solidFill>
+              <a:effectLst/>
+              <a:latin typeface="Fira Code" pitchFamily="1" charset="0"/>
+            </a:endParaRPr>
+          </a:p>
+          <a:p>
+            <a:r>
+              <a:rPr lang="en-US" b="0" dirty="0">
+                <a:solidFill>
+                  <a:srgbClr val="DDDDDD"/>
+                </a:solidFill>
+                <a:effectLst/>
+                <a:latin typeface="Fira Code" pitchFamily="1" charset="0"/>
+              </a:rPr>
+              <a:t>  </a:t>
+            </a:r>
+            <a:r>
+              <a:rPr lang="en-US" b="0" dirty="0" err="1">
+                <a:solidFill>
+                  <a:srgbClr val="96CBFE"/>
+                </a:solidFill>
+                <a:effectLst/>
+                <a:latin typeface="Fira Code" pitchFamily="1" charset="0"/>
+              </a:rPr>
+              <a:t>printf</a:t>
+            </a:r>
+            <a:r>
+              <a:rPr lang="en-US" b="0" dirty="0">
+                <a:solidFill>
+                  <a:srgbClr val="B5B3AA"/>
+                </a:solidFill>
+                <a:effectLst/>
+                <a:latin typeface="Fira Code" pitchFamily="1" charset="0"/>
+              </a:rPr>
+              <a:t>("</a:t>
+            </a:r>
+            <a:r>
+              <a:rPr lang="en-US" b="0" dirty="0">
+                <a:solidFill>
+                  <a:srgbClr val="C6C5FE"/>
+                </a:solidFill>
+                <a:effectLst/>
+                <a:latin typeface="Fira Code" pitchFamily="1" charset="0"/>
+              </a:rPr>
+              <a:t>\033</a:t>
+            </a:r>
+            <a:r>
+              <a:rPr lang="en-US" b="0" dirty="0">
+                <a:solidFill>
+                  <a:srgbClr val="A8FF60"/>
+                </a:solidFill>
+                <a:effectLst/>
+                <a:latin typeface="Fira Code" pitchFamily="1" charset="0"/>
+              </a:rPr>
+              <a:t>[1;32m</a:t>
+            </a:r>
+            <a:r>
+              <a:rPr lang="en-US" b="0" dirty="0">
+                <a:solidFill>
+                  <a:srgbClr val="B5B3AA"/>
+                </a:solidFill>
+                <a:effectLst/>
+                <a:latin typeface="Fira Code" pitchFamily="1" charset="0"/>
+              </a:rPr>
+              <a:t>");</a:t>
+            </a:r>
+            <a:endParaRPr lang="en-US" b="0" dirty="0">
+              <a:solidFill>
+                <a:srgbClr val="DDDDDD"/>
+              </a:solidFill>
+              <a:effectLst/>
+              <a:latin typeface="Fira Code" pitchFamily="1" charset="0"/>
+            </a:endParaRPr>
+          </a:p>
+          <a:p>
+            <a:r>
+              <a:rPr lang="en-US" b="0" dirty="0">
+                <a:solidFill>
+                  <a:srgbClr val="B5B3AA"/>
+                </a:solidFill>
+                <a:effectLst/>
+                <a:latin typeface="Fira Code" pitchFamily="1" charset="0"/>
+              </a:rPr>
+              <a:t>}</a:t>
+            </a:r>
+            <a:endParaRPr lang="en-US" b="0" dirty="0">
+              <a:solidFill>
+                <a:srgbClr val="DDDDDD"/>
+              </a:solidFill>
+              <a:effectLst/>
+              <a:latin typeface="Fira Code" pitchFamily="1" charset="0"/>
+            </a:endParaRPr>
+          </a:p>
+          <a:p>
+            <a:br>
+              <a:rPr lang="en-US" b="0" dirty="0">
+                <a:solidFill>
+                  <a:srgbClr val="DDDDDD"/>
+                </a:solidFill>
+                <a:effectLst/>
+                <a:latin typeface="Fira Code" pitchFamily="1" charset="0"/>
+              </a:rPr>
+            </a:br>
+            <a:r>
+              <a:rPr lang="en-US" b="0" dirty="0">
+                <a:solidFill>
+                  <a:srgbClr val="FF73FD"/>
+                </a:solidFill>
+                <a:effectLst/>
+                <a:latin typeface="Fira Code" pitchFamily="1" charset="0"/>
+              </a:rPr>
+              <a:t>void</a:t>
+            </a:r>
+            <a:r>
+              <a:rPr lang="en-US" b="0" dirty="0">
+                <a:solidFill>
+                  <a:srgbClr val="DDDDDD"/>
+                </a:solidFill>
+                <a:effectLst/>
+                <a:latin typeface="Fira Code" pitchFamily="1" charset="0"/>
+              </a:rPr>
+              <a:t> </a:t>
+            </a:r>
+            <a:r>
+              <a:rPr lang="en-US" b="0" dirty="0" err="1">
+                <a:solidFill>
+                  <a:srgbClr val="96CBFE"/>
+                </a:solidFill>
+                <a:effectLst/>
+                <a:latin typeface="Fira Code" pitchFamily="1" charset="0"/>
+              </a:rPr>
+              <a:t>colorDefault</a:t>
+            </a:r>
+            <a:r>
+              <a:rPr lang="en-US" b="0" dirty="0">
+                <a:solidFill>
+                  <a:srgbClr val="B5B3AA"/>
+                </a:solidFill>
+                <a:effectLst/>
+                <a:latin typeface="Fira Code" pitchFamily="1" charset="0"/>
+              </a:rPr>
+              <a:t>()</a:t>
+            </a:r>
+            <a:r>
+              <a:rPr lang="en-US" b="0" dirty="0">
+                <a:solidFill>
+                  <a:srgbClr val="DDDDDD"/>
+                </a:solidFill>
+                <a:effectLst/>
+                <a:latin typeface="Fira Code" pitchFamily="1" charset="0"/>
+              </a:rPr>
+              <a:t> </a:t>
+            </a:r>
+            <a:r>
+              <a:rPr lang="en-US" b="0" dirty="0">
+                <a:solidFill>
+                  <a:srgbClr val="B5B3AA"/>
+                </a:solidFill>
+                <a:effectLst/>
+                <a:latin typeface="Fira Code" pitchFamily="1" charset="0"/>
+              </a:rPr>
+              <a:t>{</a:t>
+            </a:r>
+            <a:endParaRPr lang="en-US" b="0" dirty="0">
+              <a:solidFill>
+                <a:srgbClr val="DDDDDD"/>
+              </a:solidFill>
+              <a:effectLst/>
+              <a:latin typeface="Fira Code" pitchFamily="1" charset="0"/>
+            </a:endParaRPr>
+          </a:p>
+          <a:p>
+            <a:r>
+              <a:rPr lang="en-US" b="0" dirty="0">
+                <a:solidFill>
+                  <a:srgbClr val="DDDDDD"/>
+                </a:solidFill>
+                <a:effectLst/>
+                <a:latin typeface="Fira Code" pitchFamily="1" charset="0"/>
+              </a:rPr>
+              <a:t>  </a:t>
+            </a:r>
+            <a:r>
+              <a:rPr lang="en-US" b="0" dirty="0" err="1">
+                <a:solidFill>
+                  <a:srgbClr val="96CBFE"/>
+                </a:solidFill>
+                <a:effectLst/>
+                <a:latin typeface="Fira Code" pitchFamily="1" charset="0"/>
+              </a:rPr>
+              <a:t>printf</a:t>
+            </a:r>
+            <a:r>
+              <a:rPr lang="en-US" b="0" dirty="0">
+                <a:solidFill>
+                  <a:srgbClr val="B5B3AA"/>
+                </a:solidFill>
+                <a:effectLst/>
+                <a:latin typeface="Fira Code" pitchFamily="1" charset="0"/>
+              </a:rPr>
+              <a:t>("</a:t>
+            </a:r>
+            <a:r>
+              <a:rPr lang="en-US" b="0" dirty="0">
+                <a:solidFill>
+                  <a:srgbClr val="C6C5FE"/>
+                </a:solidFill>
+                <a:effectLst/>
+                <a:latin typeface="Fira Code" pitchFamily="1" charset="0"/>
+              </a:rPr>
+              <a:t>\033</a:t>
+            </a:r>
+            <a:r>
+              <a:rPr lang="en-US" b="0" dirty="0">
+                <a:solidFill>
+                  <a:srgbClr val="A8FF60"/>
+                </a:solidFill>
+                <a:effectLst/>
+                <a:latin typeface="Fira Code" pitchFamily="1" charset="0"/>
+              </a:rPr>
+              <a:t>[0m</a:t>
+            </a:r>
+            <a:r>
+              <a:rPr lang="en-US" b="0" dirty="0">
+                <a:solidFill>
+                  <a:srgbClr val="B5B3AA"/>
+                </a:solidFill>
+                <a:effectLst/>
+                <a:latin typeface="Fira Code" pitchFamily="1" charset="0"/>
+              </a:rPr>
+              <a:t>");</a:t>
+            </a:r>
+            <a:endParaRPr lang="en-US" b="0" dirty="0">
+              <a:solidFill>
+                <a:srgbClr val="DDDDDD"/>
+              </a:solidFill>
+              <a:effectLst/>
+              <a:latin typeface="Fira Code" pitchFamily="1" charset="0"/>
+            </a:endParaRPr>
+          </a:p>
+          <a:p>
             <a:r>
               <a:rPr lang="en-US" b="0" dirty="0">
                 <a:solidFill>
@@ -18827,7 +18911,7 @@
     </p:spTree>
     <p:extLst>
       <p:ext uri="{BB962C8B-B14F-4D97-AF65-F5344CB8AC3E}">
-        <p14:creationId xmlns:p14="http://schemas.microsoft.com/office/powerpoint/2010/main" val="3481172191"/>
+        <p14:creationId xmlns:p14="http://schemas.microsoft.com/office/powerpoint/2010/main" val="2605565983"/>
       </p:ext>
     </p:extLst>
   </p:cSld>
@@ -18891,7 +18975,7 @@
                 <a:latin typeface="Arial" panose="020B0604020202020204" pitchFamily="34" charset="0"/>
                 <a:cs typeface="Arial" panose="020B0604020202020204" pitchFamily="34" charset="0"/>
               </a:rPr>
-              <a:t>Functions</a:t>
+              <a:t>Error checking</a:t>
             </a:r>
           </a:p>
         </p:txBody>
@@ -18910,8 +18994,8 @@
         </p:nvSpPr>
         <p:spPr>
           <a:xfrm>
-            <a:off x="710980" y="2498481"/>
-            <a:ext cx="6206656" cy="2862322"/>
+            <a:off x="5362492" y="612844"/>
+            <a:ext cx="10174357" cy="5632311"/>
           </a:xfrm>
           <a:prstGeom prst="rect">
             <a:avLst/>
@@ -18927,42 +19011,204 @@
             <a:r>
               <a:rPr lang="en-US" b="0" dirty="0">
                 <a:solidFill>
-                  <a:srgbClr val="FF73FD"/>
-                </a:solidFill>
-                <a:effectLst/>
-                <a:latin typeface="Fira Code" pitchFamily="1" charset="0"/>
-              </a:rPr>
-              <a:t>char</a:t>
-            </a:r>
-            <a:r>
-              <a:rPr lang="en-US" b="0" dirty="0">
-                <a:solidFill>
                   <a:srgbClr val="DDDDDD"/>
                 </a:solidFill>
                 <a:effectLst/>
                 <a:latin typeface="Fira Code" pitchFamily="1" charset="0"/>
               </a:rPr>
+              <a:t>      </a:t>
+            </a:r>
+            <a:r>
+              <a:rPr lang="en-US" b="0" dirty="0">
+                <a:solidFill>
+                  <a:srgbClr val="B5B3AA"/>
+                </a:solidFill>
+                <a:effectLst/>
+                <a:latin typeface="Fira Code" pitchFamily="1" charset="0"/>
+              </a:rPr>
+              <a:t>if</a:t>
+            </a:r>
+            <a:r>
+              <a:rPr lang="en-US" b="0" dirty="0">
+                <a:solidFill>
+                  <a:srgbClr val="DDDDDD"/>
+                </a:solidFill>
+                <a:effectLst/>
+                <a:latin typeface="Fira Code" pitchFamily="1" charset="0"/>
+              </a:rPr>
               <a:t> </a:t>
             </a:r>
             <a:r>
+              <a:rPr lang="en-US" b="0" dirty="0">
+                <a:solidFill>
+                  <a:srgbClr val="B5B3AA"/>
+                </a:solidFill>
+                <a:effectLst/>
+                <a:latin typeface="Fira Code" pitchFamily="1" charset="0"/>
+              </a:rPr>
+              <a:t>(</a:t>
+            </a:r>
+            <a:r>
               <a:rPr lang="en-US" b="0" dirty="0" err="1">
                 <a:solidFill>
-                  <a:srgbClr val="96CBFE"/>
-                </a:solidFill>
-                <a:effectLst/>
-                <a:latin typeface="Fira Code" pitchFamily="1" charset="0"/>
-              </a:rPr>
-              <a:t>checkKb</a:t>
-            </a:r>
-            <a:r>
-              <a:rPr lang="en-US" b="0" dirty="0">
-                <a:solidFill>
-                  <a:srgbClr val="B5B3AA"/>
-                </a:solidFill>
-                <a:effectLst/>
-                <a:latin typeface="Fira Code" pitchFamily="1" charset="0"/>
-              </a:rPr>
-              <a:t>()</a:t>
+                  <a:srgbClr val="FF6C60"/>
+                </a:solidFill>
+                <a:effectLst/>
+                <a:latin typeface="Fira Code" pitchFamily="1" charset="0"/>
+              </a:rPr>
+              <a:t>keyPress</a:t>
+            </a:r>
+            <a:r>
+              <a:rPr lang="en-US" b="0" dirty="0">
+                <a:solidFill>
+                  <a:srgbClr val="DDDDDD"/>
+                </a:solidFill>
+                <a:effectLst/>
+                <a:latin typeface="Fira Code" pitchFamily="1" charset="0"/>
+              </a:rPr>
+              <a:t> </a:t>
+            </a:r>
+            <a:r>
+              <a:rPr lang="en-US" b="0" dirty="0">
+                <a:solidFill>
+                  <a:srgbClr val="D4D4D4"/>
+                </a:solidFill>
+                <a:effectLst/>
+                <a:latin typeface="Fira Code" pitchFamily="1" charset="0"/>
+              </a:rPr>
+              <a:t>!=</a:t>
+            </a:r>
+            <a:r>
+              <a:rPr lang="en-US" b="0" dirty="0">
+                <a:solidFill>
+                  <a:srgbClr val="DDDDDD"/>
+                </a:solidFill>
+                <a:effectLst/>
+                <a:latin typeface="Fira Code" pitchFamily="1" charset="0"/>
+              </a:rPr>
+              <a:t> </a:t>
+            </a:r>
+            <a:r>
+              <a:rPr lang="en-US" b="0" dirty="0">
+                <a:solidFill>
+                  <a:srgbClr val="B5B3AA"/>
+                </a:solidFill>
+                <a:effectLst/>
+                <a:latin typeface="Fira Code" pitchFamily="1" charset="0"/>
+              </a:rPr>
+              <a:t>'</a:t>
+            </a:r>
+            <a:r>
+              <a:rPr lang="en-US" b="0" dirty="0">
+                <a:solidFill>
+                  <a:srgbClr val="C6C5FE"/>
+                </a:solidFill>
+                <a:effectLst/>
+                <a:latin typeface="Fira Code" pitchFamily="1" charset="0"/>
+              </a:rPr>
+              <a:t>\0</a:t>
+            </a:r>
+            <a:r>
+              <a:rPr lang="en-US" b="0" dirty="0">
+                <a:solidFill>
+                  <a:srgbClr val="B5B3AA"/>
+                </a:solidFill>
+                <a:effectLst/>
+                <a:latin typeface="Fira Code" pitchFamily="1" charset="0"/>
+              </a:rPr>
+              <a:t>')</a:t>
+            </a:r>
+            <a:r>
+              <a:rPr lang="en-US" b="0" dirty="0">
+                <a:solidFill>
+                  <a:srgbClr val="DDDDDD"/>
+                </a:solidFill>
+                <a:effectLst/>
+                <a:latin typeface="Fira Code" pitchFamily="1" charset="0"/>
+              </a:rPr>
+              <a:t> </a:t>
+            </a:r>
+            <a:r>
+              <a:rPr lang="en-US" b="0" dirty="0">
+                <a:solidFill>
+                  <a:srgbClr val="B5B3AA"/>
+                </a:solidFill>
+                <a:effectLst/>
+                <a:latin typeface="Fira Code" pitchFamily="1" charset="0"/>
+              </a:rPr>
+              <a:t>{</a:t>
+            </a:r>
+            <a:r>
+              <a:rPr lang="en-US" b="0" dirty="0">
+                <a:solidFill>
+                  <a:srgbClr val="DDDDDD"/>
+                </a:solidFill>
+                <a:effectLst/>
+                <a:latin typeface="Fira Code" pitchFamily="1" charset="0"/>
+              </a:rPr>
+              <a:t> </a:t>
+            </a:r>
+          </a:p>
+          <a:p>
+            <a:r>
+              <a:rPr lang="en-US" b="0" dirty="0">
+                <a:solidFill>
+                  <a:srgbClr val="DDDDDD"/>
+                </a:solidFill>
+                <a:effectLst/>
+                <a:latin typeface="Fira Code" pitchFamily="1" charset="0"/>
+              </a:rPr>
+              <a:t>        </a:t>
+            </a:r>
+            <a:r>
+              <a:rPr lang="en-US" b="0" dirty="0">
+                <a:solidFill>
+                  <a:srgbClr val="B5B3AA"/>
+                </a:solidFill>
+                <a:effectLst/>
+                <a:latin typeface="Fira Code" pitchFamily="1" charset="0"/>
+              </a:rPr>
+              <a:t>switch</a:t>
+            </a:r>
+            <a:r>
+              <a:rPr lang="en-US" b="0" dirty="0">
+                <a:solidFill>
+                  <a:srgbClr val="DDDDDD"/>
+                </a:solidFill>
+                <a:effectLst/>
+                <a:latin typeface="Fira Code" pitchFamily="1" charset="0"/>
+              </a:rPr>
+              <a:t> </a:t>
+            </a:r>
+            <a:r>
+              <a:rPr lang="en-US" b="0" dirty="0">
+                <a:solidFill>
+                  <a:srgbClr val="B5B3AA"/>
+                </a:solidFill>
+                <a:effectLst/>
+                <a:latin typeface="Fira Code" pitchFamily="1" charset="0"/>
+              </a:rPr>
+              <a:t>(</a:t>
+            </a:r>
+            <a:r>
+              <a:rPr lang="en-US" b="0" dirty="0" err="1">
+                <a:solidFill>
+                  <a:srgbClr val="FF6C60"/>
+                </a:solidFill>
+                <a:effectLst/>
+                <a:latin typeface="Fira Code" pitchFamily="1" charset="0"/>
+              </a:rPr>
+              <a:t>keyPress</a:t>
+            </a:r>
+            <a:r>
+              <a:rPr lang="en-US" b="0" dirty="0">
+                <a:solidFill>
+                  <a:srgbClr val="B5B3AA"/>
+                </a:solidFill>
+                <a:effectLst/>
+                <a:latin typeface="Fira Code" pitchFamily="1" charset="0"/>
+              </a:rPr>
+              <a:t>)</a:t>
             </a:r>
             <a:r>
               <a:rPr lang="en-US" b="0" dirty="0">
@@ -19001,10 +19247,18 @@
                 <a:effectLst/>
                 <a:latin typeface="Fira Code" pitchFamily="1" charset="0"/>
               </a:rPr>
-              <a:t>  </a:t>
-            </a:r>
-          </a:p>
-          <a:p>
+              <a:t>        </a:t>
+            </a:r>
+            <a:r>
+              <a:rPr lang="en-US" b="0" dirty="0">
+                <a:solidFill>
+                  <a:srgbClr val="B5B3AA"/>
+                </a:solidFill>
+                <a:effectLst/>
+                <a:latin typeface="Fira Code" pitchFamily="1" charset="0"/>
+              </a:rPr>
+              <a:t>case</a:t>
+            </a:r>
             <a:r>
               <a:rPr lang="en-US" b="0" dirty="0">
                 <a:solidFill>
@@ -19013,26 +19267,6 @@
                 <a:effectLst/>
                 <a:latin typeface="Fira Code" pitchFamily="1" charset="0"/>
               </a:rPr>
-              <a:t>  </a:t>
-            </a:r>
-            <a:r>
-              <a:rPr lang="en-US" b="0" dirty="0">
-                <a:solidFill>
-                  <a:srgbClr val="B5B3AA"/>
-                </a:solidFill>
-                <a:effectLst/>
-                <a:latin typeface="Fira Code" pitchFamily="1" charset="0"/>
-              </a:rPr>
-              <a:t>if</a:t>
-            </a:r>
-            <a:r>
-              <a:rPr lang="en-US" b="0" dirty="0">
-                <a:solidFill>
-                  <a:srgbClr val="DDDDDD"/>
-                </a:solidFill>
-                <a:effectLst/>
-                <a:latin typeface="Fira Code" pitchFamily="1" charset="0"/>
-              </a:rPr>
               <a:t> </a:t>
             </a:r>
             <a:r>
@@ -19043,136 +19277,6 @@
                 <a:effectLst/>
                 <a:latin typeface="Fira Code" pitchFamily="1" charset="0"/>
               </a:rPr>
-              <a:t>(</a:t>
-            </a:r>
-            <a:r>
-              <a:rPr lang="en-US" b="0" dirty="0" err="1">
-                <a:solidFill>
-                  <a:srgbClr val="96CBFE"/>
-                </a:solidFill>
-                <a:effectLst/>
-                <a:latin typeface="Fira Code" pitchFamily="1" charset="0"/>
-              </a:rPr>
-              <a:t>GetKeyState</a:t>
-            </a:r>
-            <a:r>
-              <a:rPr lang="en-US" b="0" dirty="0">
-                <a:solidFill>
-                  <a:srgbClr val="B5B3AA"/>
-                </a:solidFill>
-                <a:effectLst/>
-                <a:latin typeface="Fira Code" pitchFamily="1" charset="0"/>
-              </a:rPr>
-              <a:t>(</a:t>
-            </a:r>
-            <a:r>
-              <a:rPr lang="en-US" b="0" dirty="0">
-                <a:solidFill>
-                  <a:srgbClr val="E9C062"/>
-                </a:solidFill>
-                <a:effectLst/>
-                <a:latin typeface="Fira Code" pitchFamily="1" charset="0"/>
-              </a:rPr>
-              <a:t>0x57</a:t>
-            </a:r>
-            <a:r>
-              <a:rPr lang="en-US" b="0" dirty="0">
-                <a:solidFill>
-                  <a:srgbClr val="B5B3AA"/>
-                </a:solidFill>
-                <a:effectLst/>
-                <a:latin typeface="Fira Code" pitchFamily="1" charset="0"/>
-              </a:rPr>
-              <a:t>)</a:t>
-            </a:r>
-            <a:r>
-              <a:rPr lang="en-US" b="0" dirty="0">
-                <a:solidFill>
-                  <a:srgbClr val="DDDDDD"/>
-                </a:solidFill>
-                <a:effectLst/>
-                <a:latin typeface="Fira Code" pitchFamily="1" charset="0"/>
-              </a:rPr>
-              <a:t> </a:t>
-            </a:r>
-            <a:r>
-              <a:rPr lang="en-US" b="0" dirty="0">
-                <a:solidFill>
-                  <a:srgbClr val="D4D4D4"/>
-                </a:solidFill>
-                <a:effectLst/>
-                <a:latin typeface="Fira Code" pitchFamily="1" charset="0"/>
-              </a:rPr>
-              <a:t>&lt;</a:t>
-            </a:r>
-            <a:r>
-              <a:rPr lang="en-US" b="0" dirty="0">
-                <a:solidFill>
-                  <a:srgbClr val="DDDDDD"/>
-                </a:solidFill>
-                <a:effectLst/>
-                <a:latin typeface="Fira Code" pitchFamily="1" charset="0"/>
-              </a:rPr>
-              <a:t> </a:t>
-            </a:r>
-            <a:r>
-              <a:rPr lang="en-US" b="0" dirty="0">
-                <a:solidFill>
-                  <a:srgbClr val="E9C062"/>
-                </a:solidFill>
-                <a:effectLst/>
-                <a:latin typeface="Fira Code" pitchFamily="1" charset="0"/>
-              </a:rPr>
-              <a:t>0</a:t>
-            </a:r>
-            <a:r>
-              <a:rPr lang="en-US" b="0" dirty="0">
-                <a:solidFill>
-                  <a:srgbClr val="B5B3AA"/>
-                </a:solidFill>
-                <a:effectLst/>
-                <a:latin typeface="Fira Code" pitchFamily="1" charset="0"/>
-              </a:rPr>
-              <a:t>)</a:t>
-            </a:r>
-            <a:r>
-              <a:rPr lang="en-US" b="0" dirty="0">
-                <a:solidFill>
-                  <a:srgbClr val="DDDDDD"/>
-                </a:solidFill>
-                <a:effectLst/>
-                <a:latin typeface="Fira Code" pitchFamily="1" charset="0"/>
-              </a:rPr>
-              <a:t> </a:t>
-            </a:r>
-            <a:r>
-              <a:rPr lang="en-US" b="0" dirty="0">
-                <a:solidFill>
-                  <a:srgbClr val="B5B3AA"/>
-                </a:solidFill>
-                <a:effectLst/>
-                <a:latin typeface="Fira Code" pitchFamily="1" charset="0"/>
-              </a:rPr>
-              <a:t>return</a:t>
-            </a:r>
-            <a:r>
-              <a:rPr lang="en-US" b="0" dirty="0">
-                <a:solidFill>
-                  <a:srgbClr val="DDDDDD"/>
-                </a:solidFill>
-                <a:effectLst/>
-                <a:latin typeface="Fira Code" pitchFamily="1" charset="0"/>
-              </a:rPr>
-              <a:t> </a:t>
-            </a:r>
-            <a:r>
-              <a:rPr lang="en-US" b="0" dirty="0">
-                <a:solidFill>
-                  <a:srgbClr val="B5B3AA"/>
-                </a:solidFill>
-                <a:effectLst/>
-                <a:latin typeface="Fira Code" pitchFamily="1" charset="0"/>
-              </a:rPr>
               <a:t>'</a:t>
             </a:r>
             <a:r>
@@ -19193,7 +19297,7 @@
                 <a:effectLst/>
                 <a:latin typeface="Fira Code" pitchFamily="1" charset="0"/>
               </a:rPr>
-              <a:t>';</a:t>
+              <a:t>':</a:t>
             </a:r>
             <a:endParaRPr lang="en-US" b="0" dirty="0">
               <a:solidFill>
@@ -19212,7 +19316,7 @@
                 <a:effectLst/>
                 <a:latin typeface="Fira Code" pitchFamily="1" charset="0"/>
               </a:rPr>
-              <a:t>  </a:t>
+              <a:t>          </a:t>
             </a:r>
             <a:r>
               <a:rPr lang="en-US" b="0" dirty="0">
@@ -19245,54 +19349,14 @@
               <a:t>(</a:t>
             </a:r>
             <a:r>
-              <a:rPr lang="en-US" b="0" dirty="0" err="1">
-                <a:solidFill>
-                  <a:srgbClr val="96CBFE"/>
-                </a:solidFill>
-                <a:effectLst/>
-                <a:latin typeface="Fira Code" pitchFamily="1" charset="0"/>
-              </a:rPr>
-              <a:t>GetKeyState</a:t>
-            </a:r>
-            <a:r>
-              <a:rPr lang="en-US" b="0" dirty="0">
-                <a:solidFill>
-                  <a:srgbClr val="B5B3AA"/>
-                </a:solidFill>
-                <a:effectLst/>
-                <a:latin typeface="Fira Code" pitchFamily="1" charset="0"/>
-              </a:rPr>
-              <a:t>(</a:t>
-            </a:r>
-            <a:r>
-              <a:rPr lang="en-US" b="0" dirty="0">
-                <a:solidFill>
-                  <a:srgbClr val="E9C062"/>
-                </a:solidFill>
-                <a:effectLst/>
-                <a:latin typeface="Fira Code" pitchFamily="1" charset="0"/>
-              </a:rPr>
-              <a:t>0x41</a:t>
-            </a:r>
-            <a:r>
-              <a:rPr lang="en-US" b="0" dirty="0">
-                <a:solidFill>
-                  <a:srgbClr val="B5B3AA"/>
-                </a:solidFill>
-                <a:effectLst/>
-                <a:latin typeface="Fira Code" pitchFamily="1" charset="0"/>
-              </a:rPr>
-              <a:t>)</a:t>
-            </a:r>
-            <a:r>
-              <a:rPr lang="en-US" b="0" dirty="0">
-                <a:solidFill>
-                  <a:srgbClr val="DDDDDD"/>
-                </a:solidFill>
-                <a:effectLst/>
-                <a:latin typeface="Fira Code" pitchFamily="1" charset="0"/>
-              </a:rPr>
-              <a:t> </a:t>
+              <a:rPr lang="en-US" b="0" dirty="0">
+                <a:solidFill>
+                  <a:srgbClr val="FF6C60"/>
+                </a:solidFill>
+                <a:effectLst/>
+                <a:latin typeface="Fira Code" pitchFamily="1" charset="0"/>
+              </a:rPr>
+              <a:t>key</a:t>
             </a:r>
             <a:r>
               <a:rPr lang="en-US" b="0" dirty="0">
@@ -19302,67 +19366,7 @@
                 <a:effectLst/>
                 <a:latin typeface="Fira Code" pitchFamily="1" charset="0"/>
               </a:rPr>
-              <a:t>&lt;</a:t>
-            </a:r>
-            <a:r>
-              <a:rPr lang="en-US" b="0" dirty="0">
-                <a:solidFill>
-                  <a:srgbClr val="DDDDDD"/>
-                </a:solidFill>
-                <a:effectLst/>
-                <a:latin typeface="Fira Code" pitchFamily="1" charset="0"/>
-              </a:rPr>
-              <a:t> </a:t>
-            </a:r>
-            <a:r>
-              <a:rPr lang="en-US" b="0" dirty="0">
-                <a:solidFill>
-                  <a:srgbClr val="E9C062"/>
-                </a:solidFill>
-                <a:effectLst/>
-                <a:latin typeface="Fira Code" pitchFamily="1" charset="0"/>
-              </a:rPr>
-              <a:t>0</a:t>
-            </a:r>
-            <a:r>
-              <a:rPr lang="en-US" b="0" dirty="0">
-                <a:solidFill>
-                  <a:srgbClr val="B5B3AA"/>
-                </a:solidFill>
-                <a:effectLst/>
-                <a:latin typeface="Fira Code" pitchFamily="1" charset="0"/>
-              </a:rPr>
-              <a:t>)</a:t>
-            </a:r>
-            <a:r>
-              <a:rPr lang="en-US" b="0" dirty="0">
-                <a:solidFill>
-                  <a:srgbClr val="DDDDDD"/>
-                </a:solidFill>
-                <a:effectLst/>
-                <a:latin typeface="Fira Code" pitchFamily="1" charset="0"/>
-              </a:rPr>
-              <a:t> </a:t>
-            </a:r>
-            <a:r>
-              <a:rPr lang="en-US" b="0" dirty="0">
-                <a:solidFill>
-                  <a:srgbClr val="B5B3AA"/>
-                </a:solidFill>
-                <a:effectLst/>
-                <a:latin typeface="Fira Code" pitchFamily="1" charset="0"/>
-              </a:rPr>
-              <a:t>return</a:t>
-            </a:r>
-            <a:r>
-              <a:rPr lang="en-US" b="0" dirty="0">
-                <a:solidFill>
-                  <a:srgbClr val="DDDDDD"/>
-                </a:solidFill>
-                <a:effectLst/>
-                <a:latin typeface="Fira Code" pitchFamily="1" charset="0"/>
-              </a:rPr>
-              <a:t> </a:t>
+              <a:t>!=</a:t>
             </a:r>
             <a:r>
               <a:rPr lang="en-US" b="0" dirty="0">
@@ -19382,17 +19386,17 @@
                 <a:effectLst/>
                 <a:latin typeface="Fira Code" pitchFamily="1" charset="0"/>
               </a:rPr>
-              <a:t>a</a:t>
-            </a:r>
-            <a:r>
-              <a:rPr lang="en-US" b="0" dirty="0">
-                <a:solidFill>
-                  <a:srgbClr val="B5B3AA"/>
-                </a:solidFill>
-                <a:effectLst/>
-                <a:latin typeface="Fira Code" pitchFamily="1" charset="0"/>
-              </a:rPr>
-              <a:t>';</a:t>
+              <a:t>s</a:t>
+            </a:r>
+            <a:r>
+              <a:rPr lang="en-US" b="0" dirty="0">
+                <a:solidFill>
+                  <a:srgbClr val="B5B3AA"/>
+                </a:solidFill>
+                <a:effectLst/>
+                <a:latin typeface="Fira Code" pitchFamily="1" charset="0"/>
+              </a:rPr>
+              <a:t>')</a:t>
             </a:r>
             <a:endParaRPr lang="en-US" b="0" dirty="0">
               <a:solidFill>
@@ -19411,17 +19415,17 @@
                 <a:effectLst/>
                 <a:latin typeface="Fira Code" pitchFamily="1" charset="0"/>
               </a:rPr>
-              <a:t>  </a:t>
-            </a:r>
-            <a:r>
-              <a:rPr lang="en-US" b="0" dirty="0">
-                <a:solidFill>
-                  <a:srgbClr val="B5B3AA"/>
-                </a:solidFill>
-                <a:effectLst/>
-                <a:latin typeface="Fira Code" pitchFamily="1" charset="0"/>
-              </a:rPr>
-              <a:t>if</a:t>
+              <a:t>            </a:t>
+            </a:r>
+            <a:r>
+              <a:rPr lang="en-US" b="0" dirty="0">
+                <a:solidFill>
+                  <a:srgbClr val="FF6C60"/>
+                </a:solidFill>
+                <a:effectLst/>
+                <a:latin typeface="Fira Code" pitchFamily="1" charset="0"/>
+              </a:rPr>
+              <a:t>key</a:t>
             </a:r>
             <a:r>
               <a:rPr lang="en-US" b="0" dirty="0">
@@ -19436,162 +19440,42 @@
             <a:r>
               <a:rPr lang="en-US" b="0" dirty="0">
                 <a:solidFill>
-                  <a:srgbClr val="B5B3AA"/>
-                </a:solidFill>
-                <a:effectLst/>
-                <a:latin typeface="Fira Code" pitchFamily="1" charset="0"/>
-              </a:rPr>
-              <a:t>(</a:t>
+                  <a:srgbClr val="D4D4D4"/>
+                </a:solidFill>
+                <a:effectLst/>
+                <a:latin typeface="Fira Code" pitchFamily="1" charset="0"/>
+              </a:rPr>
+              <a:t>=</a:t>
+            </a:r>
+            <a:r>
+              <a:rPr lang="en-US" b="0" dirty="0">
+                <a:solidFill>
+                  <a:srgbClr val="DDDDDD"/>
+                </a:solidFill>
+                <a:effectLst/>
+                <a:latin typeface="Fira Code" pitchFamily="1" charset="0"/>
+              </a:rPr>
+              <a:t> </a:t>
             </a:r>
             <a:r>
               <a:rPr lang="en-US" b="0" dirty="0" err="1">
                 <a:solidFill>
-                  <a:srgbClr val="96CBFE"/>
-                </a:solidFill>
-                <a:effectLst/>
-                <a:latin typeface="Fira Code" pitchFamily="1" charset="0"/>
-              </a:rPr>
-              <a:t>GetKeyState</a:t>
-            </a:r>
-            <a:r>
-              <a:rPr lang="en-US" b="0" dirty="0">
-                <a:solidFill>
-                  <a:srgbClr val="B5B3AA"/>
-                </a:solidFill>
-                <a:effectLst/>
-                <a:latin typeface="Fira Code" pitchFamily="1" charset="0"/>
-              </a:rPr>
-              <a:t>(</a:t>
-            </a:r>
-            <a:r>
-              <a:rPr lang="en-US" b="0" dirty="0">
-                <a:solidFill>
-                  <a:srgbClr val="E9C062"/>
-                </a:solidFill>
-                <a:effectLst/>
-                <a:latin typeface="Fira Code" pitchFamily="1" charset="0"/>
-              </a:rPr>
-              <a:t>0x53</a:t>
-            </a:r>
-            <a:r>
-              <a:rPr lang="en-US" b="0" dirty="0">
-                <a:solidFill>
-                  <a:srgbClr val="B5B3AA"/>
-                </a:solidFill>
-                <a:effectLst/>
-                <a:latin typeface="Fira Code" pitchFamily="1" charset="0"/>
-              </a:rPr>
-              <a:t>)</a:t>
-            </a:r>
-            <a:r>
-              <a:rPr lang="en-US" b="0" dirty="0">
-                <a:solidFill>
-                  <a:srgbClr val="DDDDDD"/>
-                </a:solidFill>
-                <a:effectLst/>
-                <a:latin typeface="Fira Code" pitchFamily="1" charset="0"/>
-              </a:rPr>
-              <a:t> </a:t>
-            </a:r>
-            <a:r>
-              <a:rPr lang="en-US" b="0" dirty="0">
-                <a:solidFill>
-                  <a:srgbClr val="D4D4D4"/>
-                </a:solidFill>
-                <a:effectLst/>
-                <a:latin typeface="Fira Code" pitchFamily="1" charset="0"/>
-              </a:rPr>
-              <a:t>&lt;</a:t>
-            </a:r>
-            <a:r>
-              <a:rPr lang="en-US" b="0" dirty="0">
-                <a:solidFill>
-                  <a:srgbClr val="DDDDDD"/>
-                </a:solidFill>
-                <a:effectLst/>
-                <a:latin typeface="Fira Code" pitchFamily="1" charset="0"/>
-              </a:rPr>
-              <a:t> </a:t>
-            </a:r>
-            <a:r>
-              <a:rPr lang="en-US" b="0" dirty="0">
-                <a:solidFill>
-                  <a:srgbClr val="E9C062"/>
-                </a:solidFill>
-                <a:effectLst/>
-                <a:latin typeface="Fira Code" pitchFamily="1" charset="0"/>
-              </a:rPr>
-              <a:t>0</a:t>
-            </a:r>
-            <a:r>
-              <a:rPr lang="en-US" b="0" dirty="0">
-                <a:solidFill>
-                  <a:srgbClr val="B5B3AA"/>
-                </a:solidFill>
-                <a:effectLst/>
-                <a:latin typeface="Fira Code" pitchFamily="1" charset="0"/>
-              </a:rPr>
-              <a:t>)</a:t>
-            </a:r>
-            <a:r>
-              <a:rPr lang="en-US" b="0" dirty="0">
-                <a:solidFill>
-                  <a:srgbClr val="DDDDDD"/>
-                </a:solidFill>
-                <a:effectLst/>
-                <a:latin typeface="Fira Code" pitchFamily="1" charset="0"/>
-              </a:rPr>
-              <a:t> </a:t>
-            </a:r>
-            <a:r>
-              <a:rPr lang="en-US" b="0" dirty="0">
-                <a:solidFill>
-                  <a:srgbClr val="B5B3AA"/>
-                </a:solidFill>
-                <a:effectLst/>
-                <a:latin typeface="Fira Code" pitchFamily="1" charset="0"/>
-              </a:rPr>
-              <a:t>return</a:t>
-            </a:r>
-            <a:r>
-              <a:rPr lang="en-US" b="0" dirty="0">
-                <a:solidFill>
-                  <a:srgbClr val="DDDDDD"/>
-                </a:solidFill>
-                <a:effectLst/>
-                <a:latin typeface="Fira Code" pitchFamily="1" charset="0"/>
-              </a:rPr>
-              <a:t> </a:t>
-            </a:r>
-            <a:r>
-              <a:rPr lang="en-US" b="0" dirty="0">
-                <a:solidFill>
-                  <a:srgbClr val="B5B3AA"/>
-                </a:solidFill>
-                <a:effectLst/>
-                <a:latin typeface="Fira Code" pitchFamily="1" charset="0"/>
-              </a:rPr>
-              <a:t>'</a:t>
-            </a:r>
-            <a:r>
-              <a:rPr lang="en-US" b="0" dirty="0">
-                <a:solidFill>
-                  <a:srgbClr val="A8FF60"/>
-                </a:solidFill>
-                <a:effectLst/>
-                <a:latin typeface="Fira Code" pitchFamily="1" charset="0"/>
-              </a:rPr>
-              <a:t>s</a:t>
-            </a:r>
-            <a:r>
-              <a:rPr lang="en-US" b="0" dirty="0">
-                <a:solidFill>
-                  <a:srgbClr val="B5B3AA"/>
-                </a:solidFill>
-                <a:effectLst/>
-                <a:latin typeface="Fira Code" pitchFamily="1" charset="0"/>
-              </a:rPr>
-              <a:t>';</a:t>
+                  <a:srgbClr val="FF6C60"/>
+                </a:solidFill>
+                <a:effectLst/>
+                <a:latin typeface="Fira Code" pitchFamily="1" charset="0"/>
+              </a:rPr>
+              <a:t>keyPress</a:t>
+            </a:r>
+            <a:r>
+              <a:rPr lang="en-US" b="0" dirty="0">
+                <a:solidFill>
+                  <a:srgbClr val="B5B3AA"/>
+                </a:solidFill>
+                <a:effectLst/>
+                <a:latin typeface="Fira Code" pitchFamily="1" charset="0"/>
+              </a:rPr>
+              <a:t>;</a:t>
             </a:r>
             <a:endParaRPr lang="en-US" b="0" dirty="0">
               <a:solidFill>
@@ -19610,187 +19494,17 @@
                 <a:effectLst/>
                 <a:latin typeface="Fira Code" pitchFamily="1" charset="0"/>
               </a:rPr>
-              <a:t>  </a:t>
-            </a:r>
-            <a:r>
-              <a:rPr lang="en-US" b="0" dirty="0">
-                <a:solidFill>
-                  <a:srgbClr val="B5B3AA"/>
-                </a:solidFill>
-                <a:effectLst/>
-                <a:latin typeface="Fira Code" pitchFamily="1" charset="0"/>
-              </a:rPr>
-              <a:t>if</a:t>
-            </a:r>
-            <a:r>
-              <a:rPr lang="en-US" b="0" dirty="0">
-                <a:solidFill>
-                  <a:srgbClr val="DDDDDD"/>
-                </a:solidFill>
-                <a:effectLst/>
-                <a:latin typeface="Fira Code" pitchFamily="1" charset="0"/>
-              </a:rPr>
-              <a:t> </a:t>
-            </a:r>
-            <a:r>
-              <a:rPr lang="en-US" b="0" dirty="0">
-                <a:solidFill>
-                  <a:srgbClr val="B5B3AA"/>
-                </a:solidFill>
-                <a:effectLst/>
-                <a:latin typeface="Fira Code" pitchFamily="1" charset="0"/>
-              </a:rPr>
-              <a:t>(</a:t>
-            </a:r>
-            <a:r>
-              <a:rPr lang="en-US" b="0" dirty="0" err="1">
-                <a:solidFill>
-                  <a:srgbClr val="96CBFE"/>
-                </a:solidFill>
-                <a:effectLst/>
-                <a:latin typeface="Fira Code" pitchFamily="1" charset="0"/>
-              </a:rPr>
-              <a:t>GetKeyState</a:t>
-            </a:r>
-            <a:r>
-              <a:rPr lang="en-US" b="0" dirty="0">
-                <a:solidFill>
-                  <a:srgbClr val="B5B3AA"/>
-                </a:solidFill>
-                <a:effectLst/>
-                <a:latin typeface="Fira Code" pitchFamily="1" charset="0"/>
-              </a:rPr>
-              <a:t>(</a:t>
-            </a:r>
-            <a:r>
-              <a:rPr lang="en-US" b="0" dirty="0">
-                <a:solidFill>
-                  <a:srgbClr val="E9C062"/>
-                </a:solidFill>
-                <a:effectLst/>
-                <a:latin typeface="Fira Code" pitchFamily="1" charset="0"/>
-              </a:rPr>
-              <a:t>0x44</a:t>
-            </a:r>
-            <a:r>
-              <a:rPr lang="en-US" b="0" dirty="0">
-                <a:solidFill>
-                  <a:srgbClr val="B5B3AA"/>
-                </a:solidFill>
-                <a:effectLst/>
-                <a:latin typeface="Fira Code" pitchFamily="1" charset="0"/>
-              </a:rPr>
-              <a:t>)</a:t>
-            </a:r>
-            <a:r>
-              <a:rPr lang="en-US" b="0" dirty="0">
-                <a:solidFill>
-                  <a:srgbClr val="DDDDDD"/>
-                </a:solidFill>
-                <a:effectLst/>
-                <a:latin typeface="Fira Code" pitchFamily="1" charset="0"/>
-              </a:rPr>
-              <a:t> </a:t>
-            </a:r>
-            <a:r>
-              <a:rPr lang="en-US" b="0" dirty="0">
-                <a:solidFill>
-                  <a:srgbClr val="D4D4D4"/>
-                </a:solidFill>
-                <a:effectLst/>
-                <a:latin typeface="Fira Code" pitchFamily="1" charset="0"/>
-              </a:rPr>
-              <a:t>&lt;</a:t>
-            </a:r>
-            <a:r>
-              <a:rPr lang="en-US" b="0" dirty="0">
-                <a:solidFill>
-                  <a:srgbClr val="DDDDDD"/>
-                </a:solidFill>
-                <a:effectLst/>
-                <a:latin typeface="Fira Code" pitchFamily="1" charset="0"/>
-              </a:rPr>
-              <a:t> </a:t>
-            </a:r>
-            <a:r>
-              <a:rPr lang="en-US" b="0" dirty="0">
-                <a:solidFill>
-                  <a:srgbClr val="E9C062"/>
-                </a:solidFill>
-                <a:effectLst/>
-                <a:latin typeface="Fira Code" pitchFamily="1" charset="0"/>
-              </a:rPr>
-              <a:t>0</a:t>
-            </a:r>
-            <a:r>
-              <a:rPr lang="en-US" b="0" dirty="0">
-                <a:solidFill>
-                  <a:srgbClr val="B5B3AA"/>
-                </a:solidFill>
-                <a:effectLst/>
-                <a:latin typeface="Fira Code" pitchFamily="1" charset="0"/>
-              </a:rPr>
-              <a:t>)</a:t>
-            </a:r>
-            <a:r>
-              <a:rPr lang="en-US" b="0" dirty="0">
-                <a:solidFill>
-                  <a:srgbClr val="DDDDDD"/>
-                </a:solidFill>
-                <a:effectLst/>
-                <a:latin typeface="Fira Code" pitchFamily="1" charset="0"/>
-              </a:rPr>
-              <a:t> </a:t>
-            </a:r>
-            <a:r>
-              <a:rPr lang="en-US" b="0" dirty="0">
-                <a:solidFill>
-                  <a:srgbClr val="B5B3AA"/>
-                </a:solidFill>
-                <a:effectLst/>
-                <a:latin typeface="Fira Code" pitchFamily="1" charset="0"/>
-              </a:rPr>
-              <a:t>return</a:t>
-            </a:r>
-            <a:r>
-              <a:rPr lang="en-US" b="0" dirty="0">
-                <a:solidFill>
-                  <a:srgbClr val="DDDDDD"/>
-                </a:solidFill>
-                <a:effectLst/>
-                <a:latin typeface="Fira Code" pitchFamily="1" charset="0"/>
-              </a:rPr>
-              <a:t> </a:t>
-            </a:r>
-            <a:r>
-              <a:rPr lang="en-US" b="0" dirty="0">
-                <a:solidFill>
-                  <a:srgbClr val="B5B3AA"/>
-                </a:solidFill>
-                <a:effectLst/>
-                <a:latin typeface="Fira Code" pitchFamily="1" charset="0"/>
-              </a:rPr>
-              <a:t>'</a:t>
-            </a:r>
-            <a:r>
-              <a:rPr lang="en-US" b="0" dirty="0">
-                <a:solidFill>
-                  <a:srgbClr val="A8FF60"/>
-                </a:solidFill>
-                <a:effectLst/>
-                <a:latin typeface="Fira Code" pitchFamily="1" charset="0"/>
-              </a:rPr>
-              <a:t>d</a:t>
-            </a:r>
-            <a:r>
-              <a:rPr lang="en-US" b="0" dirty="0">
-                <a:solidFill>
-                  <a:srgbClr val="B5B3AA"/>
-                </a:solidFill>
-                <a:effectLst/>
-                <a:latin typeface="Fira Code" pitchFamily="1" charset="0"/>
-              </a:rPr>
-              <a:t>';</a:t>
+              <a:t>          </a:t>
+            </a:r>
+            <a:r>
+              <a:rPr lang="en-US" b="0" dirty="0">
+                <a:solidFill>
+                  <a:srgbClr val="B5B3AA"/>
+                </a:solidFill>
+                <a:effectLst/>
+                <a:latin typeface="Fira Code" pitchFamily="1" charset="0"/>
+              </a:rPr>
+              <a:t>break;</a:t>
             </a:r>
             <a:endParaRPr lang="en-US" b="0" dirty="0">
               <a:solidFill>
@@ -19809,10 +19523,18 @@
                 <a:effectLst/>
                 <a:latin typeface="Fira Code" pitchFamily="1" charset="0"/>
               </a:rPr>
-              <a:t>  </a:t>
-            </a:r>
-          </a:p>
-          <a:p>
+              <a:t>        </a:t>
+            </a:r>
+            <a:r>
+              <a:rPr lang="en-US" b="0" dirty="0">
+                <a:solidFill>
+                  <a:srgbClr val="B5B3AA"/>
+                </a:solidFill>
+                <a:effectLst/>
+                <a:latin typeface="Fira Code" pitchFamily="1" charset="0"/>
+              </a:rPr>
+              <a:t>case</a:t>
+            </a:r>
             <a:r>
               <a:rPr lang="en-US" b="0" dirty="0">
                 <a:solidFill>
@@ -19821,26 +19543,6 @@
                 <a:effectLst/>
                 <a:latin typeface="Fira Code" pitchFamily="1" charset="0"/>
               </a:rPr>
-              <a:t>  </a:t>
-            </a:r>
-            <a:r>
-              <a:rPr lang="en-US" b="0" dirty="0">
-                <a:solidFill>
-                  <a:srgbClr val="B5B3AA"/>
-                </a:solidFill>
-                <a:effectLst/>
-                <a:latin typeface="Fira Code" pitchFamily="1" charset="0"/>
-              </a:rPr>
-              <a:t>return</a:t>
-            </a:r>
-            <a:r>
-              <a:rPr lang="en-US" b="0" dirty="0">
-                <a:solidFill>
-                  <a:srgbClr val="DDDDDD"/>
-                </a:solidFill>
-                <a:effectLst/>
-                <a:latin typeface="Fira Code" pitchFamily="1" charset="0"/>
-              </a:rPr>
               <a:t> </a:t>
             </a:r>
             <a:r>
@@ -19856,22 +19558,22 @@
             <a:r>
               <a:rPr lang="en-US" b="0" dirty="0">
                 <a:solidFill>
-                  <a:srgbClr val="C6C5FE"/>
-                </a:solidFill>
-                <a:effectLst/>
-                <a:latin typeface="Fira Code" pitchFamily="1" charset="0"/>
-              </a:rPr>
-              <a:t>\0</a:t>
-            </a:r>
-            <a:r>
-              <a:rPr lang="en-US" b="0" dirty="0">
-                <a:solidFill>
-                  <a:srgbClr val="B5B3AA"/>
-                </a:solidFill>
-                <a:effectLst/>
-                <a:latin typeface="Fira Code" pitchFamily="1" charset="0"/>
-              </a:rPr>
-              <a:t>';</a:t>
+                  <a:srgbClr val="A8FF60"/>
+                </a:solidFill>
+                <a:effectLst/>
+                <a:latin typeface="Fira Code" pitchFamily="1" charset="0"/>
+              </a:rPr>
+              <a:t>a</a:t>
+            </a:r>
+            <a:r>
+              <a:rPr lang="en-US" b="0" dirty="0">
+                <a:solidFill>
+                  <a:srgbClr val="B5B3AA"/>
+                </a:solidFill>
+                <a:effectLst/>
+                <a:latin typeface="Fira Code" pitchFamily="1" charset="0"/>
+              </a:rPr>
+              <a:t>':</a:t>
             </a:r>
             <a:endParaRPr lang="en-US" b="0" dirty="0">
               <a:solidFill>
@@ -19882,7 +19584,7 @@
             </a:endParaRPr>
           </a:p>
           <a:p>
-            <a:br>
+            <a:r>
               <a:rPr lang="en-US" b="0" dirty="0">
                 <a:solidFill>
                   <a:srgbClr val="DDDDDD"/>
@@ -19890,64 +19592,17 @@
                 <a:effectLst/>
                 <a:latin typeface="Fira Code" pitchFamily="1" charset="0"/>
               </a:rPr>
-            </a:br>
-            <a:r>
-              <a:rPr lang="en-US" b="0" dirty="0">
-                <a:solidFill>
-                  <a:srgbClr val="B5B3AA"/>
-                </a:solidFill>
-                <a:effectLst/>
-                <a:latin typeface="Fira Code" pitchFamily="1" charset="0"/>
-              </a:rPr>
-              <a:t>}</a:t>
-            </a:r>
-            <a:endParaRPr lang="en-US" b="0" dirty="0">
-              <a:solidFill>
-                <a:srgbClr val="DDDDDD"/>
-              </a:solidFill>
-              <a:effectLst/>
-              <a:latin typeface="Fira Code" pitchFamily="1" charset="0"/>
-            </a:endParaRPr>
-          </a:p>
-        </p:txBody>
-      </p:sp>
-      <p:sp>
-        <p:nvSpPr>
-          <p:cNvPr id="4" name="TextBox 3">
-            <a:extLst>
-              <a:ext uri="{FF2B5EF4-FFF2-40B4-BE49-F238E27FC236}">
-                <a16:creationId xmlns:a16="http://schemas.microsoft.com/office/drawing/2014/main" id="{86684A2C-1002-47B7-A8A8-B5B2A1F1C230}"/>
-              </a:ext>
-            </a:extLst>
-          </p:cNvPr>
-          <p:cNvSpPr txBox="1"/>
-          <p:nvPr/>
-        </p:nvSpPr>
-        <p:spPr>
-          <a:xfrm>
-            <a:off x="7366552" y="2418894"/>
-            <a:ext cx="9417657" cy="3139321"/>
-          </a:xfrm>
-          <a:prstGeom prst="rect">
-            <a:avLst/>
-          </a:prstGeom>
-          <a:noFill/>
-        </p:spPr>
-        <p:txBody>
-          <a:bodyPr wrap="square">
-            <a:spAutoFit/>
-          </a:bodyPr>
-          <a:lstStyle/>
-          <a:p>
-            <a:r>
-              <a:rPr lang="en-US" b="0" dirty="0">
-                <a:solidFill>
-                  <a:srgbClr val="FF73FD"/>
-                </a:solidFill>
-                <a:effectLst/>
-                <a:latin typeface="Fira Code" pitchFamily="1" charset="0"/>
-              </a:rPr>
-              <a:t>void</a:t>
+              <a:t>          </a:t>
+            </a:r>
+            <a:r>
+              <a:rPr lang="en-US" b="0" dirty="0">
+                <a:solidFill>
+                  <a:srgbClr val="B5B3AA"/>
+                </a:solidFill>
+                <a:effectLst/>
+                <a:latin typeface="Fira Code" pitchFamily="1" charset="0"/>
+              </a:rPr>
+              <a:t>if</a:t>
             </a:r>
             <a:r>
               <a:rPr lang="en-US" b="0" dirty="0">
@@ -19960,44 +19615,64 @@
               <a:t> </a:t>
             </a:r>
             <a:r>
-              <a:rPr lang="en-US" b="0" dirty="0" err="1">
-                <a:solidFill>
-                  <a:srgbClr val="96CBFE"/>
-                </a:solidFill>
-                <a:effectLst/>
-                <a:latin typeface="Fira Code" pitchFamily="1" charset="0"/>
-              </a:rPr>
-              <a:t>colorRed</a:t>
-            </a:r>
-            <a:r>
-              <a:rPr lang="en-US" b="0" dirty="0">
-                <a:solidFill>
-                  <a:srgbClr val="B5B3AA"/>
-                </a:solidFill>
-                <a:effectLst/>
-                <a:latin typeface="Fira Code" pitchFamily="1" charset="0"/>
-              </a:rPr>
-              <a:t>()</a:t>
-            </a:r>
-            <a:r>
-              <a:rPr lang="en-US" b="0" dirty="0">
-                <a:solidFill>
-                  <a:srgbClr val="DDDDDD"/>
-                </a:solidFill>
-                <a:effectLst/>
-                <a:latin typeface="Fira Code" pitchFamily="1" charset="0"/>
-              </a:rPr>
-              <a:t> </a:t>
-            </a:r>
-            <a:r>
-              <a:rPr lang="en-US" b="0" dirty="0">
-                <a:solidFill>
-                  <a:srgbClr val="B5B3AA"/>
-                </a:solidFill>
-                <a:effectLst/>
-                <a:latin typeface="Fira Code" pitchFamily="1" charset="0"/>
-              </a:rPr>
-              <a:t>{</a:t>
+              <a:rPr lang="en-US" b="0" dirty="0">
+                <a:solidFill>
+                  <a:srgbClr val="B5B3AA"/>
+                </a:solidFill>
+                <a:effectLst/>
+                <a:latin typeface="Fira Code" pitchFamily="1" charset="0"/>
+              </a:rPr>
+              <a:t>(</a:t>
+            </a:r>
+            <a:r>
+              <a:rPr lang="en-US" b="0" dirty="0">
+                <a:solidFill>
+                  <a:srgbClr val="FF6C60"/>
+                </a:solidFill>
+                <a:effectLst/>
+                <a:latin typeface="Fira Code" pitchFamily="1" charset="0"/>
+              </a:rPr>
+              <a:t>key</a:t>
+            </a:r>
+            <a:r>
+              <a:rPr lang="en-US" b="0" dirty="0">
+                <a:solidFill>
+                  <a:srgbClr val="D4D4D4"/>
+                </a:solidFill>
+                <a:effectLst/>
+                <a:latin typeface="Fira Code" pitchFamily="1" charset="0"/>
+              </a:rPr>
+              <a:t>!=</a:t>
+            </a:r>
+            <a:r>
+              <a:rPr lang="en-US" b="0" dirty="0">
+                <a:solidFill>
+                  <a:srgbClr val="B5B3AA"/>
+                </a:solidFill>
+                <a:effectLst/>
+                <a:latin typeface="Fira Code" pitchFamily="1" charset="0"/>
+              </a:rPr>
+              <a:t>'</a:t>
+            </a:r>
+            <a:r>
+              <a:rPr lang="en-US" b="0" dirty="0">
+                <a:solidFill>
+                  <a:srgbClr val="A8FF60"/>
+                </a:solidFill>
+                <a:effectLst/>
+                <a:latin typeface="Fira Code" pitchFamily="1" charset="0"/>
+              </a:rPr>
+              <a:t>d</a:t>
+            </a:r>
+            <a:r>
+              <a:rPr lang="en-US" b="0" dirty="0">
+                <a:solidFill>
+                  <a:srgbClr val="B5B3AA"/>
+                </a:solidFill>
+                <a:effectLst/>
+                <a:latin typeface="Fira Code" pitchFamily="1" charset="0"/>
+              </a:rPr>
+              <a:t>')</a:t>
             </a:r>
             <a:endParaRPr lang="en-US" b="0" dirty="0">
               <a:solidFill>
@@ -20016,57 +19691,67 @@
                 <a:effectLst/>
                 <a:latin typeface="Fira Code" pitchFamily="1" charset="0"/>
               </a:rPr>
-              <a:t>  </a:t>
+              <a:t>            </a:t>
+            </a:r>
+            <a:r>
+              <a:rPr lang="en-US" b="0" dirty="0">
+                <a:solidFill>
+                  <a:srgbClr val="FF6C60"/>
+                </a:solidFill>
+                <a:effectLst/>
+                <a:latin typeface="Fira Code" pitchFamily="1" charset="0"/>
+              </a:rPr>
+              <a:t>key</a:t>
+            </a:r>
+            <a:r>
+              <a:rPr lang="en-US" b="0" dirty="0">
+                <a:solidFill>
+                  <a:srgbClr val="DDDDDD"/>
+                </a:solidFill>
+                <a:effectLst/>
+                <a:latin typeface="Fira Code" pitchFamily="1" charset="0"/>
+              </a:rPr>
+              <a:t> </a:t>
+            </a:r>
+            <a:r>
+              <a:rPr lang="en-US" b="0" dirty="0">
+                <a:solidFill>
+                  <a:srgbClr val="D4D4D4"/>
+                </a:solidFill>
+                <a:effectLst/>
+                <a:latin typeface="Fira Code" pitchFamily="1" charset="0"/>
+              </a:rPr>
+              <a:t>=</a:t>
+            </a:r>
+            <a:r>
+              <a:rPr lang="en-US" b="0" dirty="0">
+                <a:solidFill>
+                  <a:srgbClr val="DDDDDD"/>
+                </a:solidFill>
+                <a:effectLst/>
+                <a:latin typeface="Fira Code" pitchFamily="1" charset="0"/>
+              </a:rPr>
+              <a:t> </a:t>
             </a:r>
             <a:r>
               <a:rPr lang="en-US" b="0" dirty="0" err="1">
                 <a:solidFill>
-                  <a:srgbClr val="96CBFE"/>
-                </a:solidFill>
-                <a:effectLst/>
-                <a:latin typeface="Fira Code" pitchFamily="1" charset="0"/>
-              </a:rPr>
-              <a:t>printf</a:t>
-            </a:r>
-            <a:r>
-              <a:rPr lang="en-US" b="0" dirty="0">
-                <a:solidFill>
-                  <a:srgbClr val="B5B3AA"/>
-                </a:solidFill>
-                <a:effectLst/>
-                <a:latin typeface="Fira Code" pitchFamily="1" charset="0"/>
-              </a:rPr>
-              <a:t>("</a:t>
-            </a:r>
-            <a:r>
-              <a:rPr lang="en-US" b="0" dirty="0">
-                <a:solidFill>
-                  <a:srgbClr val="C6C5FE"/>
-                </a:solidFill>
-                <a:effectLst/>
-                <a:latin typeface="Fira Code" pitchFamily="1" charset="0"/>
-              </a:rPr>
-              <a:t>\033</a:t>
-            </a:r>
-            <a:r>
-              <a:rPr lang="en-US" b="0" dirty="0">
-                <a:solidFill>
-                  <a:srgbClr val="A8FF60"/>
-                </a:solidFill>
-                <a:effectLst/>
-                <a:latin typeface="Fira Code" pitchFamily="1" charset="0"/>
-              </a:rPr>
-              <a:t>[0;31m</a:t>
-            </a:r>
-            <a:r>
-              <a:rPr lang="en-US" b="0" dirty="0">
-                <a:solidFill>
-                  <a:srgbClr val="B5B3AA"/>
-                </a:solidFill>
-                <a:effectLst/>
-                <a:latin typeface="Fira Code" pitchFamily="1" charset="0"/>
-              </a:rPr>
-              <a:t>");</a:t>
+                  <a:srgbClr val="FF6C60"/>
+                </a:solidFill>
+                <a:effectLst/>
+                <a:latin typeface="Fira Code" pitchFamily="1" charset="0"/>
+              </a:rPr>
+              <a:t>keyPress</a:t>
+            </a:r>
+            <a:r>
+              <a:rPr lang="en-US" b="0" dirty="0">
+                <a:solidFill>
+                  <a:srgbClr val="B5B3AA"/>
+                </a:solidFill>
+                <a:effectLst/>
+                <a:latin typeface="Fira Code" pitchFamily="1" charset="0"/>
+              </a:rPr>
+              <a:t>;</a:t>
             </a:r>
             <a:endParaRPr lang="en-US" b="0" dirty="0">
               <a:solidFill>
@@ -20080,12 +19765,22 @@
             <a:r>
               <a:rPr lang="en-US" b="0" dirty="0">
                 <a:solidFill>
-                  <a:srgbClr val="B5B3AA"/>
-                </a:solidFill>
-                <a:effectLst/>
-                <a:latin typeface="Fira Code" pitchFamily="1" charset="0"/>
-              </a:rPr>
-              <a:t>}</a:t>
+                  <a:srgbClr val="DDDDDD"/>
+                </a:solidFill>
+                <a:effectLst/>
+                <a:latin typeface="Fira Code" pitchFamily="1" charset="0"/>
+              </a:rPr>
+              <a:t>          </a:t>
+            </a:r>
+            <a:r>
+              <a:rPr lang="en-US" b="0" dirty="0">
+                <a:solidFill>
+                  <a:srgbClr val="B5B3AA"/>
+                </a:solidFill>
+                <a:effectLst/>
+                <a:latin typeface="Fira Code" pitchFamily="1" charset="0"/>
+              </a:rPr>
+              <a:t>break;</a:t>
             </a:r>
             <a:endParaRPr lang="en-US" b="0" dirty="0">
               <a:solidFill>
@@ -20096,7 +19791,7 @@
             </a:endParaRPr>
           </a:p>
           <a:p>
-            <a:br>
+            <a:r>
               <a:rPr lang="en-US" b="0" dirty="0">
                 <a:solidFill>
                   <a:srgbClr val="DDDDDD"/>
@@ -20104,16 +19799,17 @@
                 <a:effectLst/>
                 <a:latin typeface="Fira Code" pitchFamily="1" charset="0"/>
               </a:rPr>
-            </a:br>
-            <a:r>
-              <a:rPr lang="en-US" b="0" dirty="0">
-                <a:solidFill>
-                  <a:srgbClr val="FF73FD"/>
-                </a:solidFill>
-                <a:effectLst/>
-                <a:latin typeface="Fira Code" pitchFamily="1" charset="0"/>
-              </a:rPr>
-              <a:t>void</a:t>
+              <a:t>        </a:t>
+            </a:r>
+            <a:r>
+              <a:rPr lang="en-US" b="0" dirty="0">
+                <a:solidFill>
+                  <a:srgbClr val="B5B3AA"/>
+                </a:solidFill>
+                <a:effectLst/>
+                <a:latin typeface="Fira Code" pitchFamily="1" charset="0"/>
+              </a:rPr>
+              <a:t>case</a:t>
             </a:r>
             <a:r>
               <a:rPr lang="en-US" b="0" dirty="0">
@@ -20126,44 +19822,34 @@
               <a:t> </a:t>
             </a:r>
             <a:r>
-              <a:rPr lang="en-US" b="0" dirty="0" err="1">
-                <a:solidFill>
-                  <a:srgbClr val="96CBFE"/>
-                </a:solidFill>
-                <a:effectLst/>
-                <a:latin typeface="Fira Code" pitchFamily="1" charset="0"/>
-              </a:rPr>
-              <a:t>colorGreen</a:t>
-            </a:r>
-            <a:r>
-              <a:rPr lang="en-US" b="0" dirty="0">
-                <a:solidFill>
-                  <a:srgbClr val="B5B3AA"/>
-                </a:solidFill>
-                <a:effectLst/>
-                <a:latin typeface="Fira Code" pitchFamily="1" charset="0"/>
-              </a:rPr>
-              <a:t>()</a:t>
-            </a:r>
-            <a:r>
-              <a:rPr lang="en-US" b="0" dirty="0">
-                <a:solidFill>
-                  <a:srgbClr val="DDDDDD"/>
-                </a:solidFill>
-                <a:effectLst/>
-                <a:latin typeface="Fira Code" pitchFamily="1" charset="0"/>
-              </a:rPr>
-              <a:t> </a:t>
-            </a:r>
-            <a:r>
-              <a:rPr lang="en-US" b="0" dirty="0">
-                <a:solidFill>
-                  <a:srgbClr val="B5B3AA"/>
-                </a:solidFill>
-                <a:effectLst/>
-                <a:latin typeface="Fira Code" pitchFamily="1" charset="0"/>
-              </a:rPr>
-              <a:t>{</a:t>
+              <a:rPr lang="en-US" b="0" dirty="0">
+                <a:solidFill>
+                  <a:srgbClr val="B5B3AA"/>
+                </a:solidFill>
+                <a:effectLst/>
+                <a:latin typeface="Fira Code" pitchFamily="1" charset="0"/>
+              </a:rPr>
+              <a:t>'</a:t>
+            </a:r>
+            <a:r>
+              <a:rPr lang="en-US" b="0" dirty="0">
+                <a:solidFill>
+                  <a:srgbClr val="A8FF60"/>
+                </a:solidFill>
+                <a:effectLst/>
+                <a:latin typeface="Fira Code" pitchFamily="1" charset="0"/>
+              </a:rPr>
+              <a:t>s</a:t>
+            </a:r>
+            <a:r>
+              <a:rPr lang="en-US" b="0" dirty="0">
+                <a:solidFill>
+                  <a:srgbClr val="B5B3AA"/>
+                </a:solidFill>
+                <a:effectLst/>
+                <a:latin typeface="Fira Code" pitchFamily="1" charset="0"/>
+              </a:rPr>
+              <a:t>':</a:t>
             </a:r>
             <a:endParaRPr lang="en-US" b="0" dirty="0">
               <a:solidFill>
@@ -20182,37 +19868,67 @@
                 <a:effectLst/>
                 <a:latin typeface="Fira Code" pitchFamily="1" charset="0"/>
               </a:rPr>
-              <a:t>  </a:t>
-            </a:r>
-            <a:r>
-              <a:rPr lang="en-US" b="0" dirty="0" err="1">
-                <a:solidFill>
-                  <a:srgbClr val="96CBFE"/>
-                </a:solidFill>
-                <a:effectLst/>
-                <a:latin typeface="Fira Code" pitchFamily="1" charset="0"/>
-              </a:rPr>
-              <a:t>printf</a:t>
-            </a:r>
-            <a:r>
-              <a:rPr lang="en-US" b="0" dirty="0">
-                <a:solidFill>
-                  <a:srgbClr val="B5B3AA"/>
-                </a:solidFill>
-                <a:effectLst/>
-                <a:latin typeface="Fira Code" pitchFamily="1" charset="0"/>
-              </a:rPr>
-              <a:t>("</a:t>
-            </a:r>
-            <a:r>
-              <a:rPr lang="en-US" b="0" dirty="0">
-                <a:solidFill>
-                  <a:srgbClr val="C6C5FE"/>
-                </a:solidFill>
-                <a:effectLst/>
-                <a:latin typeface="Fira Code" pitchFamily="1" charset="0"/>
-              </a:rPr>
-              <a:t>\033</a:t>
+              <a:t>          </a:t>
+            </a:r>
+            <a:r>
+              <a:rPr lang="en-US" b="0" dirty="0">
+                <a:solidFill>
+                  <a:srgbClr val="B5B3AA"/>
+                </a:solidFill>
+                <a:effectLst/>
+                <a:latin typeface="Fira Code" pitchFamily="1" charset="0"/>
+              </a:rPr>
+              <a:t>if</a:t>
+            </a:r>
+            <a:r>
+              <a:rPr lang="en-US" b="0" dirty="0">
+                <a:solidFill>
+                  <a:srgbClr val="DDDDDD"/>
+                </a:solidFill>
+                <a:effectLst/>
+                <a:latin typeface="Fira Code" pitchFamily="1" charset="0"/>
+              </a:rPr>
+              <a:t> </a:t>
+            </a:r>
+            <a:r>
+              <a:rPr lang="en-US" b="0" dirty="0">
+                <a:solidFill>
+                  <a:srgbClr val="B5B3AA"/>
+                </a:solidFill>
+                <a:effectLst/>
+                <a:latin typeface="Fira Code" pitchFamily="1" charset="0"/>
+              </a:rPr>
+              <a:t>(</a:t>
+            </a:r>
+            <a:r>
+              <a:rPr lang="en-US" b="0" dirty="0">
+                <a:solidFill>
+                  <a:srgbClr val="FF6C60"/>
+                </a:solidFill>
+                <a:effectLst/>
+                <a:latin typeface="Fira Code" pitchFamily="1" charset="0"/>
+              </a:rPr>
+              <a:t>key</a:t>
+            </a:r>
+            <a:r>
+              <a:rPr lang="en-US" b="0" dirty="0">
+                <a:solidFill>
+                  <a:srgbClr val="D4D4D4"/>
+                </a:solidFill>
+                <a:effectLst/>
+                <a:latin typeface="Fira Code" pitchFamily="1" charset="0"/>
+              </a:rPr>
+              <a:t>!=</a:t>
+            </a:r>
+            <a:r>
+              <a:rPr lang="en-US" b="0" dirty="0">
+                <a:solidFill>
+                  <a:srgbClr val="B5B3AA"/>
+                </a:solidFill>
+                <a:effectLst/>
+                <a:latin typeface="Fira Code" pitchFamily="1" charset="0"/>
+              </a:rPr>
+              <a:t>'</a:t>
             </a:r>
             <a:r>
               <a:rPr lang="en-US" b="0" dirty="0">
@@ -20222,17 +19938,17 @@
                 <a:effectLst/>
                 <a:latin typeface="Fira Code" pitchFamily="1" charset="0"/>
               </a:rPr>
-              <a:t>[1;32m</a:t>
-            </a:r>
-            <a:r>
-              <a:rPr lang="en-US" b="0" dirty="0">
-                <a:solidFill>
-                  <a:srgbClr val="B5B3AA"/>
-                </a:solidFill>
-                <a:effectLst/>
-                <a:latin typeface="Fira Code" pitchFamily="1" charset="0"/>
-              </a:rPr>
-              <a:t>");</a:t>
+              <a:t>w</a:t>
+            </a:r>
+            <a:r>
+              <a:rPr lang="en-US" b="0" dirty="0">
+                <a:solidFill>
+                  <a:srgbClr val="B5B3AA"/>
+                </a:solidFill>
+                <a:effectLst/>
+                <a:latin typeface="Fira Code" pitchFamily="1" charset="0"/>
+              </a:rPr>
+              <a:t>')</a:t>
             </a:r>
             <a:endParaRPr lang="en-US" b="0" dirty="0">
               <a:solidFill>
@@ -20246,12 +19962,72 @@
             <a:r>
               <a:rPr lang="en-US" b="0" dirty="0">
                 <a:solidFill>
-                  <a:srgbClr val="B5B3AA"/>
-                </a:solidFill>
-                <a:effectLst/>
-                <a:latin typeface="Fira Code" pitchFamily="1" charset="0"/>
-              </a:rPr>
-              <a:t>}</a:t>
+                  <a:srgbClr val="DDDDDD"/>
+                </a:solidFill>
+                <a:effectLst/>
+                <a:latin typeface="Fira Code" pitchFamily="1" charset="0"/>
+              </a:rPr>
+              <a:t>            </a:t>
+            </a:r>
+            <a:r>
+              <a:rPr lang="en-US" b="0" dirty="0">
+                <a:solidFill>
+                  <a:srgbClr val="FF6C60"/>
+                </a:solidFill>
+                <a:effectLst/>
+                <a:latin typeface="Fira Code" pitchFamily="1" charset="0"/>
+              </a:rPr>
+              <a:t>key</a:t>
+            </a:r>
+            <a:r>
+              <a:rPr lang="en-US" b="0" dirty="0">
+                <a:solidFill>
+                  <a:srgbClr val="DDDDDD"/>
+                </a:solidFill>
+                <a:effectLst/>
+                <a:latin typeface="Fira Code" pitchFamily="1" charset="0"/>
+              </a:rPr>
+              <a:t> </a:t>
+            </a:r>
+            <a:r>
+              <a:rPr lang="en-US" b="0" dirty="0">
+                <a:solidFill>
+                  <a:srgbClr val="D4D4D4"/>
+                </a:solidFill>
+                <a:effectLst/>
+                <a:latin typeface="Fira Code" pitchFamily="1" charset="0"/>
+              </a:rPr>
+              <a:t>=</a:t>
+            </a:r>
+            <a:r>
+              <a:rPr lang="en-US" b="0" dirty="0">
+                <a:solidFill>
+                  <a:srgbClr val="DDDDDD"/>
+                </a:solidFill>
+                <a:effectLst/>
+                <a:latin typeface="Fira Code" pitchFamily="1" charset="0"/>
+              </a:rPr>
+              <a:t> </a:t>
+            </a:r>
+            <a:r>
+              <a:rPr lang="en-US" b="0" dirty="0" err="1">
+                <a:solidFill>
+                  <a:srgbClr val="FF6C60"/>
+                </a:solidFill>
+                <a:effectLst/>
+                <a:latin typeface="Fira Code" pitchFamily="1" charset="0"/>
+              </a:rPr>
+              <a:t>keyPress</a:t>
+            </a:r>
+            <a:r>
+              <a:rPr lang="en-US" b="0" dirty="0">
+                <a:solidFill>
+                  <a:srgbClr val="B5B3AA"/>
+                </a:solidFill>
+                <a:effectLst/>
+                <a:latin typeface="Fira Code" pitchFamily="1" charset="0"/>
+              </a:rPr>
+              <a:t>;</a:t>
             </a:r>
             <a:endParaRPr lang="en-US" b="0" dirty="0">
               <a:solidFill>
@@ -20262,7 +20038,7 @@
             </a:endParaRPr>
           </a:p>
           <a:p>
-            <a:br>
+            <a:r>
               <a:rPr lang="en-US" b="0" dirty="0">
                 <a:solidFill>
                   <a:srgbClr val="DDDDDD"/>
@@ -20270,66 +20046,17 @@
                 <a:effectLst/>
                 <a:latin typeface="Fira Code" pitchFamily="1" charset="0"/>
               </a:rPr>
-            </a:br>
-            <a:r>
-              <a:rPr lang="en-US" b="0" dirty="0">
-                <a:solidFill>
-                  <a:srgbClr val="FF73FD"/>
-                </a:solidFill>
-                <a:effectLst/>
-                <a:latin typeface="Fira Code" pitchFamily="1" charset="0"/>
-              </a:rPr>
-              <a:t>void</a:t>
-            </a:r>
-            <a:r>
-              <a:rPr lang="en-US" b="0" dirty="0">
-                <a:solidFill>
-                  <a:srgbClr val="DDDDDD"/>
-                </a:solidFill>
-                <a:effectLst/>
-                <a:latin typeface="Fira Code" pitchFamily="1" charset="0"/>
-              </a:rPr>
-              <a:t> </a:t>
-            </a:r>
-            <a:r>
-              <a:rPr lang="en-US" b="0" dirty="0" err="1">
-                <a:solidFill>
-                  <a:srgbClr val="96CBFE"/>
-                </a:solidFill>
-                <a:effectLst/>
-                <a:latin typeface="Fira Code" pitchFamily="1" charset="0"/>
-              </a:rPr>
-              <a:t>colorDefault</a:t>
-            </a:r>
-            <a:r>
-              <a:rPr lang="en-US" b="0" dirty="0">
-                <a:solidFill>
-                  <a:srgbClr val="B5B3AA"/>
-                </a:solidFill>
-                <a:effectLst/>
-                <a:latin typeface="Fira Code" pitchFamily="1" charset="0"/>
-              </a:rPr>
-              <a:t>()</a:t>
-            </a:r>
-            <a:r>
-              <a:rPr lang="en-US" b="0" dirty="0">
-                <a:solidFill>
-                  <a:srgbClr val="DDDDDD"/>
-                </a:solidFill>
-                <a:effectLst/>
-                <a:latin typeface="Fira Code" pitchFamily="1" charset="0"/>
-              </a:rPr>
-              <a:t> </a:t>
-            </a:r>
-            <a:r>
-              <a:rPr lang="en-US" b="0" dirty="0">
-                <a:solidFill>
-                  <a:srgbClr val="B5B3AA"/>
-                </a:solidFill>
-                <a:effectLst/>
-                <a:latin typeface="Fira Code" pitchFamily="1" charset="0"/>
-              </a:rPr>
-              <a:t>{</a:t>
+              <a:t>          </a:t>
+            </a:r>
+            <a:r>
+              <a:rPr lang="en-US" b="0" dirty="0">
+                <a:solidFill>
+                  <a:srgbClr val="B5B3AA"/>
+                </a:solidFill>
+                <a:effectLst/>
+                <a:latin typeface="Fira Code" pitchFamily="1" charset="0"/>
+              </a:rPr>
+              <a:t>break;</a:t>
             </a:r>
             <a:endParaRPr lang="en-US" b="0" dirty="0">
               <a:solidFill>
@@ -20348,37 +20075,37 @@
                 <a:effectLst/>
                 <a:latin typeface="Fira Code" pitchFamily="1" charset="0"/>
               </a:rPr>
-              <a:t>  </a:t>
-            </a:r>
-            <a:r>
-              <a:rPr lang="en-US" b="0" dirty="0" err="1">
-                <a:solidFill>
-                  <a:srgbClr val="96CBFE"/>
-                </a:solidFill>
-                <a:effectLst/>
-                <a:latin typeface="Fira Code" pitchFamily="1" charset="0"/>
-              </a:rPr>
-              <a:t>printf</a:t>
-            </a:r>
-            <a:r>
-              <a:rPr lang="en-US" b="0" dirty="0">
-                <a:solidFill>
-                  <a:srgbClr val="B5B3AA"/>
-                </a:solidFill>
-                <a:effectLst/>
-                <a:latin typeface="Fira Code" pitchFamily="1" charset="0"/>
-              </a:rPr>
-              <a:t>("</a:t>
-            </a:r>
-            <a:r>
-              <a:rPr lang="en-US" b="0" dirty="0">
-                <a:solidFill>
-                  <a:srgbClr val="C6C5FE"/>
-                </a:solidFill>
-                <a:effectLst/>
-                <a:latin typeface="Fira Code" pitchFamily="1" charset="0"/>
-              </a:rPr>
-              <a:t>\033</a:t>
+              <a:t>        </a:t>
+            </a:r>
+            <a:r>
+              <a:rPr lang="en-US" b="0" dirty="0">
+                <a:solidFill>
+                  <a:srgbClr val="B5B3AA"/>
+                </a:solidFill>
+                <a:effectLst/>
+                <a:latin typeface="Fira Code" pitchFamily="1" charset="0"/>
+              </a:rPr>
+              <a:t>case</a:t>
+            </a:r>
+            <a:r>
+              <a:rPr lang="en-US" b="0" dirty="0">
+                <a:solidFill>
+                  <a:srgbClr val="DDDDDD"/>
+                </a:solidFill>
+                <a:effectLst/>
+                <a:latin typeface="Fira Code" pitchFamily="1" charset="0"/>
+              </a:rPr>
+              <a:t> </a:t>
+            </a:r>
+            <a:r>
+              <a:rPr lang="en-US" b="0" dirty="0">
+                <a:solidFill>
+                  <a:srgbClr val="B5B3AA"/>
+                </a:solidFill>
+                <a:effectLst/>
+                <a:latin typeface="Fira Code" pitchFamily="1" charset="0"/>
+              </a:rPr>
+              <a:t>'</a:t>
             </a:r>
             <a:r>
               <a:rPr lang="en-US" b="0" dirty="0">
@@ -20388,17 +20115,17 @@
                 <a:effectLst/>
                 <a:latin typeface="Fira Code" pitchFamily="1" charset="0"/>
               </a:rPr>
-              <a:t>[0m</a:t>
-            </a:r>
-            <a:r>
-              <a:rPr lang="en-US" b="0" dirty="0">
-                <a:solidFill>
-                  <a:srgbClr val="B5B3AA"/>
-                </a:solidFill>
-                <a:effectLst/>
-                <a:latin typeface="Fira Code" pitchFamily="1" charset="0"/>
-              </a:rPr>
-              <a:t>");</a:t>
+              <a:t>d</a:t>
+            </a:r>
+            <a:r>
+              <a:rPr lang="en-US" b="0" dirty="0">
+                <a:solidFill>
+                  <a:srgbClr val="B5B3AA"/>
+                </a:solidFill>
+                <a:effectLst/>
+                <a:latin typeface="Fira Code" pitchFamily="1" charset="0"/>
+              </a:rPr>
+              <a:t>':</a:t>
             </a:r>
             <a:endParaRPr lang="en-US" b="0" dirty="0">
               <a:solidFill>
@@ -20409,6 +20136,252 @@
             </a:endParaRPr>
           </a:p>
           <a:p>
+            <a:r>
+              <a:rPr lang="en-US" b="0" dirty="0">
+                <a:solidFill>
+                  <a:srgbClr val="DDDDDD"/>
+                </a:solidFill>
+                <a:effectLst/>
+                <a:latin typeface="Fira Code" pitchFamily="1" charset="0"/>
+              </a:rPr>
+              <a:t>          </a:t>
+            </a:r>
+            <a:r>
+              <a:rPr lang="en-US" b="0" dirty="0">
+                <a:solidFill>
+                  <a:srgbClr val="B5B3AA"/>
+                </a:solidFill>
+                <a:effectLst/>
+                <a:latin typeface="Fira Code" pitchFamily="1" charset="0"/>
+              </a:rPr>
+              <a:t>if</a:t>
+            </a:r>
+            <a:r>
+              <a:rPr lang="en-US" b="0" dirty="0">
+                <a:solidFill>
+                  <a:srgbClr val="DDDDDD"/>
+                </a:solidFill>
+                <a:effectLst/>
+                <a:latin typeface="Fira Code" pitchFamily="1" charset="0"/>
+              </a:rPr>
+              <a:t> </a:t>
+            </a:r>
+            <a:r>
+              <a:rPr lang="en-US" b="0" dirty="0">
+                <a:solidFill>
+                  <a:srgbClr val="B5B3AA"/>
+                </a:solidFill>
+                <a:effectLst/>
+                <a:latin typeface="Fira Code" pitchFamily="1" charset="0"/>
+              </a:rPr>
+              <a:t>(</a:t>
+            </a:r>
+            <a:r>
+              <a:rPr lang="en-US" b="0" dirty="0">
+                <a:solidFill>
+                  <a:srgbClr val="FF6C60"/>
+                </a:solidFill>
+                <a:effectLst/>
+                <a:latin typeface="Fira Code" pitchFamily="1" charset="0"/>
+              </a:rPr>
+              <a:t>key</a:t>
+            </a:r>
+            <a:r>
+              <a:rPr lang="en-US" b="0" dirty="0">
+                <a:solidFill>
+                  <a:srgbClr val="D4D4D4"/>
+                </a:solidFill>
+                <a:effectLst/>
+                <a:latin typeface="Fira Code" pitchFamily="1" charset="0"/>
+              </a:rPr>
+              <a:t>!=</a:t>
+            </a:r>
+            <a:r>
+              <a:rPr lang="en-US" b="0" dirty="0">
+                <a:solidFill>
+                  <a:srgbClr val="B5B3AA"/>
+                </a:solidFill>
+                <a:effectLst/>
+                <a:latin typeface="Fira Code" pitchFamily="1" charset="0"/>
+              </a:rPr>
+              <a:t>'</a:t>
+            </a:r>
+            <a:r>
+              <a:rPr lang="en-US" b="0" dirty="0">
+                <a:solidFill>
+                  <a:srgbClr val="A8FF60"/>
+                </a:solidFill>
+                <a:effectLst/>
+                <a:latin typeface="Fira Code" pitchFamily="1" charset="0"/>
+              </a:rPr>
+              <a:t>a</a:t>
+            </a:r>
+            <a:r>
+              <a:rPr lang="en-US" b="0" dirty="0">
+                <a:solidFill>
+                  <a:srgbClr val="B5B3AA"/>
+                </a:solidFill>
+                <a:effectLst/>
+                <a:latin typeface="Fira Code" pitchFamily="1" charset="0"/>
+              </a:rPr>
+              <a:t>')</a:t>
+            </a:r>
+            <a:endParaRPr lang="en-US" b="0" dirty="0">
+              <a:solidFill>
+                <a:srgbClr val="DDDDDD"/>
+              </a:solidFill>
+              <a:effectLst/>
+              <a:latin typeface="Fira Code" pitchFamily="1" charset="0"/>
+            </a:endParaRPr>
+          </a:p>
+          <a:p>
+            <a:r>
+              <a:rPr lang="en-US" b="0" dirty="0">
+                <a:solidFill>
+                  <a:srgbClr val="DDDDDD"/>
+                </a:solidFill>
+                <a:effectLst/>
+                <a:latin typeface="Fira Code" pitchFamily="1" charset="0"/>
+              </a:rPr>
+              <a:t>            </a:t>
+            </a:r>
+            <a:r>
+              <a:rPr lang="en-US" b="0" dirty="0">
+                <a:solidFill>
+                  <a:srgbClr val="FF6C60"/>
+                </a:solidFill>
+                <a:effectLst/>
+                <a:latin typeface="Fira Code" pitchFamily="1" charset="0"/>
+              </a:rPr>
+              <a:t>key</a:t>
+            </a:r>
+            <a:r>
+              <a:rPr lang="en-US" b="0" dirty="0">
+                <a:solidFill>
+                  <a:srgbClr val="DDDDDD"/>
+                </a:solidFill>
+                <a:effectLst/>
+                <a:latin typeface="Fira Code" pitchFamily="1" charset="0"/>
+              </a:rPr>
+              <a:t> </a:t>
+            </a:r>
+            <a:r>
+              <a:rPr lang="en-US" b="0" dirty="0">
+                <a:solidFill>
+                  <a:srgbClr val="D4D4D4"/>
+                </a:solidFill>
+                <a:effectLst/>
+                <a:latin typeface="Fira Code" pitchFamily="1" charset="0"/>
+              </a:rPr>
+              <a:t>=</a:t>
+            </a:r>
+            <a:r>
+              <a:rPr lang="en-US" b="0" dirty="0">
+                <a:solidFill>
+                  <a:srgbClr val="DDDDDD"/>
+                </a:solidFill>
+                <a:effectLst/>
+                <a:latin typeface="Fira Code" pitchFamily="1" charset="0"/>
+              </a:rPr>
+              <a:t> </a:t>
+            </a:r>
+            <a:r>
+              <a:rPr lang="en-US" b="0" dirty="0" err="1">
+                <a:solidFill>
+                  <a:srgbClr val="FF6C60"/>
+                </a:solidFill>
+                <a:effectLst/>
+                <a:latin typeface="Fira Code" pitchFamily="1" charset="0"/>
+              </a:rPr>
+              <a:t>keyPress</a:t>
+            </a:r>
+            <a:r>
+              <a:rPr lang="en-US" b="0" dirty="0">
+                <a:solidFill>
+                  <a:srgbClr val="B5B3AA"/>
+                </a:solidFill>
+                <a:effectLst/>
+                <a:latin typeface="Fira Code" pitchFamily="1" charset="0"/>
+              </a:rPr>
+              <a:t>;</a:t>
+            </a:r>
+            <a:endParaRPr lang="en-US" b="0" dirty="0">
+              <a:solidFill>
+                <a:srgbClr val="DDDDDD"/>
+              </a:solidFill>
+              <a:effectLst/>
+              <a:latin typeface="Fira Code" pitchFamily="1" charset="0"/>
+            </a:endParaRPr>
+          </a:p>
+          <a:p>
+            <a:r>
+              <a:rPr lang="en-US" b="0" dirty="0">
+                <a:solidFill>
+                  <a:srgbClr val="DDDDDD"/>
+                </a:solidFill>
+                <a:effectLst/>
+                <a:latin typeface="Fira Code" pitchFamily="1" charset="0"/>
+              </a:rPr>
+              <a:t>          </a:t>
+            </a:r>
+            <a:r>
+              <a:rPr lang="en-US" b="0" dirty="0">
+                <a:solidFill>
+                  <a:srgbClr val="B5B3AA"/>
+                </a:solidFill>
+                <a:effectLst/>
+                <a:latin typeface="Fira Code" pitchFamily="1" charset="0"/>
+              </a:rPr>
+              <a:t>break;</a:t>
+            </a:r>
+            <a:endParaRPr lang="en-US" b="0" dirty="0">
+              <a:solidFill>
+                <a:srgbClr val="DDDDDD"/>
+              </a:solidFill>
+              <a:effectLst/>
+              <a:latin typeface="Fira Code" pitchFamily="1" charset="0"/>
+            </a:endParaRPr>
+          </a:p>
+          <a:p>
+            <a:r>
+              <a:rPr lang="en-US" b="0" dirty="0">
+                <a:solidFill>
+                  <a:srgbClr val="DDDDDD"/>
+                </a:solidFill>
+                <a:effectLst/>
+                <a:latin typeface="Fira Code" pitchFamily="1" charset="0"/>
+              </a:rPr>
+              <a:t>        </a:t>
+            </a:r>
+            <a:r>
+              <a:rPr lang="en-US" b="0" dirty="0">
+                <a:solidFill>
+                  <a:srgbClr val="B5B3AA"/>
+                </a:solidFill>
+                <a:effectLst/>
+                <a:latin typeface="Fira Code" pitchFamily="1" charset="0"/>
+              </a:rPr>
+              <a:t>}</a:t>
+            </a:r>
+            <a:endParaRPr lang="en-US" b="0" dirty="0">
+              <a:solidFill>
+                <a:srgbClr val="DDDDDD"/>
+              </a:solidFill>
+              <a:effectLst/>
+              <a:latin typeface="Fira Code" pitchFamily="1" charset="0"/>
+            </a:endParaRPr>
+          </a:p>
+          <a:p>
+            <a:r>
+              <a:rPr lang="en-US" b="0" dirty="0">
+                <a:solidFill>
+                  <a:srgbClr val="DDDDDD"/>
+                </a:solidFill>
+                <a:effectLst/>
+                <a:latin typeface="Fira Code" pitchFamily="1" charset="0"/>
+              </a:rPr>
+              <a:t>      </a:t>
+            </a:r>
             <a:r>
               <a:rPr lang="en-US" b="0" dirty="0">
                 <a:solidFill>
@@ -20432,7 +20405,7 @@
     </p:spTree>
     <p:extLst>
       <p:ext uri="{BB962C8B-B14F-4D97-AF65-F5344CB8AC3E}">
-        <p14:creationId xmlns:p14="http://schemas.microsoft.com/office/powerpoint/2010/main" val="2605565983"/>
+        <p14:creationId xmlns:p14="http://schemas.microsoft.com/office/powerpoint/2010/main" val="3083478291"/>
       </p:ext>
     </p:extLst>
   </p:cSld>
@@ -20496,7 +20469,7 @@
                 <a:latin typeface="Arial" panose="020B0604020202020204" pitchFamily="34" charset="0"/>
                 <a:cs typeface="Arial" panose="020B0604020202020204" pitchFamily="34" charset="0"/>
               </a:rPr>
-              <a:t>Error checking</a:t>
+              <a:t>Loops</a:t>
             </a:r>
           </a:p>
         </p:txBody>
@@ -20515,8 +20488,8 @@
         </p:nvSpPr>
         <p:spPr>
           <a:xfrm>
-            <a:off x="5362492" y="612844"/>
-            <a:ext cx="10174357" cy="5632311"/>
+            <a:off x="441099" y="2220919"/>
+            <a:ext cx="6206656" cy="1477328"/>
           </a:xfrm>
           <a:prstGeom prst="rect">
             <a:avLst/>
@@ -20532,7 +20505,7 @@
             <a:r>
               <a:rPr lang="en-US" b="0" dirty="0">
                 <a:solidFill>
-                  <a:srgbClr val="DDDDDD"/>
+                  <a:srgbClr val="B5B3AA"/>
                 </a:solidFill>
                 <a:effectLst/>
                 <a:latin typeface="Fira Code" pitchFamily="1" charset="0"/>
@@ -20540,216 +20513,24 @@
               <a:t>      </a:t>
             </a:r>
             <a:r>
-              <a:rPr lang="en-US" b="0" dirty="0">
-                <a:solidFill>
-                  <a:srgbClr val="B5B3AA"/>
-                </a:solidFill>
-                <a:effectLst/>
-                <a:latin typeface="Fira Code" pitchFamily="1" charset="0"/>
-              </a:rPr>
-              <a:t>if</a:t>
-            </a:r>
-            <a:r>
-              <a:rPr lang="en-US" b="0" dirty="0">
-                <a:solidFill>
-                  <a:srgbClr val="DDDDDD"/>
-                </a:solidFill>
-                <a:effectLst/>
-                <a:latin typeface="Fira Code" pitchFamily="1" charset="0"/>
-              </a:rPr>
-              <a:t> </a:t>
-            </a:r>
-            <a:r>
-              <a:rPr lang="en-US" b="0" dirty="0">
-                <a:solidFill>
-                  <a:srgbClr val="B5B3AA"/>
-                </a:solidFill>
-                <a:effectLst/>
-                <a:latin typeface="Fira Code" pitchFamily="1" charset="0"/>
-              </a:rPr>
-              <a:t>(</a:t>
-            </a:r>
-            <a:r>
-              <a:rPr lang="en-US" b="0" dirty="0" err="1">
-                <a:solidFill>
-                  <a:srgbClr val="FF6C60"/>
-                </a:solidFill>
-                <a:effectLst/>
-                <a:latin typeface="Fira Code" pitchFamily="1" charset="0"/>
-              </a:rPr>
-              <a:t>keyPress</a:t>
-            </a:r>
-            <a:r>
-              <a:rPr lang="en-US" b="0" dirty="0">
-                <a:solidFill>
-                  <a:srgbClr val="DDDDDD"/>
-                </a:solidFill>
-                <a:effectLst/>
-                <a:latin typeface="Fira Code" pitchFamily="1" charset="0"/>
-              </a:rPr>
-              <a:t> </a:t>
-            </a:r>
-            <a:r>
-              <a:rPr lang="en-US" b="0" dirty="0">
-                <a:solidFill>
-                  <a:srgbClr val="D4D4D4"/>
-                </a:solidFill>
-                <a:effectLst/>
-                <a:latin typeface="Fira Code" pitchFamily="1" charset="0"/>
-              </a:rPr>
-              <a:t>!=</a:t>
-            </a:r>
-            <a:r>
-              <a:rPr lang="en-US" b="0" dirty="0">
-                <a:solidFill>
-                  <a:srgbClr val="DDDDDD"/>
-                </a:solidFill>
-                <a:effectLst/>
-                <a:latin typeface="Fira Code" pitchFamily="1" charset="0"/>
-              </a:rPr>
-              <a:t> </a:t>
-            </a:r>
-            <a:r>
-              <a:rPr lang="en-US" b="0" dirty="0">
-                <a:solidFill>
-                  <a:srgbClr val="B5B3AA"/>
-                </a:solidFill>
-                <a:effectLst/>
-                <a:latin typeface="Fira Code" pitchFamily="1" charset="0"/>
-              </a:rPr>
-              <a:t>'</a:t>
-            </a:r>
-            <a:r>
-              <a:rPr lang="en-US" b="0" dirty="0">
-                <a:solidFill>
-                  <a:srgbClr val="C6C5FE"/>
-                </a:solidFill>
-                <a:effectLst/>
-                <a:latin typeface="Fira Code" pitchFamily="1" charset="0"/>
-              </a:rPr>
-              <a:t>\0</a:t>
-            </a:r>
-            <a:r>
-              <a:rPr lang="en-US" b="0" dirty="0">
-                <a:solidFill>
-                  <a:srgbClr val="B5B3AA"/>
-                </a:solidFill>
-                <a:effectLst/>
-                <a:latin typeface="Fira Code" pitchFamily="1" charset="0"/>
-              </a:rPr>
-              <a:t>')</a:t>
-            </a:r>
-            <a:r>
-              <a:rPr lang="en-US" b="0" dirty="0">
-                <a:solidFill>
-                  <a:srgbClr val="DDDDDD"/>
-                </a:solidFill>
-                <a:effectLst/>
-                <a:latin typeface="Fira Code" pitchFamily="1" charset="0"/>
-              </a:rPr>
-              <a:t> </a:t>
-            </a:r>
-            <a:r>
-              <a:rPr lang="en-US" b="0" dirty="0">
-                <a:solidFill>
-                  <a:srgbClr val="B5B3AA"/>
-                </a:solidFill>
-                <a:effectLst/>
-                <a:latin typeface="Fira Code" pitchFamily="1" charset="0"/>
-              </a:rPr>
-              <a:t>{</a:t>
-            </a:r>
-            <a:r>
-              <a:rPr lang="en-US" b="0" dirty="0">
-                <a:solidFill>
-                  <a:srgbClr val="DDDDDD"/>
-                </a:solidFill>
-                <a:effectLst/>
-                <a:latin typeface="Fira Code" pitchFamily="1" charset="0"/>
-              </a:rPr>
-              <a:t> </a:t>
-            </a:r>
-          </a:p>
-          <a:p>
-            <a:r>
-              <a:rPr lang="en-US" b="0" dirty="0">
-                <a:solidFill>
-                  <a:srgbClr val="DDDDDD"/>
-                </a:solidFill>
-                <a:effectLst/>
-                <a:latin typeface="Fira Code" pitchFamily="1" charset="0"/>
-              </a:rPr>
-              <a:t>        </a:t>
-            </a:r>
-            <a:r>
-              <a:rPr lang="en-US" b="0" dirty="0">
-                <a:solidFill>
-                  <a:srgbClr val="B5B3AA"/>
-                </a:solidFill>
-                <a:effectLst/>
-                <a:latin typeface="Fira Code" pitchFamily="1" charset="0"/>
-              </a:rPr>
-              <a:t>switch</a:t>
-            </a:r>
-            <a:r>
-              <a:rPr lang="en-US" b="0" dirty="0">
-                <a:solidFill>
-                  <a:srgbClr val="DDDDDD"/>
-                </a:solidFill>
-                <a:effectLst/>
-                <a:latin typeface="Fira Code" pitchFamily="1" charset="0"/>
-              </a:rPr>
-              <a:t> </a:t>
-            </a:r>
-            <a:r>
-              <a:rPr lang="en-US" b="0" dirty="0">
-                <a:solidFill>
-                  <a:srgbClr val="B5B3AA"/>
-                </a:solidFill>
-                <a:effectLst/>
-                <a:latin typeface="Fira Code" pitchFamily="1" charset="0"/>
-              </a:rPr>
-              <a:t>(</a:t>
-            </a:r>
-            <a:r>
-              <a:rPr lang="en-US" b="0" dirty="0" err="1">
-                <a:solidFill>
-                  <a:srgbClr val="FF6C60"/>
-                </a:solidFill>
-                <a:effectLst/>
-                <a:latin typeface="Fira Code" pitchFamily="1" charset="0"/>
-              </a:rPr>
-              <a:t>keyPress</a:t>
-            </a:r>
-            <a:r>
-              <a:rPr lang="en-US" b="0" dirty="0">
-                <a:solidFill>
-                  <a:srgbClr val="B5B3AA"/>
-                </a:solidFill>
-                <a:effectLst/>
-                <a:latin typeface="Fira Code" pitchFamily="1" charset="0"/>
-              </a:rPr>
-              <a:t>)</a:t>
-            </a:r>
-            <a:r>
-              <a:rPr lang="en-US" b="0" dirty="0">
-                <a:solidFill>
-                  <a:srgbClr val="DDDDDD"/>
-                </a:solidFill>
-                <a:effectLst/>
-                <a:latin typeface="Fira Code" pitchFamily="1" charset="0"/>
-              </a:rPr>
-              <a:t> </a:t>
-            </a:r>
-            <a:r>
-              <a:rPr lang="en-US" b="0" dirty="0">
-                <a:solidFill>
-                  <a:srgbClr val="B5B3AA"/>
-                </a:solidFill>
-                <a:effectLst/>
-                <a:latin typeface="Fira Code" pitchFamily="1" charset="0"/>
-              </a:rPr>
-              <a:t>{</a:t>
+              <a:rPr lang="en-US" b="0" i="1" dirty="0">
+                <a:solidFill>
+                  <a:srgbClr val="6C6C66"/>
+                </a:solidFill>
+                <a:effectLst/>
+                <a:latin typeface="Fira Code" pitchFamily="1" charset="0"/>
+              </a:rPr>
+              <a:t>//</a:t>
+            </a:r>
+            <a:r>
+              <a:rPr lang="en-US" b="0" i="1" dirty="0">
+                <a:solidFill>
+                  <a:srgbClr val="747C84"/>
+                </a:solidFill>
+                <a:effectLst/>
+                <a:latin typeface="Fira Code" pitchFamily="1" charset="0"/>
+              </a:rPr>
+              <a:t> Move</a:t>
             </a:r>
             <a:endParaRPr lang="en-US" b="0" dirty="0">
               <a:solidFill>
@@ -20768,17 +20549,17 @@
                 <a:effectLst/>
                 <a:latin typeface="Fira Code" pitchFamily="1" charset="0"/>
               </a:rPr>
-              <a:t>        </a:t>
-            </a:r>
-            <a:r>
-              <a:rPr lang="en-US" b="0" dirty="0">
-                <a:solidFill>
-                  <a:srgbClr val="B5B3AA"/>
-                </a:solidFill>
-                <a:effectLst/>
-                <a:latin typeface="Fira Code" pitchFamily="1" charset="0"/>
-              </a:rPr>
-              <a:t>case</a:t>
+              <a:t>      </a:t>
+            </a:r>
+            <a:r>
+              <a:rPr lang="en-US" b="0" dirty="0">
+                <a:solidFill>
+                  <a:srgbClr val="B5B3AA"/>
+                </a:solidFill>
+                <a:effectLst/>
+                <a:latin typeface="Fira Code" pitchFamily="1" charset="0"/>
+              </a:rPr>
+              <a:t>for</a:t>
             </a:r>
             <a:r>
               <a:rPr lang="en-US" b="0" dirty="0">
@@ -20798,27 +20579,237 @@
                 <a:effectLst/>
                 <a:latin typeface="Fira Code" pitchFamily="1" charset="0"/>
               </a:rPr>
-              <a:t>'</a:t>
-            </a:r>
-            <a:r>
-              <a:rPr lang="en-US" b="0" dirty="0">
-                <a:solidFill>
-                  <a:srgbClr val="A8FF60"/>
-                </a:solidFill>
-                <a:effectLst/>
-                <a:latin typeface="Fira Code" pitchFamily="1" charset="0"/>
-              </a:rPr>
-              <a:t>w</a:t>
-            </a:r>
-            <a:r>
-              <a:rPr lang="en-US" b="0" dirty="0">
-                <a:solidFill>
-                  <a:srgbClr val="B5B3AA"/>
-                </a:solidFill>
-                <a:effectLst/>
-                <a:latin typeface="Fira Code" pitchFamily="1" charset="0"/>
-              </a:rPr>
-              <a:t>':</a:t>
+              <a:t>(</a:t>
+            </a:r>
+            <a:r>
+              <a:rPr lang="en-US" b="0" dirty="0">
+                <a:solidFill>
+                  <a:srgbClr val="FF73FD"/>
+                </a:solidFill>
+                <a:effectLst/>
+                <a:latin typeface="Fira Code" pitchFamily="1" charset="0"/>
+              </a:rPr>
+              <a:t>int</a:t>
+            </a:r>
+            <a:r>
+              <a:rPr lang="en-US" b="0" dirty="0">
+                <a:solidFill>
+                  <a:srgbClr val="DDDDDD"/>
+                </a:solidFill>
+                <a:effectLst/>
+                <a:latin typeface="Fira Code" pitchFamily="1" charset="0"/>
+              </a:rPr>
+              <a:t> </a:t>
+            </a:r>
+            <a:r>
+              <a:rPr lang="en-US" b="0" dirty="0" err="1">
+                <a:solidFill>
+                  <a:srgbClr val="FF6C60"/>
+                </a:solidFill>
+                <a:effectLst/>
+                <a:latin typeface="Fira Code" pitchFamily="1" charset="0"/>
+              </a:rPr>
+              <a:t>i</a:t>
+            </a:r>
+            <a:r>
+              <a:rPr lang="en-US" b="0" dirty="0">
+                <a:solidFill>
+                  <a:srgbClr val="DDDDDD"/>
+                </a:solidFill>
+                <a:effectLst/>
+                <a:latin typeface="Fira Code" pitchFamily="1" charset="0"/>
+              </a:rPr>
+              <a:t> </a:t>
+            </a:r>
+            <a:r>
+              <a:rPr lang="en-US" b="0" dirty="0">
+                <a:solidFill>
+                  <a:srgbClr val="D4D4D4"/>
+                </a:solidFill>
+                <a:effectLst/>
+                <a:latin typeface="Fira Code" pitchFamily="1" charset="0"/>
+              </a:rPr>
+              <a:t>=</a:t>
+            </a:r>
+            <a:r>
+              <a:rPr lang="en-US" b="0" dirty="0">
+                <a:solidFill>
+                  <a:srgbClr val="DDDDDD"/>
+                </a:solidFill>
+                <a:effectLst/>
+                <a:latin typeface="Fira Code" pitchFamily="1" charset="0"/>
+              </a:rPr>
+              <a:t> </a:t>
+            </a:r>
+            <a:r>
+              <a:rPr lang="en-US" b="0" dirty="0">
+                <a:solidFill>
+                  <a:srgbClr val="FF6C60"/>
+                </a:solidFill>
+                <a:effectLst/>
+                <a:latin typeface="Fira Code" pitchFamily="1" charset="0"/>
+              </a:rPr>
+              <a:t>score</a:t>
+            </a:r>
+            <a:r>
+              <a:rPr lang="en-US" b="0" dirty="0">
+                <a:solidFill>
+                  <a:srgbClr val="D4D4D4"/>
+                </a:solidFill>
+                <a:effectLst/>
+                <a:latin typeface="Fira Code" pitchFamily="1" charset="0"/>
+              </a:rPr>
+              <a:t>-</a:t>
+            </a:r>
+            <a:r>
+              <a:rPr lang="en-US" b="0" dirty="0">
+                <a:solidFill>
+                  <a:srgbClr val="E9C062"/>
+                </a:solidFill>
+                <a:effectLst/>
+                <a:latin typeface="Fira Code" pitchFamily="1" charset="0"/>
+              </a:rPr>
+              <a:t>1</a:t>
+            </a:r>
+            <a:r>
+              <a:rPr lang="en-US" b="0" dirty="0">
+                <a:solidFill>
+                  <a:srgbClr val="B5B3AA"/>
+                </a:solidFill>
+                <a:effectLst/>
+                <a:latin typeface="Fira Code" pitchFamily="1" charset="0"/>
+              </a:rPr>
+              <a:t>;</a:t>
+            </a:r>
+            <a:r>
+              <a:rPr lang="en-US" b="0" dirty="0">
+                <a:solidFill>
+                  <a:srgbClr val="DDDDDD"/>
+                </a:solidFill>
+                <a:effectLst/>
+                <a:latin typeface="Fira Code" pitchFamily="1" charset="0"/>
+              </a:rPr>
+              <a:t> </a:t>
+            </a:r>
+            <a:r>
+              <a:rPr lang="en-US" b="0" dirty="0" err="1">
+                <a:solidFill>
+                  <a:srgbClr val="FF6C60"/>
+                </a:solidFill>
+                <a:effectLst/>
+                <a:latin typeface="Fira Code" pitchFamily="1" charset="0"/>
+              </a:rPr>
+              <a:t>i</a:t>
+            </a:r>
+            <a:r>
+              <a:rPr lang="en-US" b="0" dirty="0">
+                <a:solidFill>
+                  <a:srgbClr val="DDDDDD"/>
+                </a:solidFill>
+                <a:effectLst/>
+                <a:latin typeface="Fira Code" pitchFamily="1" charset="0"/>
+              </a:rPr>
+              <a:t> </a:t>
+            </a:r>
+            <a:r>
+              <a:rPr lang="en-US" b="0" dirty="0">
+                <a:solidFill>
+                  <a:srgbClr val="D4D4D4"/>
+                </a:solidFill>
+                <a:effectLst/>
+                <a:latin typeface="Fira Code" pitchFamily="1" charset="0"/>
+              </a:rPr>
+              <a:t>&gt;=</a:t>
+            </a:r>
+            <a:r>
+              <a:rPr lang="en-US" b="0" dirty="0">
+                <a:solidFill>
+                  <a:srgbClr val="DDDDDD"/>
+                </a:solidFill>
+                <a:effectLst/>
+                <a:latin typeface="Fira Code" pitchFamily="1" charset="0"/>
+              </a:rPr>
+              <a:t> </a:t>
+            </a:r>
+            <a:r>
+              <a:rPr lang="en-US" b="0" dirty="0">
+                <a:solidFill>
+                  <a:srgbClr val="E9C062"/>
+                </a:solidFill>
+                <a:effectLst/>
+                <a:latin typeface="Fira Code" pitchFamily="1" charset="0"/>
+              </a:rPr>
+              <a:t>1</a:t>
+            </a:r>
+            <a:r>
+              <a:rPr lang="en-US" b="0" dirty="0">
+                <a:solidFill>
+                  <a:srgbClr val="B5B3AA"/>
+                </a:solidFill>
+                <a:effectLst/>
+                <a:latin typeface="Fira Code" pitchFamily="1" charset="0"/>
+              </a:rPr>
+              <a:t>;</a:t>
+            </a:r>
+            <a:r>
+              <a:rPr lang="en-US" b="0" dirty="0">
+                <a:solidFill>
+                  <a:srgbClr val="DDDDDD"/>
+                </a:solidFill>
+                <a:effectLst/>
+                <a:latin typeface="Fira Code" pitchFamily="1" charset="0"/>
+              </a:rPr>
+              <a:t> </a:t>
+            </a:r>
+            <a:r>
+              <a:rPr lang="en-US" b="0" dirty="0" err="1">
+                <a:solidFill>
+                  <a:srgbClr val="FF6C60"/>
+                </a:solidFill>
+                <a:effectLst/>
+                <a:latin typeface="Fira Code" pitchFamily="1" charset="0"/>
+              </a:rPr>
+              <a:t>i</a:t>
+            </a:r>
+            <a:r>
+              <a:rPr lang="en-US" b="0" dirty="0">
+                <a:solidFill>
+                  <a:srgbClr val="D4D4D4"/>
+                </a:solidFill>
+                <a:effectLst/>
+                <a:latin typeface="Fira Code" pitchFamily="1" charset="0"/>
+              </a:rPr>
+              <a:t>--</a:t>
+            </a:r>
+            <a:r>
+              <a:rPr lang="en-US" b="0" dirty="0">
+                <a:solidFill>
+                  <a:srgbClr val="B5B3AA"/>
+                </a:solidFill>
+                <a:effectLst/>
+                <a:latin typeface="Fira Code" pitchFamily="1" charset="0"/>
+              </a:rPr>
+              <a:t>)</a:t>
+            </a:r>
+            <a:r>
+              <a:rPr lang="en-US" b="0" dirty="0">
+                <a:solidFill>
+                  <a:srgbClr val="DDDDDD"/>
+                </a:solidFill>
+                <a:effectLst/>
+                <a:latin typeface="Fira Code" pitchFamily="1" charset="0"/>
+              </a:rPr>
+              <a:t> </a:t>
+            </a:r>
+            <a:r>
+              <a:rPr lang="en-US" b="0" dirty="0">
+                <a:solidFill>
+                  <a:srgbClr val="B5B3AA"/>
+                </a:solidFill>
+                <a:effectLst/>
+                <a:latin typeface="Fira Code" pitchFamily="1" charset="0"/>
+              </a:rPr>
+              <a:t>{</a:t>
             </a:r>
             <a:endParaRPr lang="en-US" b="0" dirty="0">
               <a:solidFill>
@@ -20837,17 +20828,67 @@
                 <a:effectLst/>
                 <a:latin typeface="Fira Code" pitchFamily="1" charset="0"/>
               </a:rPr>
-              <a:t>          </a:t>
-            </a:r>
-            <a:r>
-              <a:rPr lang="en-US" b="0" dirty="0">
-                <a:solidFill>
-                  <a:srgbClr val="B5B3AA"/>
-                </a:solidFill>
-                <a:effectLst/>
-                <a:latin typeface="Fira Code" pitchFamily="1" charset="0"/>
-              </a:rPr>
-              <a:t>if</a:t>
+              <a:t>        </a:t>
+            </a:r>
+            <a:r>
+              <a:rPr lang="en-US" b="0" dirty="0">
+                <a:solidFill>
+                  <a:srgbClr val="FF6C60"/>
+                </a:solidFill>
+                <a:effectLst/>
+                <a:latin typeface="Fira Code" pitchFamily="1" charset="0"/>
+              </a:rPr>
+              <a:t>snake</a:t>
+            </a:r>
+            <a:r>
+              <a:rPr lang="en-US" b="0" dirty="0">
+                <a:solidFill>
+                  <a:srgbClr val="B5B3AA"/>
+                </a:solidFill>
+                <a:effectLst/>
+                <a:latin typeface="Fira Code" pitchFamily="1" charset="0"/>
+              </a:rPr>
+              <a:t>[</a:t>
+            </a:r>
+            <a:r>
+              <a:rPr lang="en-US" b="0" dirty="0" err="1">
+                <a:solidFill>
+                  <a:srgbClr val="FF6C60"/>
+                </a:solidFill>
+                <a:effectLst/>
+                <a:latin typeface="Fira Code" pitchFamily="1" charset="0"/>
+              </a:rPr>
+              <a:t>i</a:t>
+            </a:r>
+            <a:r>
+              <a:rPr lang="en-US" b="0" dirty="0">
+                <a:solidFill>
+                  <a:srgbClr val="B5B3AA"/>
+                </a:solidFill>
+                <a:effectLst/>
+                <a:latin typeface="Fira Code" pitchFamily="1" charset="0"/>
+              </a:rPr>
+              <a:t>][</a:t>
+            </a:r>
+            <a:r>
+              <a:rPr lang="en-US" b="0" dirty="0">
+                <a:solidFill>
+                  <a:srgbClr val="E9C062"/>
+                </a:solidFill>
+                <a:effectLst/>
+                <a:latin typeface="Fira Code" pitchFamily="1" charset="0"/>
+              </a:rPr>
+              <a:t>0</a:t>
+            </a:r>
+            <a:r>
+              <a:rPr lang="en-US" b="0" dirty="0">
+                <a:solidFill>
+                  <a:srgbClr val="B5B3AA"/>
+                </a:solidFill>
+                <a:effectLst/>
+                <a:latin typeface="Fira Code" pitchFamily="1" charset="0"/>
+              </a:rPr>
+              <a:t>]</a:t>
             </a:r>
             <a:r>
               <a:rPr lang="en-US" b="0" dirty="0">
@@ -20862,12 +20903,22 @@
             <a:r>
               <a:rPr lang="en-US" b="0" dirty="0">
                 <a:solidFill>
-                  <a:srgbClr val="B5B3AA"/>
-                </a:solidFill>
-                <a:effectLst/>
-                <a:latin typeface="Fira Code" pitchFamily="1" charset="0"/>
-              </a:rPr>
-              <a:t>(</a:t>
+                  <a:srgbClr val="D4D4D4"/>
+                </a:solidFill>
+                <a:effectLst/>
+                <a:latin typeface="Fira Code" pitchFamily="1" charset="0"/>
+              </a:rPr>
+              <a:t>=</a:t>
+            </a:r>
+            <a:r>
+              <a:rPr lang="en-US" b="0" dirty="0">
+                <a:solidFill>
+                  <a:srgbClr val="DDDDDD"/>
+                </a:solidFill>
+                <a:effectLst/>
+                <a:latin typeface="Fira Code" pitchFamily="1" charset="0"/>
+              </a:rPr>
+              <a:t> </a:t>
             </a:r>
             <a:r>
               <a:rPr lang="en-US" b="0" dirty="0">
@@ -20877,7 +20928,27 @@
                 <a:effectLst/>
                 <a:latin typeface="Fira Code" pitchFamily="1" charset="0"/>
               </a:rPr>
-              <a:t>key</a:t>
+              <a:t>snake</a:t>
+            </a:r>
+            <a:r>
+              <a:rPr lang="en-US" b="0" dirty="0">
+                <a:solidFill>
+                  <a:srgbClr val="B5B3AA"/>
+                </a:solidFill>
+                <a:effectLst/>
+                <a:latin typeface="Fira Code" pitchFamily="1" charset="0"/>
+              </a:rPr>
+              <a:t>[</a:t>
+            </a:r>
+            <a:r>
+              <a:rPr lang="en-US" b="0" dirty="0">
+                <a:solidFill>
+                  <a:srgbClr val="FF6C60"/>
+                </a:solidFill>
+                <a:effectLst/>
+                <a:latin typeface="Fira Code" pitchFamily="1" charset="0"/>
+              </a:rPr>
+              <a:t>i</a:t>
             </a:r>
             <a:r>
               <a:rPr lang="en-US" b="0" dirty="0">
@@ -20887,37 +20958,47 @@
                 <a:effectLst/>
                 <a:latin typeface="Fira Code" pitchFamily="1" charset="0"/>
               </a:rPr>
-              <a:t>!=</a:t>
-            </a:r>
-            <a:r>
-              <a:rPr lang="en-US" b="0" dirty="0">
-                <a:solidFill>
-                  <a:srgbClr val="B5B3AA"/>
-                </a:solidFill>
-                <a:effectLst/>
-                <a:latin typeface="Fira Code" pitchFamily="1" charset="0"/>
-              </a:rPr>
-              <a:t>'</a:t>
-            </a:r>
-            <a:r>
-              <a:rPr lang="en-US" b="0" dirty="0">
-                <a:solidFill>
-                  <a:srgbClr val="A8FF60"/>
-                </a:solidFill>
-                <a:effectLst/>
-                <a:latin typeface="Fira Code" pitchFamily="1" charset="0"/>
-              </a:rPr>
-              <a:t>s</a:t>
-            </a:r>
-            <a:r>
-              <a:rPr lang="en-US" b="0" dirty="0">
-                <a:solidFill>
-                  <a:srgbClr val="B5B3AA"/>
-                </a:solidFill>
-                <a:effectLst/>
-                <a:latin typeface="Fira Code" pitchFamily="1" charset="0"/>
-              </a:rPr>
-              <a:t>')</a:t>
+              <a:t>-</a:t>
+            </a:r>
+            <a:r>
+              <a:rPr lang="en-US" b="0" dirty="0">
+                <a:solidFill>
+                  <a:srgbClr val="E9C062"/>
+                </a:solidFill>
+                <a:effectLst/>
+                <a:latin typeface="Fira Code" pitchFamily="1" charset="0"/>
+              </a:rPr>
+              <a:t>1</a:t>
+            </a:r>
+            <a:r>
+              <a:rPr lang="en-US" b="0" dirty="0">
+                <a:solidFill>
+                  <a:srgbClr val="B5B3AA"/>
+                </a:solidFill>
+                <a:effectLst/>
+                <a:latin typeface="Fira Code" pitchFamily="1" charset="0"/>
+              </a:rPr>
+              <a:t>][</a:t>
+            </a:r>
+            <a:r>
+              <a:rPr lang="en-US" b="0" dirty="0">
+                <a:solidFill>
+                  <a:srgbClr val="E9C062"/>
+                </a:solidFill>
+                <a:effectLst/>
+                <a:latin typeface="Fira Code" pitchFamily="1" charset="0"/>
+              </a:rPr>
+              <a:t>0</a:t>
+            </a:r>
+            <a:r>
+              <a:rPr lang="en-US" b="0" dirty="0">
+                <a:solidFill>
+                  <a:srgbClr val="B5B3AA"/>
+                </a:solidFill>
+                <a:effectLst/>
+                <a:latin typeface="Fira Code" pitchFamily="1" charset="0"/>
+              </a:rPr>
+              <a:t>];</a:t>
             </a:r>
             <a:endParaRPr lang="en-US" b="0" dirty="0">
               <a:solidFill>
@@ -20936,7 +21017,7 @@
                 <a:effectLst/>
                 <a:latin typeface="Fira Code" pitchFamily="1" charset="0"/>
               </a:rPr>
-              <a:t>            </a:t>
+              <a:t>        </a:t>
             </a:r>
             <a:r>
               <a:rPr lang="en-US" b="0" dirty="0">
@@ -20946,7 +21027,57 @@
                 <a:effectLst/>
                 <a:latin typeface="Fira Code" pitchFamily="1" charset="0"/>
               </a:rPr>
-              <a:t>key</a:t>
+              <a:t>snake</a:t>
+            </a:r>
+            <a:r>
+              <a:rPr lang="en-US" b="0" dirty="0">
+                <a:solidFill>
+                  <a:srgbClr val="B5B3AA"/>
+                </a:solidFill>
+                <a:effectLst/>
+                <a:latin typeface="Fira Code" pitchFamily="1" charset="0"/>
+              </a:rPr>
+              <a:t>[</a:t>
+            </a:r>
+            <a:r>
+              <a:rPr lang="en-US" b="0" dirty="0" err="1">
+                <a:solidFill>
+                  <a:srgbClr val="FF6C60"/>
+                </a:solidFill>
+                <a:effectLst/>
+                <a:latin typeface="Fira Code" pitchFamily="1" charset="0"/>
+              </a:rPr>
+              <a:t>i</a:t>
+            </a:r>
+            <a:r>
+              <a:rPr lang="en-US" b="0" dirty="0">
+                <a:solidFill>
+                  <a:srgbClr val="B5B3AA"/>
+                </a:solidFill>
+                <a:effectLst/>
+                <a:latin typeface="Fira Code" pitchFamily="1" charset="0"/>
+              </a:rPr>
+              <a:t>][</a:t>
+            </a:r>
+            <a:r>
+              <a:rPr lang="en-US" b="0" dirty="0">
+                <a:solidFill>
+                  <a:srgbClr val="E9C062"/>
+                </a:solidFill>
+                <a:effectLst/>
+                <a:latin typeface="Fira Code" pitchFamily="1" charset="0"/>
+              </a:rPr>
+              <a:t>1</a:t>
+            </a:r>
+            <a:r>
+              <a:rPr lang="en-US" b="0" dirty="0">
+                <a:solidFill>
+                  <a:srgbClr val="B5B3AA"/>
+                </a:solidFill>
+                <a:effectLst/>
+                <a:latin typeface="Fira Code" pitchFamily="1" charset="0"/>
+              </a:rPr>
+              <a:t>]</a:t>
             </a:r>
             <a:r>
               <a:rPr lang="en-US" b="0" dirty="0">
@@ -20979,24 +21110,84 @@
               <a:t> </a:t>
             </a:r>
             <a:r>
-              <a:rPr lang="en-US" b="0" dirty="0" err="1">
+              <a:rPr lang="en-US" b="0" dirty="0">
                 <a:solidFill>
                   <a:srgbClr val="FF6C60"/>
                 </a:solidFill>
                 <a:effectLst/>
                 <a:latin typeface="Fira Code" pitchFamily="1" charset="0"/>
               </a:rPr>
-              <a:t>keyPress</a:t>
-            </a:r>
-            <a:r>
-              <a:rPr lang="en-US" b="0" dirty="0">
-                <a:solidFill>
-                  <a:srgbClr val="B5B3AA"/>
-                </a:solidFill>
-                <a:effectLst/>
-                <a:latin typeface="Fira Code" pitchFamily="1" charset="0"/>
-              </a:rPr>
-              <a:t>;</a:t>
+              <a:t>snake</a:t>
+            </a:r>
+            <a:r>
+              <a:rPr lang="en-US" b="0" dirty="0">
+                <a:solidFill>
+                  <a:srgbClr val="B5B3AA"/>
+                </a:solidFill>
+                <a:effectLst/>
+                <a:latin typeface="Fira Code" pitchFamily="1" charset="0"/>
+              </a:rPr>
+              <a:t>[</a:t>
+            </a:r>
+            <a:r>
+              <a:rPr lang="en-US" b="0" dirty="0">
+                <a:solidFill>
+                  <a:srgbClr val="FF6C60"/>
+                </a:solidFill>
+                <a:effectLst/>
+                <a:latin typeface="Fira Code" pitchFamily="1" charset="0"/>
+              </a:rPr>
+              <a:t>i</a:t>
+            </a:r>
+            <a:r>
+              <a:rPr lang="en-US" b="0" dirty="0">
+                <a:solidFill>
+                  <a:srgbClr val="D4D4D4"/>
+                </a:solidFill>
+                <a:effectLst/>
+                <a:latin typeface="Fira Code" pitchFamily="1" charset="0"/>
+              </a:rPr>
+              <a:t>-</a:t>
+            </a:r>
+            <a:r>
+              <a:rPr lang="en-US" b="0" dirty="0">
+                <a:solidFill>
+                  <a:srgbClr val="E9C062"/>
+                </a:solidFill>
+                <a:effectLst/>
+                <a:latin typeface="Fira Code" pitchFamily="1" charset="0"/>
+              </a:rPr>
+              <a:t>1</a:t>
+            </a:r>
+            <a:r>
+              <a:rPr lang="en-US" b="0" dirty="0">
+                <a:solidFill>
+                  <a:srgbClr val="B5B3AA"/>
+                </a:solidFill>
+                <a:effectLst/>
+                <a:latin typeface="Fira Code" pitchFamily="1" charset="0"/>
+              </a:rPr>
+              <a:t>][</a:t>
+            </a:r>
+            <a:r>
+              <a:rPr lang="en-US" b="0" dirty="0">
+                <a:solidFill>
+                  <a:srgbClr val="E9C062"/>
+                </a:solidFill>
+                <a:effectLst/>
+                <a:latin typeface="Fira Code" pitchFamily="1" charset="0"/>
+              </a:rPr>
+              <a:t>1</a:t>
+            </a:r>
+            <a:r>
+              <a:rPr lang="en-US" b="0" dirty="0">
+                <a:solidFill>
+                  <a:srgbClr val="B5B3AA"/>
+                </a:solidFill>
+                <a:effectLst/>
+                <a:latin typeface="Fira Code" pitchFamily="1" charset="0"/>
+              </a:rPr>
+              <a:t>];</a:t>
             </a:r>
             <a:endParaRPr lang="en-US" b="0" dirty="0">
               <a:solidFill>
@@ -21015,17 +21206,405 @@
                 <a:effectLst/>
                 <a:latin typeface="Fira Code" pitchFamily="1" charset="0"/>
               </a:rPr>
-              <a:t>          </a:t>
-            </a:r>
-            <a:r>
-              <a:rPr lang="en-US" b="0" dirty="0">
-                <a:solidFill>
-                  <a:srgbClr val="B5B3AA"/>
-                </a:solidFill>
-                <a:effectLst/>
-                <a:latin typeface="Fira Code" pitchFamily="1" charset="0"/>
-              </a:rPr>
-              <a:t>break;</a:t>
+              <a:t>      </a:t>
+            </a:r>
+            <a:r>
+              <a:rPr lang="en-US" b="0" dirty="0">
+                <a:solidFill>
+                  <a:srgbClr val="B5B3AA"/>
+                </a:solidFill>
+                <a:effectLst/>
+                <a:latin typeface="Fira Code" pitchFamily="1" charset="0"/>
+              </a:rPr>
+              <a:t>}</a:t>
+            </a:r>
+            <a:endParaRPr lang="en-US" b="0" dirty="0">
+              <a:solidFill>
+                <a:srgbClr val="DDDDDD"/>
+              </a:solidFill>
+              <a:effectLst/>
+              <a:latin typeface="Fira Code" pitchFamily="1" charset="0"/>
+            </a:endParaRPr>
+          </a:p>
+        </p:txBody>
+      </p:sp>
+      <p:sp>
+        <p:nvSpPr>
+          <p:cNvPr id="4" name="TextBox 3">
+            <a:extLst>
+              <a:ext uri="{FF2B5EF4-FFF2-40B4-BE49-F238E27FC236}">
+                <a16:creationId xmlns:a16="http://schemas.microsoft.com/office/drawing/2014/main" id="{86684A2C-1002-47B7-A8A8-B5B2A1F1C230}"/>
+              </a:ext>
+            </a:extLst>
+          </p:cNvPr>
+          <p:cNvSpPr txBox="1"/>
+          <p:nvPr/>
+        </p:nvSpPr>
+        <p:spPr>
+          <a:xfrm>
+            <a:off x="712303" y="4228478"/>
+            <a:ext cx="9417657" cy="1200329"/>
+          </a:xfrm>
+          <a:prstGeom prst="rect">
+            <a:avLst/>
+          </a:prstGeom>
+          <a:noFill/>
+        </p:spPr>
+        <p:txBody>
+          <a:bodyPr wrap="square">
+            <a:spAutoFit/>
+          </a:bodyPr>
+          <a:lstStyle/>
+          <a:p>
+            <a:r>
+              <a:rPr lang="en-US" b="0" dirty="0">
+                <a:solidFill>
+                  <a:srgbClr val="DDDDDD"/>
+                </a:solidFill>
+                <a:effectLst/>
+                <a:latin typeface="Fira Code" pitchFamily="1" charset="0"/>
+              </a:rPr>
+              <a:t>    </a:t>
+            </a:r>
+            <a:r>
+              <a:rPr lang="en-US" b="0" dirty="0">
+                <a:solidFill>
+                  <a:srgbClr val="B5B3AA"/>
+                </a:solidFill>
+                <a:effectLst/>
+                <a:latin typeface="Fira Code" pitchFamily="1" charset="0"/>
+              </a:rPr>
+              <a:t>while</a:t>
+            </a:r>
+            <a:r>
+              <a:rPr lang="en-US" b="0" dirty="0">
+                <a:solidFill>
+                  <a:srgbClr val="DDDDDD"/>
+                </a:solidFill>
+                <a:effectLst/>
+                <a:latin typeface="Fira Code" pitchFamily="1" charset="0"/>
+              </a:rPr>
+              <a:t> </a:t>
+            </a:r>
+            <a:r>
+              <a:rPr lang="en-US" b="0" dirty="0">
+                <a:solidFill>
+                  <a:srgbClr val="B5B3AA"/>
+                </a:solidFill>
+                <a:effectLst/>
+                <a:latin typeface="Fira Code" pitchFamily="1" charset="0"/>
+              </a:rPr>
+              <a:t>(</a:t>
+            </a:r>
+            <a:r>
+              <a:rPr lang="en-US" b="0" dirty="0">
+                <a:solidFill>
+                  <a:srgbClr val="FF6C60"/>
+                </a:solidFill>
+                <a:effectLst/>
+                <a:latin typeface="Fira Code" pitchFamily="1" charset="0"/>
+              </a:rPr>
+              <a:t>apple</a:t>
+            </a:r>
+            <a:r>
+              <a:rPr lang="en-US" b="0" dirty="0">
+                <a:solidFill>
+                  <a:srgbClr val="B5B3AA"/>
+                </a:solidFill>
+                <a:effectLst/>
+                <a:latin typeface="Fira Code" pitchFamily="1" charset="0"/>
+              </a:rPr>
+              <a:t>[</a:t>
+            </a:r>
+            <a:r>
+              <a:rPr lang="en-US" b="0" dirty="0">
+                <a:solidFill>
+                  <a:srgbClr val="E9C062"/>
+                </a:solidFill>
+                <a:effectLst/>
+                <a:latin typeface="Fira Code" pitchFamily="1" charset="0"/>
+              </a:rPr>
+              <a:t>0</a:t>
+            </a:r>
+            <a:r>
+              <a:rPr lang="en-US" b="0" dirty="0">
+                <a:solidFill>
+                  <a:srgbClr val="B5B3AA"/>
+                </a:solidFill>
+                <a:effectLst/>
+                <a:latin typeface="Fira Code" pitchFamily="1" charset="0"/>
+              </a:rPr>
+              <a:t>]</a:t>
+            </a:r>
+            <a:r>
+              <a:rPr lang="en-US" b="0" dirty="0">
+                <a:solidFill>
+                  <a:srgbClr val="DDDDDD"/>
+                </a:solidFill>
+                <a:effectLst/>
+                <a:latin typeface="Fira Code" pitchFamily="1" charset="0"/>
+              </a:rPr>
+              <a:t> </a:t>
+            </a:r>
+            <a:r>
+              <a:rPr lang="en-US" b="0" dirty="0">
+                <a:solidFill>
+                  <a:srgbClr val="D4D4D4"/>
+                </a:solidFill>
+                <a:effectLst/>
+                <a:latin typeface="Fira Code" pitchFamily="1" charset="0"/>
+              </a:rPr>
+              <a:t>==</a:t>
+            </a:r>
+            <a:r>
+              <a:rPr lang="en-US" b="0" dirty="0">
+                <a:solidFill>
+                  <a:srgbClr val="DDDDDD"/>
+                </a:solidFill>
+                <a:effectLst/>
+                <a:latin typeface="Fira Code" pitchFamily="1" charset="0"/>
+              </a:rPr>
+              <a:t> </a:t>
+            </a:r>
+            <a:r>
+              <a:rPr lang="en-US" b="0" dirty="0">
+                <a:solidFill>
+                  <a:srgbClr val="FF6C60"/>
+                </a:solidFill>
+                <a:effectLst/>
+                <a:latin typeface="Fira Code" pitchFamily="1" charset="0"/>
+              </a:rPr>
+              <a:t>snake</a:t>
+            </a:r>
+            <a:r>
+              <a:rPr lang="en-US" b="0" dirty="0">
+                <a:solidFill>
+                  <a:srgbClr val="B5B3AA"/>
+                </a:solidFill>
+                <a:effectLst/>
+                <a:latin typeface="Fira Code" pitchFamily="1" charset="0"/>
+              </a:rPr>
+              <a:t>[</a:t>
+            </a:r>
+            <a:r>
+              <a:rPr lang="en-US" b="0" dirty="0">
+                <a:solidFill>
+                  <a:srgbClr val="E9C062"/>
+                </a:solidFill>
+                <a:effectLst/>
+                <a:latin typeface="Fira Code" pitchFamily="1" charset="0"/>
+              </a:rPr>
+              <a:t>0</a:t>
+            </a:r>
+            <a:r>
+              <a:rPr lang="en-US" b="0" dirty="0">
+                <a:solidFill>
+                  <a:srgbClr val="B5B3AA"/>
+                </a:solidFill>
+                <a:effectLst/>
+                <a:latin typeface="Fira Code" pitchFamily="1" charset="0"/>
+              </a:rPr>
+              <a:t>][</a:t>
+            </a:r>
+            <a:r>
+              <a:rPr lang="en-US" b="0" dirty="0">
+                <a:solidFill>
+                  <a:srgbClr val="E9C062"/>
+                </a:solidFill>
+                <a:effectLst/>
+                <a:latin typeface="Fira Code" pitchFamily="1" charset="0"/>
+              </a:rPr>
+              <a:t>0</a:t>
+            </a:r>
+            <a:r>
+              <a:rPr lang="en-US" b="0" dirty="0">
+                <a:solidFill>
+                  <a:srgbClr val="B5B3AA"/>
+                </a:solidFill>
+                <a:effectLst/>
+                <a:latin typeface="Fira Code" pitchFamily="1" charset="0"/>
+              </a:rPr>
+              <a:t>]</a:t>
+            </a:r>
+            <a:r>
+              <a:rPr lang="en-US" b="0" dirty="0">
+                <a:solidFill>
+                  <a:srgbClr val="DDDDDD"/>
+                </a:solidFill>
+                <a:effectLst/>
+                <a:latin typeface="Fira Code" pitchFamily="1" charset="0"/>
+              </a:rPr>
+              <a:t> </a:t>
+            </a:r>
+            <a:r>
+              <a:rPr lang="en-US" b="0" dirty="0">
+                <a:solidFill>
+                  <a:srgbClr val="D4D4D4"/>
+                </a:solidFill>
+                <a:effectLst/>
+                <a:latin typeface="Fira Code" pitchFamily="1" charset="0"/>
+              </a:rPr>
+              <a:t>&amp;&amp;</a:t>
+            </a:r>
+            <a:r>
+              <a:rPr lang="en-US" b="0" dirty="0">
+                <a:solidFill>
+                  <a:srgbClr val="DDDDDD"/>
+                </a:solidFill>
+                <a:effectLst/>
+                <a:latin typeface="Fira Code" pitchFamily="1" charset="0"/>
+              </a:rPr>
+              <a:t> </a:t>
+            </a:r>
+            <a:r>
+              <a:rPr lang="en-US" b="0" dirty="0">
+                <a:solidFill>
+                  <a:srgbClr val="FF6C60"/>
+                </a:solidFill>
+                <a:effectLst/>
+                <a:latin typeface="Fira Code" pitchFamily="1" charset="0"/>
+              </a:rPr>
+              <a:t>apple</a:t>
+            </a:r>
+            <a:r>
+              <a:rPr lang="en-US" b="0" dirty="0">
+                <a:solidFill>
+                  <a:srgbClr val="B5B3AA"/>
+                </a:solidFill>
+                <a:effectLst/>
+                <a:latin typeface="Fira Code" pitchFamily="1" charset="0"/>
+              </a:rPr>
+              <a:t>[</a:t>
+            </a:r>
+            <a:r>
+              <a:rPr lang="en-US" b="0" dirty="0">
+                <a:solidFill>
+                  <a:srgbClr val="E9C062"/>
+                </a:solidFill>
+                <a:effectLst/>
+                <a:latin typeface="Fira Code" pitchFamily="1" charset="0"/>
+              </a:rPr>
+              <a:t>1</a:t>
+            </a:r>
+            <a:r>
+              <a:rPr lang="en-US" b="0" dirty="0">
+                <a:solidFill>
+                  <a:srgbClr val="B5B3AA"/>
+                </a:solidFill>
+                <a:effectLst/>
+                <a:latin typeface="Fira Code" pitchFamily="1" charset="0"/>
+              </a:rPr>
+              <a:t>]</a:t>
+            </a:r>
+            <a:r>
+              <a:rPr lang="en-US" b="0" dirty="0">
+                <a:solidFill>
+                  <a:srgbClr val="DDDDDD"/>
+                </a:solidFill>
+                <a:effectLst/>
+                <a:latin typeface="Fira Code" pitchFamily="1" charset="0"/>
+              </a:rPr>
+              <a:t> </a:t>
+            </a:r>
+            <a:r>
+              <a:rPr lang="en-US" b="0" dirty="0">
+                <a:solidFill>
+                  <a:srgbClr val="D4D4D4"/>
+                </a:solidFill>
+                <a:effectLst/>
+                <a:latin typeface="Fira Code" pitchFamily="1" charset="0"/>
+              </a:rPr>
+              <a:t>==</a:t>
+            </a:r>
+            <a:r>
+              <a:rPr lang="en-US" b="0" dirty="0">
+                <a:solidFill>
+                  <a:srgbClr val="DDDDDD"/>
+                </a:solidFill>
+                <a:effectLst/>
+                <a:latin typeface="Fira Code" pitchFamily="1" charset="0"/>
+              </a:rPr>
+              <a:t> </a:t>
+            </a:r>
+            <a:r>
+              <a:rPr lang="en-US" b="0" dirty="0">
+                <a:solidFill>
+                  <a:srgbClr val="FF6C60"/>
+                </a:solidFill>
+                <a:effectLst/>
+                <a:latin typeface="Fira Code" pitchFamily="1" charset="0"/>
+              </a:rPr>
+              <a:t>snake</a:t>
+            </a:r>
+            <a:r>
+              <a:rPr lang="en-US" b="0" dirty="0">
+                <a:solidFill>
+                  <a:srgbClr val="B5B3AA"/>
+                </a:solidFill>
+                <a:effectLst/>
+                <a:latin typeface="Fira Code" pitchFamily="1" charset="0"/>
+              </a:rPr>
+              <a:t>[</a:t>
+            </a:r>
+            <a:r>
+              <a:rPr lang="en-US" b="0" dirty="0">
+                <a:solidFill>
+                  <a:srgbClr val="E9C062"/>
+                </a:solidFill>
+                <a:effectLst/>
+                <a:latin typeface="Fira Code" pitchFamily="1" charset="0"/>
+              </a:rPr>
+              <a:t>0</a:t>
+            </a:r>
+            <a:r>
+              <a:rPr lang="en-US" b="0" dirty="0">
+                <a:solidFill>
+                  <a:srgbClr val="B5B3AA"/>
+                </a:solidFill>
+                <a:effectLst/>
+                <a:latin typeface="Fira Code" pitchFamily="1" charset="0"/>
+              </a:rPr>
+              <a:t>][</a:t>
+            </a:r>
+            <a:r>
+              <a:rPr lang="en-US" b="0" dirty="0">
+                <a:solidFill>
+                  <a:srgbClr val="E9C062"/>
+                </a:solidFill>
+                <a:effectLst/>
+                <a:latin typeface="Fira Code" pitchFamily="1" charset="0"/>
+              </a:rPr>
+              <a:t>1</a:t>
+            </a:r>
+            <a:r>
+              <a:rPr lang="en-US" b="0" dirty="0">
+                <a:solidFill>
+                  <a:srgbClr val="B5B3AA"/>
+                </a:solidFill>
+                <a:effectLst/>
+                <a:latin typeface="Fira Code" pitchFamily="1" charset="0"/>
+              </a:rPr>
+              <a:t>])</a:t>
+            </a:r>
+            <a:r>
+              <a:rPr lang="en-US" b="0" dirty="0">
+                <a:solidFill>
+                  <a:srgbClr val="DDDDDD"/>
+                </a:solidFill>
+                <a:effectLst/>
+                <a:latin typeface="Fira Code" pitchFamily="1" charset="0"/>
+              </a:rPr>
+              <a:t> </a:t>
+            </a:r>
+            <a:r>
+              <a:rPr lang="en-US" b="0" dirty="0">
+                <a:solidFill>
+                  <a:srgbClr val="B5B3AA"/>
+                </a:solidFill>
+                <a:effectLst/>
+                <a:latin typeface="Fira Code" pitchFamily="1" charset="0"/>
+              </a:rPr>
+              <a:t>{</a:t>
             </a:r>
             <a:endParaRPr lang="en-US" b="0" dirty="0">
               <a:solidFill>
@@ -21044,17 +21623,47 @@
                 <a:effectLst/>
                 <a:latin typeface="Fira Code" pitchFamily="1" charset="0"/>
               </a:rPr>
-              <a:t>        </a:t>
-            </a:r>
-            <a:r>
-              <a:rPr lang="en-US" b="0" dirty="0">
-                <a:solidFill>
-                  <a:srgbClr val="B5B3AA"/>
-                </a:solidFill>
-                <a:effectLst/>
-                <a:latin typeface="Fira Code" pitchFamily="1" charset="0"/>
-              </a:rPr>
-              <a:t>case</a:t>
+              <a:t>      </a:t>
+            </a:r>
+            <a:r>
+              <a:rPr lang="en-US" b="0" dirty="0">
+                <a:solidFill>
+                  <a:srgbClr val="FF6C60"/>
+                </a:solidFill>
+                <a:effectLst/>
+                <a:latin typeface="Fira Code" pitchFamily="1" charset="0"/>
+              </a:rPr>
+              <a:t>apple</a:t>
+            </a:r>
+            <a:r>
+              <a:rPr lang="en-US" b="0" dirty="0">
+                <a:solidFill>
+                  <a:srgbClr val="B5B3AA"/>
+                </a:solidFill>
+                <a:effectLst/>
+                <a:latin typeface="Fira Code" pitchFamily="1" charset="0"/>
+              </a:rPr>
+              <a:t>[</a:t>
+            </a:r>
+            <a:r>
+              <a:rPr lang="en-US" b="0" dirty="0">
+                <a:solidFill>
+                  <a:srgbClr val="E9C062"/>
+                </a:solidFill>
+                <a:effectLst/>
+                <a:latin typeface="Fira Code" pitchFamily="1" charset="0"/>
+              </a:rPr>
+              <a:t>0</a:t>
+            </a:r>
+            <a:r>
+              <a:rPr lang="en-US" b="0" dirty="0">
+                <a:solidFill>
+                  <a:srgbClr val="B5B3AA"/>
+                </a:solidFill>
+                <a:effectLst/>
+                <a:latin typeface="Fira Code" pitchFamily="1" charset="0"/>
+              </a:rPr>
+              <a:t>]</a:t>
             </a:r>
             <a:r>
               <a:rPr lang="en-US" b="0" dirty="0">
@@ -21069,32 +21678,72 @@
             <a:r>
               <a:rPr lang="en-US" b="0" dirty="0">
                 <a:solidFill>
-                  <a:srgbClr val="B5B3AA"/>
-                </a:solidFill>
-                <a:effectLst/>
-                <a:latin typeface="Fira Code" pitchFamily="1" charset="0"/>
-              </a:rPr>
-              <a:t>'</a:t>
-            </a:r>
-            <a:r>
-              <a:rPr lang="en-US" b="0" dirty="0">
-                <a:solidFill>
-                  <a:srgbClr val="A8FF60"/>
-                </a:solidFill>
-                <a:effectLst/>
-                <a:latin typeface="Fira Code" pitchFamily="1" charset="0"/>
-              </a:rPr>
-              <a:t>a</a:t>
-            </a:r>
-            <a:r>
-              <a:rPr lang="en-US" b="0" dirty="0">
-                <a:solidFill>
-                  <a:srgbClr val="B5B3AA"/>
-                </a:solidFill>
-                <a:effectLst/>
-                <a:latin typeface="Fira Code" pitchFamily="1" charset="0"/>
-              </a:rPr>
-              <a:t>':</a:t>
+                  <a:srgbClr val="D4D4D4"/>
+                </a:solidFill>
+                <a:effectLst/>
+                <a:latin typeface="Fira Code" pitchFamily="1" charset="0"/>
+              </a:rPr>
+              <a:t>=</a:t>
+            </a:r>
+            <a:r>
+              <a:rPr lang="en-US" b="0" dirty="0">
+                <a:solidFill>
+                  <a:srgbClr val="DDDDDD"/>
+                </a:solidFill>
+                <a:effectLst/>
+                <a:latin typeface="Fira Code" pitchFamily="1" charset="0"/>
+              </a:rPr>
+              <a:t> </a:t>
+            </a:r>
+            <a:r>
+              <a:rPr lang="en-US" b="0" dirty="0">
+                <a:solidFill>
+                  <a:srgbClr val="96CBFE"/>
+                </a:solidFill>
+                <a:effectLst/>
+                <a:latin typeface="Fira Code" pitchFamily="1" charset="0"/>
+              </a:rPr>
+              <a:t>rand</a:t>
+            </a:r>
+            <a:r>
+              <a:rPr lang="en-US" b="0" dirty="0">
+                <a:solidFill>
+                  <a:srgbClr val="B5B3AA"/>
+                </a:solidFill>
+                <a:effectLst/>
+                <a:latin typeface="Fira Code" pitchFamily="1" charset="0"/>
+              </a:rPr>
+              <a:t>()</a:t>
+            </a:r>
+            <a:r>
+              <a:rPr lang="en-US" b="0" dirty="0">
+                <a:solidFill>
+                  <a:srgbClr val="D4D4D4"/>
+                </a:solidFill>
+                <a:effectLst/>
+                <a:latin typeface="Fira Code" pitchFamily="1" charset="0"/>
+              </a:rPr>
+              <a:t>%</a:t>
+            </a:r>
+            <a:r>
+              <a:rPr lang="en-US" b="0" dirty="0">
+                <a:solidFill>
+                  <a:srgbClr val="96CBFE"/>
+                </a:solidFill>
+                <a:effectLst/>
+                <a:latin typeface="Fira Code" pitchFamily="1" charset="0"/>
+              </a:rPr>
+              <a:t>ROWS</a:t>
+            </a:r>
+            <a:r>
+              <a:rPr lang="en-US" b="0" dirty="0">
+                <a:solidFill>
+                  <a:srgbClr val="B5B3AA"/>
+                </a:solidFill>
+                <a:effectLst/>
+                <a:latin typeface="Fira Code" pitchFamily="1" charset="0"/>
+              </a:rPr>
+              <a:t>;</a:t>
             </a:r>
             <a:endParaRPr lang="en-US" b="0" dirty="0">
               <a:solidFill>
@@ -21113,17 +21762,47 @@
                 <a:effectLst/>
                 <a:latin typeface="Fira Code" pitchFamily="1" charset="0"/>
               </a:rPr>
-              <a:t>          </a:t>
-            </a:r>
-            <a:r>
-              <a:rPr lang="en-US" b="0" dirty="0">
-                <a:solidFill>
-                  <a:srgbClr val="B5B3AA"/>
-                </a:solidFill>
-                <a:effectLst/>
-                <a:latin typeface="Fira Code" pitchFamily="1" charset="0"/>
-              </a:rPr>
-              <a:t>if</a:t>
+              <a:t>      </a:t>
+            </a:r>
+            <a:r>
+              <a:rPr lang="en-US" b="0" dirty="0">
+                <a:solidFill>
+                  <a:srgbClr val="FF6C60"/>
+                </a:solidFill>
+                <a:effectLst/>
+                <a:latin typeface="Fira Code" pitchFamily="1" charset="0"/>
+              </a:rPr>
+              <a:t>apple</a:t>
+            </a:r>
+            <a:r>
+              <a:rPr lang="en-US" b="0" dirty="0">
+                <a:solidFill>
+                  <a:srgbClr val="B5B3AA"/>
+                </a:solidFill>
+                <a:effectLst/>
+                <a:latin typeface="Fira Code" pitchFamily="1" charset="0"/>
+              </a:rPr>
+              <a:t>[</a:t>
+            </a:r>
+            <a:r>
+              <a:rPr lang="en-US" b="0" dirty="0">
+                <a:solidFill>
+                  <a:srgbClr val="E9C062"/>
+                </a:solidFill>
+                <a:effectLst/>
+                <a:latin typeface="Fira Code" pitchFamily="1" charset="0"/>
+              </a:rPr>
+              <a:t>1</a:t>
+            </a:r>
+            <a:r>
+              <a:rPr lang="en-US" b="0" dirty="0">
+                <a:solidFill>
+                  <a:srgbClr val="B5B3AA"/>
+                </a:solidFill>
+                <a:effectLst/>
+                <a:latin typeface="Fira Code" pitchFamily="1" charset="0"/>
+              </a:rPr>
+              <a:t>]</a:t>
             </a:r>
             <a:r>
               <a:rPr lang="en-US" b="0" dirty="0">
@@ -21138,62 +21817,72 @@
             <a:r>
               <a:rPr lang="en-US" b="0" dirty="0">
                 <a:solidFill>
-                  <a:srgbClr val="B5B3AA"/>
-                </a:solidFill>
-                <a:effectLst/>
-                <a:latin typeface="Fira Code" pitchFamily="1" charset="0"/>
-              </a:rPr>
-              <a:t>(</a:t>
-            </a:r>
-            <a:r>
-              <a:rPr lang="en-US" b="0" dirty="0">
-                <a:solidFill>
-                  <a:srgbClr val="FF6C60"/>
-                </a:solidFill>
-                <a:effectLst/>
-                <a:latin typeface="Fira Code" pitchFamily="1" charset="0"/>
-              </a:rPr>
-              <a:t>key</a:t>
-            </a:r>
-            <a:r>
-              <a:rPr lang="en-US" b="0" dirty="0">
-                <a:solidFill>
                   <a:srgbClr val="D4D4D4"/>
                 </a:solidFill>
                 <a:effectLst/>
                 <a:latin typeface="Fira Code" pitchFamily="1" charset="0"/>
               </a:rPr>
-              <a:t>!=</a:t>
-            </a:r>
-            <a:r>
-              <a:rPr lang="en-US" b="0" dirty="0">
-                <a:solidFill>
-                  <a:srgbClr val="B5B3AA"/>
-                </a:solidFill>
-                <a:effectLst/>
-                <a:latin typeface="Fira Code" pitchFamily="1" charset="0"/>
-              </a:rPr>
-              <a:t>'</a:t>
-            </a:r>
-            <a:r>
-              <a:rPr lang="en-US" b="0" dirty="0">
-                <a:solidFill>
-                  <a:srgbClr val="A8FF60"/>
-                </a:solidFill>
-                <a:effectLst/>
-                <a:latin typeface="Fira Code" pitchFamily="1" charset="0"/>
-              </a:rPr>
-              <a:t>d</a:t>
-            </a:r>
-            <a:r>
-              <a:rPr lang="en-US" b="0" dirty="0">
-                <a:solidFill>
-                  <a:srgbClr val="B5B3AA"/>
-                </a:solidFill>
-                <a:effectLst/>
-                <a:latin typeface="Fira Code" pitchFamily="1" charset="0"/>
-              </a:rPr>
-              <a:t>')</a:t>
+              <a:t>=</a:t>
+            </a:r>
+            <a:r>
+              <a:rPr lang="en-US" b="0" dirty="0">
+                <a:solidFill>
+                  <a:srgbClr val="DDDDDD"/>
+                </a:solidFill>
+                <a:effectLst/>
+                <a:latin typeface="Fira Code" pitchFamily="1" charset="0"/>
+              </a:rPr>
+              <a:t> </a:t>
+            </a:r>
+            <a:r>
+              <a:rPr lang="en-US" b="0" dirty="0">
+                <a:solidFill>
+                  <a:srgbClr val="96CBFE"/>
+                </a:solidFill>
+                <a:effectLst/>
+                <a:latin typeface="Fira Code" pitchFamily="1" charset="0"/>
+              </a:rPr>
+              <a:t>rand</a:t>
+            </a:r>
+            <a:r>
+              <a:rPr lang="en-US" b="0" dirty="0">
+                <a:solidFill>
+                  <a:srgbClr val="B5B3AA"/>
+                </a:solidFill>
+                <a:effectLst/>
+                <a:latin typeface="Fira Code" pitchFamily="1" charset="0"/>
+              </a:rPr>
+              <a:t>()</a:t>
+            </a:r>
+            <a:r>
+              <a:rPr lang="en-US" b="0" dirty="0">
+                <a:solidFill>
+                  <a:srgbClr val="D4D4D4"/>
+                </a:solidFill>
+                <a:effectLst/>
+                <a:latin typeface="Fira Code" pitchFamily="1" charset="0"/>
+              </a:rPr>
+              <a:t>%</a:t>
+            </a:r>
+            <a:r>
+              <a:rPr lang="en-US" b="0" dirty="0">
+                <a:solidFill>
+                  <a:srgbClr val="96CBFE"/>
+                </a:solidFill>
+                <a:effectLst/>
+                <a:latin typeface="Fira Code" pitchFamily="1" charset="0"/>
+              </a:rPr>
+              <a:t>COLS</a:t>
+            </a:r>
+            <a:r>
+              <a:rPr lang="en-US" b="0" dirty="0">
+                <a:solidFill>
+                  <a:srgbClr val="B5B3AA"/>
+                </a:solidFill>
+                <a:effectLst/>
+                <a:latin typeface="Fira Code" pitchFamily="1" charset="0"/>
+              </a:rPr>
+              <a:t>;</a:t>
             </a:r>
             <a:endParaRPr lang="en-US" b="0" dirty="0">
               <a:solidFill>
@@ -21212,696 +21901,7 @@
                 <a:effectLst/>
                 <a:latin typeface="Fira Code" pitchFamily="1" charset="0"/>
               </a:rPr>
-              <a:t>            </a:t>
-            </a:r>
-            <a:r>
-              <a:rPr lang="en-US" b="0" dirty="0">
-                <a:solidFill>
-                  <a:srgbClr val="FF6C60"/>
-                </a:solidFill>
-                <a:effectLst/>
-                <a:latin typeface="Fira Code" pitchFamily="1" charset="0"/>
-              </a:rPr>
-              <a:t>key</a:t>
-            </a:r>
-            <a:r>
-              <a:rPr lang="en-US" b="0" dirty="0">
-                <a:solidFill>
-                  <a:srgbClr val="DDDDDD"/>
-                </a:solidFill>
-                <a:effectLst/>
-                <a:latin typeface="Fira Code" pitchFamily="1" charset="0"/>
-              </a:rPr>
-              <a:t> </a:t>
-            </a:r>
-            <a:r>
-              <a:rPr lang="en-US" b="0" dirty="0">
-                <a:solidFill>
-                  <a:srgbClr val="D4D4D4"/>
-                </a:solidFill>
-                <a:effectLst/>
-                <a:latin typeface="Fira Code" pitchFamily="1" charset="0"/>
-              </a:rPr>
-              <a:t>=</a:t>
-            </a:r>
-            <a:r>
-              <a:rPr lang="en-US" b="0" dirty="0">
-                <a:solidFill>
-                  <a:srgbClr val="DDDDDD"/>
-                </a:solidFill>
-                <a:effectLst/>
-                <a:latin typeface="Fira Code" pitchFamily="1" charset="0"/>
-              </a:rPr>
-              <a:t> </a:t>
-            </a:r>
-            <a:r>
-              <a:rPr lang="en-US" b="0" dirty="0" err="1">
-                <a:solidFill>
-                  <a:srgbClr val="FF6C60"/>
-                </a:solidFill>
-                <a:effectLst/>
-                <a:latin typeface="Fira Code" pitchFamily="1" charset="0"/>
-              </a:rPr>
-              <a:t>keyPress</a:t>
-            </a:r>
-            <a:r>
-              <a:rPr lang="en-US" b="0" dirty="0">
-                <a:solidFill>
-                  <a:srgbClr val="B5B3AA"/>
-                </a:solidFill>
-                <a:effectLst/>
-                <a:latin typeface="Fira Code" pitchFamily="1" charset="0"/>
-              </a:rPr>
-              <a:t>;</a:t>
-            </a:r>
-            <a:endParaRPr lang="en-US" b="0" dirty="0">
-              <a:solidFill>
-                <a:srgbClr val="DDDDDD"/>
-              </a:solidFill>
-              <a:effectLst/>
-              <a:latin typeface="Fira Code" pitchFamily="1" charset="0"/>
-            </a:endParaRPr>
-          </a:p>
-          <a:p>
-            <a:r>
-              <a:rPr lang="en-US" b="0" dirty="0">
-                <a:solidFill>
-                  <a:srgbClr val="DDDDDD"/>
-                </a:solidFill>
-                <a:effectLst/>
-                <a:latin typeface="Fira Code" pitchFamily="1" charset="0"/>
-              </a:rPr>
-              <a:t>          </a:t>
-            </a:r>
-            <a:r>
-              <a:rPr lang="en-US" b="0" dirty="0">
-                <a:solidFill>
-                  <a:srgbClr val="B5B3AA"/>
-                </a:solidFill>
-                <a:effectLst/>
-                <a:latin typeface="Fira Code" pitchFamily="1" charset="0"/>
-              </a:rPr>
-              <a:t>break;</a:t>
-            </a:r>
-            <a:endParaRPr lang="en-US" b="0" dirty="0">
-              <a:solidFill>
-                <a:srgbClr val="DDDDDD"/>
-              </a:solidFill>
-              <a:effectLst/>
-              <a:latin typeface="Fira Code" pitchFamily="1" charset="0"/>
-            </a:endParaRPr>
-          </a:p>
-          <a:p>
-            <a:r>
-              <a:rPr lang="en-US" b="0" dirty="0">
-                <a:solidFill>
-                  <a:srgbClr val="DDDDDD"/>
-                </a:solidFill>
-                <a:effectLst/>
-                <a:latin typeface="Fira Code" pitchFamily="1" charset="0"/>
-              </a:rPr>
-              <a:t>        </a:t>
-            </a:r>
-            <a:r>
-              <a:rPr lang="en-US" b="0" dirty="0">
-                <a:solidFill>
-                  <a:srgbClr val="B5B3AA"/>
-                </a:solidFill>
-                <a:effectLst/>
-                <a:latin typeface="Fira Code" pitchFamily="1" charset="0"/>
-              </a:rPr>
-              <a:t>case</a:t>
-            </a:r>
-            <a:r>
-              <a:rPr lang="en-US" b="0" dirty="0">
-                <a:solidFill>
-                  <a:srgbClr val="DDDDDD"/>
-                </a:solidFill>
-                <a:effectLst/>
-                <a:latin typeface="Fira Code" pitchFamily="1" charset="0"/>
-              </a:rPr>
-              <a:t> </a:t>
-            </a:r>
-            <a:r>
-              <a:rPr lang="en-US" b="0" dirty="0">
-                <a:solidFill>
-                  <a:srgbClr val="B5B3AA"/>
-                </a:solidFill>
-                <a:effectLst/>
-                <a:latin typeface="Fira Code" pitchFamily="1" charset="0"/>
-              </a:rPr>
-              <a:t>'</a:t>
-            </a:r>
-            <a:r>
-              <a:rPr lang="en-US" b="0" dirty="0">
-                <a:solidFill>
-                  <a:srgbClr val="A8FF60"/>
-                </a:solidFill>
-                <a:effectLst/>
-                <a:latin typeface="Fira Code" pitchFamily="1" charset="0"/>
-              </a:rPr>
-              <a:t>s</a:t>
-            </a:r>
-            <a:r>
-              <a:rPr lang="en-US" b="0" dirty="0">
-                <a:solidFill>
-                  <a:srgbClr val="B5B3AA"/>
-                </a:solidFill>
-                <a:effectLst/>
-                <a:latin typeface="Fira Code" pitchFamily="1" charset="0"/>
-              </a:rPr>
-              <a:t>':</a:t>
-            </a:r>
-            <a:endParaRPr lang="en-US" b="0" dirty="0">
-              <a:solidFill>
-                <a:srgbClr val="DDDDDD"/>
-              </a:solidFill>
-              <a:effectLst/>
-              <a:latin typeface="Fira Code" pitchFamily="1" charset="0"/>
-            </a:endParaRPr>
-          </a:p>
-          <a:p>
-            <a:r>
-              <a:rPr lang="en-US" b="0" dirty="0">
-                <a:solidFill>
-                  <a:srgbClr val="DDDDDD"/>
-                </a:solidFill>
-                <a:effectLst/>
-                <a:latin typeface="Fira Code" pitchFamily="1" charset="0"/>
-              </a:rPr>
-              <a:t>          </a:t>
-            </a:r>
-            <a:r>
-              <a:rPr lang="en-US" b="0" dirty="0">
-                <a:solidFill>
-                  <a:srgbClr val="B5B3AA"/>
-                </a:solidFill>
-                <a:effectLst/>
-                <a:latin typeface="Fira Code" pitchFamily="1" charset="0"/>
-              </a:rPr>
-              <a:t>if</a:t>
-            </a:r>
-            <a:r>
-              <a:rPr lang="en-US" b="0" dirty="0">
-                <a:solidFill>
-                  <a:srgbClr val="DDDDDD"/>
-                </a:solidFill>
-                <a:effectLst/>
-                <a:latin typeface="Fira Code" pitchFamily="1" charset="0"/>
-              </a:rPr>
-              <a:t> </a:t>
-            </a:r>
-            <a:r>
-              <a:rPr lang="en-US" b="0" dirty="0">
-                <a:solidFill>
-                  <a:srgbClr val="B5B3AA"/>
-                </a:solidFill>
-                <a:effectLst/>
-                <a:latin typeface="Fira Code" pitchFamily="1" charset="0"/>
-              </a:rPr>
-              <a:t>(</a:t>
-            </a:r>
-            <a:r>
-              <a:rPr lang="en-US" b="0" dirty="0">
-                <a:solidFill>
-                  <a:srgbClr val="FF6C60"/>
-                </a:solidFill>
-                <a:effectLst/>
-                <a:latin typeface="Fira Code" pitchFamily="1" charset="0"/>
-              </a:rPr>
-              <a:t>key</a:t>
-            </a:r>
-            <a:r>
-              <a:rPr lang="en-US" b="0" dirty="0">
-                <a:solidFill>
-                  <a:srgbClr val="D4D4D4"/>
-                </a:solidFill>
-                <a:effectLst/>
-                <a:latin typeface="Fira Code" pitchFamily="1" charset="0"/>
-              </a:rPr>
-              <a:t>!=</a:t>
-            </a:r>
-            <a:r>
-              <a:rPr lang="en-US" b="0" dirty="0">
-                <a:solidFill>
-                  <a:srgbClr val="B5B3AA"/>
-                </a:solidFill>
-                <a:effectLst/>
-                <a:latin typeface="Fira Code" pitchFamily="1" charset="0"/>
-              </a:rPr>
-              <a:t>'</a:t>
-            </a:r>
-            <a:r>
-              <a:rPr lang="en-US" b="0" dirty="0">
-                <a:solidFill>
-                  <a:srgbClr val="A8FF60"/>
-                </a:solidFill>
-                <a:effectLst/>
-                <a:latin typeface="Fira Code" pitchFamily="1" charset="0"/>
-              </a:rPr>
-              <a:t>w</a:t>
-            </a:r>
-            <a:r>
-              <a:rPr lang="en-US" b="0" dirty="0">
-                <a:solidFill>
-                  <a:srgbClr val="B5B3AA"/>
-                </a:solidFill>
-                <a:effectLst/>
-                <a:latin typeface="Fira Code" pitchFamily="1" charset="0"/>
-              </a:rPr>
-              <a:t>')</a:t>
-            </a:r>
-            <a:endParaRPr lang="en-US" b="0" dirty="0">
-              <a:solidFill>
-                <a:srgbClr val="DDDDDD"/>
-              </a:solidFill>
-              <a:effectLst/>
-              <a:latin typeface="Fira Code" pitchFamily="1" charset="0"/>
-            </a:endParaRPr>
-          </a:p>
-          <a:p>
-            <a:r>
-              <a:rPr lang="en-US" b="0" dirty="0">
-                <a:solidFill>
-                  <a:srgbClr val="DDDDDD"/>
-                </a:solidFill>
-                <a:effectLst/>
-                <a:latin typeface="Fira Code" pitchFamily="1" charset="0"/>
-              </a:rPr>
-              <a:t>            </a:t>
-            </a:r>
-            <a:r>
-              <a:rPr lang="en-US" b="0" dirty="0">
-                <a:solidFill>
-                  <a:srgbClr val="FF6C60"/>
-                </a:solidFill>
-                <a:effectLst/>
-                <a:latin typeface="Fira Code" pitchFamily="1" charset="0"/>
-              </a:rPr>
-              <a:t>key</a:t>
-            </a:r>
-            <a:r>
-              <a:rPr lang="en-US" b="0" dirty="0">
-                <a:solidFill>
-                  <a:srgbClr val="DDDDDD"/>
-                </a:solidFill>
-                <a:effectLst/>
-                <a:latin typeface="Fira Code" pitchFamily="1" charset="0"/>
-              </a:rPr>
-              <a:t> </a:t>
-            </a:r>
-            <a:r>
-              <a:rPr lang="en-US" b="0" dirty="0">
-                <a:solidFill>
-                  <a:srgbClr val="D4D4D4"/>
-                </a:solidFill>
-                <a:effectLst/>
-                <a:latin typeface="Fira Code" pitchFamily="1" charset="0"/>
-              </a:rPr>
-              <a:t>=</a:t>
-            </a:r>
-            <a:r>
-              <a:rPr lang="en-US" b="0" dirty="0">
-                <a:solidFill>
-                  <a:srgbClr val="DDDDDD"/>
-                </a:solidFill>
-                <a:effectLst/>
-                <a:latin typeface="Fira Code" pitchFamily="1" charset="0"/>
-              </a:rPr>
-              <a:t> </a:t>
-            </a:r>
-            <a:r>
-              <a:rPr lang="en-US" b="0" dirty="0" err="1">
-                <a:solidFill>
-                  <a:srgbClr val="FF6C60"/>
-                </a:solidFill>
-                <a:effectLst/>
-                <a:latin typeface="Fira Code" pitchFamily="1" charset="0"/>
-              </a:rPr>
-              <a:t>keyPress</a:t>
-            </a:r>
-            <a:r>
-              <a:rPr lang="en-US" b="0" dirty="0">
-                <a:solidFill>
-                  <a:srgbClr val="B5B3AA"/>
-                </a:solidFill>
-                <a:effectLst/>
-                <a:latin typeface="Fira Code" pitchFamily="1" charset="0"/>
-              </a:rPr>
-              <a:t>;</a:t>
-            </a:r>
-            <a:endParaRPr lang="en-US" b="0" dirty="0">
-              <a:solidFill>
-                <a:srgbClr val="DDDDDD"/>
-              </a:solidFill>
-              <a:effectLst/>
-              <a:latin typeface="Fira Code" pitchFamily="1" charset="0"/>
-            </a:endParaRPr>
-          </a:p>
-          <a:p>
-            <a:r>
-              <a:rPr lang="en-US" b="0" dirty="0">
-                <a:solidFill>
-                  <a:srgbClr val="DDDDDD"/>
-                </a:solidFill>
-                <a:effectLst/>
-                <a:latin typeface="Fira Code" pitchFamily="1" charset="0"/>
-              </a:rPr>
-              <a:t>          </a:t>
-            </a:r>
-            <a:r>
-              <a:rPr lang="en-US" b="0" dirty="0">
-                <a:solidFill>
-                  <a:srgbClr val="B5B3AA"/>
-                </a:solidFill>
-                <a:effectLst/>
-                <a:latin typeface="Fira Code" pitchFamily="1" charset="0"/>
-              </a:rPr>
-              <a:t>break;</a:t>
-            </a:r>
-            <a:endParaRPr lang="en-US" b="0" dirty="0">
-              <a:solidFill>
-                <a:srgbClr val="DDDDDD"/>
-              </a:solidFill>
-              <a:effectLst/>
-              <a:latin typeface="Fira Code" pitchFamily="1" charset="0"/>
-            </a:endParaRPr>
-          </a:p>
-          <a:p>
-            <a:r>
-              <a:rPr lang="en-US" b="0" dirty="0">
-                <a:solidFill>
-                  <a:srgbClr val="DDDDDD"/>
-                </a:solidFill>
-                <a:effectLst/>
-                <a:latin typeface="Fira Code" pitchFamily="1" charset="0"/>
-              </a:rPr>
-              <a:t>        </a:t>
-            </a:r>
-            <a:r>
-              <a:rPr lang="en-US" b="0" dirty="0">
-                <a:solidFill>
-                  <a:srgbClr val="B5B3AA"/>
-                </a:solidFill>
-                <a:effectLst/>
-                <a:latin typeface="Fira Code" pitchFamily="1" charset="0"/>
-              </a:rPr>
-              <a:t>case</a:t>
-            </a:r>
-            <a:r>
-              <a:rPr lang="en-US" b="0" dirty="0">
-                <a:solidFill>
-                  <a:srgbClr val="DDDDDD"/>
-                </a:solidFill>
-                <a:effectLst/>
-                <a:latin typeface="Fira Code" pitchFamily="1" charset="0"/>
-              </a:rPr>
-              <a:t> </a:t>
-            </a:r>
-            <a:r>
-              <a:rPr lang="en-US" b="0" dirty="0">
-                <a:solidFill>
-                  <a:srgbClr val="B5B3AA"/>
-                </a:solidFill>
-                <a:effectLst/>
-                <a:latin typeface="Fira Code" pitchFamily="1" charset="0"/>
-              </a:rPr>
-              <a:t>'</a:t>
-            </a:r>
-            <a:r>
-              <a:rPr lang="en-US" b="0" dirty="0">
-                <a:solidFill>
-                  <a:srgbClr val="A8FF60"/>
-                </a:solidFill>
-                <a:effectLst/>
-                <a:latin typeface="Fira Code" pitchFamily="1" charset="0"/>
-              </a:rPr>
-              <a:t>d</a:t>
-            </a:r>
-            <a:r>
-              <a:rPr lang="en-US" b="0" dirty="0">
-                <a:solidFill>
-                  <a:srgbClr val="B5B3AA"/>
-                </a:solidFill>
-                <a:effectLst/>
-                <a:latin typeface="Fira Code" pitchFamily="1" charset="0"/>
-              </a:rPr>
-              <a:t>':</a:t>
-            </a:r>
-            <a:endParaRPr lang="en-US" b="0" dirty="0">
-              <a:solidFill>
-                <a:srgbClr val="DDDDDD"/>
-              </a:solidFill>
-              <a:effectLst/>
-              <a:latin typeface="Fira Code" pitchFamily="1" charset="0"/>
-            </a:endParaRPr>
-          </a:p>
-          <a:p>
-            <a:r>
-              <a:rPr lang="en-US" b="0" dirty="0">
-                <a:solidFill>
-                  <a:srgbClr val="DDDDDD"/>
-                </a:solidFill>
-                <a:effectLst/>
-                <a:latin typeface="Fira Code" pitchFamily="1" charset="0"/>
-              </a:rPr>
-              <a:t>          </a:t>
-            </a:r>
-            <a:r>
-              <a:rPr lang="en-US" b="0" dirty="0">
-                <a:solidFill>
-                  <a:srgbClr val="B5B3AA"/>
-                </a:solidFill>
-                <a:effectLst/>
-                <a:latin typeface="Fira Code" pitchFamily="1" charset="0"/>
-              </a:rPr>
-              <a:t>if</a:t>
-            </a:r>
-            <a:r>
-              <a:rPr lang="en-US" b="0" dirty="0">
-                <a:solidFill>
-                  <a:srgbClr val="DDDDDD"/>
-                </a:solidFill>
-                <a:effectLst/>
-                <a:latin typeface="Fira Code" pitchFamily="1" charset="0"/>
-              </a:rPr>
-              <a:t> </a:t>
-            </a:r>
-            <a:r>
-              <a:rPr lang="en-US" b="0" dirty="0">
-                <a:solidFill>
-                  <a:srgbClr val="B5B3AA"/>
-                </a:solidFill>
-                <a:effectLst/>
-                <a:latin typeface="Fira Code" pitchFamily="1" charset="0"/>
-              </a:rPr>
-              <a:t>(</a:t>
-            </a:r>
-            <a:r>
-              <a:rPr lang="en-US" b="0" dirty="0">
-                <a:solidFill>
-                  <a:srgbClr val="FF6C60"/>
-                </a:solidFill>
-                <a:effectLst/>
-                <a:latin typeface="Fira Code" pitchFamily="1" charset="0"/>
-              </a:rPr>
-              <a:t>key</a:t>
-            </a:r>
-            <a:r>
-              <a:rPr lang="en-US" b="0" dirty="0">
-                <a:solidFill>
-                  <a:srgbClr val="D4D4D4"/>
-                </a:solidFill>
-                <a:effectLst/>
-                <a:latin typeface="Fira Code" pitchFamily="1" charset="0"/>
-              </a:rPr>
-              <a:t>!=</a:t>
-            </a:r>
-            <a:r>
-              <a:rPr lang="en-US" b="0" dirty="0">
-                <a:solidFill>
-                  <a:srgbClr val="B5B3AA"/>
-                </a:solidFill>
-                <a:effectLst/>
-                <a:latin typeface="Fira Code" pitchFamily="1" charset="0"/>
-              </a:rPr>
-              <a:t>'</a:t>
-            </a:r>
-            <a:r>
-              <a:rPr lang="en-US" b="0" dirty="0">
-                <a:solidFill>
-                  <a:srgbClr val="A8FF60"/>
-                </a:solidFill>
-                <a:effectLst/>
-                <a:latin typeface="Fira Code" pitchFamily="1" charset="0"/>
-              </a:rPr>
-              <a:t>a</a:t>
-            </a:r>
-            <a:r>
-              <a:rPr lang="en-US" b="0" dirty="0">
-                <a:solidFill>
-                  <a:srgbClr val="B5B3AA"/>
-                </a:solidFill>
-                <a:effectLst/>
-                <a:latin typeface="Fira Code" pitchFamily="1" charset="0"/>
-              </a:rPr>
-              <a:t>')</a:t>
-            </a:r>
-            <a:endParaRPr lang="en-US" b="0" dirty="0">
-              <a:solidFill>
-                <a:srgbClr val="DDDDDD"/>
-              </a:solidFill>
-              <a:effectLst/>
-              <a:latin typeface="Fira Code" pitchFamily="1" charset="0"/>
-            </a:endParaRPr>
-          </a:p>
-          <a:p>
-            <a:r>
-              <a:rPr lang="en-US" b="0" dirty="0">
-                <a:solidFill>
-                  <a:srgbClr val="DDDDDD"/>
-                </a:solidFill>
-                <a:effectLst/>
-                <a:latin typeface="Fira Code" pitchFamily="1" charset="0"/>
-              </a:rPr>
-              <a:t>            </a:t>
-            </a:r>
-            <a:r>
-              <a:rPr lang="en-US" b="0" dirty="0">
-                <a:solidFill>
-                  <a:srgbClr val="FF6C60"/>
-                </a:solidFill>
-                <a:effectLst/>
-                <a:latin typeface="Fira Code" pitchFamily="1" charset="0"/>
-              </a:rPr>
-              <a:t>key</a:t>
-            </a:r>
-            <a:r>
-              <a:rPr lang="en-US" b="0" dirty="0">
-                <a:solidFill>
-                  <a:srgbClr val="DDDDDD"/>
-                </a:solidFill>
-                <a:effectLst/>
-                <a:latin typeface="Fira Code" pitchFamily="1" charset="0"/>
-              </a:rPr>
-              <a:t> </a:t>
-            </a:r>
-            <a:r>
-              <a:rPr lang="en-US" b="0" dirty="0">
-                <a:solidFill>
-                  <a:srgbClr val="D4D4D4"/>
-                </a:solidFill>
-                <a:effectLst/>
-                <a:latin typeface="Fira Code" pitchFamily="1" charset="0"/>
-              </a:rPr>
-              <a:t>=</a:t>
-            </a:r>
-            <a:r>
-              <a:rPr lang="en-US" b="0" dirty="0">
-                <a:solidFill>
-                  <a:srgbClr val="DDDDDD"/>
-                </a:solidFill>
-                <a:effectLst/>
-                <a:latin typeface="Fira Code" pitchFamily="1" charset="0"/>
-              </a:rPr>
-              <a:t> </a:t>
-            </a:r>
-            <a:r>
-              <a:rPr lang="en-US" b="0" dirty="0" err="1">
-                <a:solidFill>
-                  <a:srgbClr val="FF6C60"/>
-                </a:solidFill>
-                <a:effectLst/>
-                <a:latin typeface="Fira Code" pitchFamily="1" charset="0"/>
-              </a:rPr>
-              <a:t>keyPress</a:t>
-            </a:r>
-            <a:r>
-              <a:rPr lang="en-US" b="0" dirty="0">
-                <a:solidFill>
-                  <a:srgbClr val="B5B3AA"/>
-                </a:solidFill>
-                <a:effectLst/>
-                <a:latin typeface="Fira Code" pitchFamily="1" charset="0"/>
-              </a:rPr>
-              <a:t>;</a:t>
-            </a:r>
-            <a:endParaRPr lang="en-US" b="0" dirty="0">
-              <a:solidFill>
-                <a:srgbClr val="DDDDDD"/>
-              </a:solidFill>
-              <a:effectLst/>
-              <a:latin typeface="Fira Code" pitchFamily="1" charset="0"/>
-            </a:endParaRPr>
-          </a:p>
-          <a:p>
-            <a:r>
-              <a:rPr lang="en-US" b="0" dirty="0">
-                <a:solidFill>
-                  <a:srgbClr val="DDDDDD"/>
-                </a:solidFill>
-                <a:effectLst/>
-                <a:latin typeface="Fira Code" pitchFamily="1" charset="0"/>
-              </a:rPr>
-              <a:t>          </a:t>
-            </a:r>
-            <a:r>
-              <a:rPr lang="en-US" b="0" dirty="0">
-                <a:solidFill>
-                  <a:srgbClr val="B5B3AA"/>
-                </a:solidFill>
-                <a:effectLst/>
-                <a:latin typeface="Fira Code" pitchFamily="1" charset="0"/>
-              </a:rPr>
-              <a:t>break;</a:t>
-            </a:r>
-            <a:endParaRPr lang="en-US" b="0" dirty="0">
-              <a:solidFill>
-                <a:srgbClr val="DDDDDD"/>
-              </a:solidFill>
-              <a:effectLst/>
-              <a:latin typeface="Fira Code" pitchFamily="1" charset="0"/>
-            </a:endParaRPr>
-          </a:p>
-          <a:p>
-            <a:r>
-              <a:rPr lang="en-US" b="0" dirty="0">
-                <a:solidFill>
-                  <a:srgbClr val="DDDDDD"/>
-                </a:solidFill>
-                <a:effectLst/>
-                <a:latin typeface="Fira Code" pitchFamily="1" charset="0"/>
-              </a:rPr>
-              <a:t>        </a:t>
-            </a:r>
-            <a:r>
-              <a:rPr lang="en-US" b="0" dirty="0">
-                <a:solidFill>
-                  <a:srgbClr val="B5B3AA"/>
-                </a:solidFill>
-                <a:effectLst/>
-                <a:latin typeface="Fira Code" pitchFamily="1" charset="0"/>
-              </a:rPr>
-              <a:t>}</a:t>
-            </a:r>
-            <a:endParaRPr lang="en-US" b="0" dirty="0">
-              <a:solidFill>
-                <a:srgbClr val="DDDDDD"/>
-              </a:solidFill>
-              <a:effectLst/>
-              <a:latin typeface="Fira Code" pitchFamily="1" charset="0"/>
-            </a:endParaRPr>
-          </a:p>
-          <a:p>
-            <a:r>
-              <a:rPr lang="en-US" b="0" dirty="0">
-                <a:solidFill>
-                  <a:srgbClr val="DDDDDD"/>
-                </a:solidFill>
-                <a:effectLst/>
-                <a:latin typeface="Fira Code" pitchFamily="1" charset="0"/>
-              </a:rPr>
-              <a:t>      </a:t>
+              <a:t>    </a:t>
             </a:r>
             <a:r>
               <a:rPr lang="en-US" b="0" dirty="0">
@@ -21926,7 +21926,7 @@
     </p:spTree>
     <p:extLst>
       <p:ext uri="{BB962C8B-B14F-4D97-AF65-F5344CB8AC3E}">
-        <p14:creationId xmlns:p14="http://schemas.microsoft.com/office/powerpoint/2010/main" val="3083478291"/>
+        <p14:creationId xmlns:p14="http://schemas.microsoft.com/office/powerpoint/2010/main" val="3481172191"/>
       </p:ext>
     </p:extLst>
   </p:cSld>
@@ -26502,6 +26502,15 @@
 </file>
 
 <file path=customXml/item1.xml><?xml version="1.0" encoding="utf-8"?>
+<?mso-contentType ?>
+<FormTemplates xmlns="http://schemas.microsoft.com/sharepoint/v3/contenttype/forms">
+  <Display>DocumentLibraryForm</Display>
+  <Edit>DocumentLibraryForm</Edit>
+  <New>DocumentLibraryForm</New>
+</FormTemplates>
+</file>
+
+<file path=customXml/item2.xml><?xml version="1.0" encoding="utf-8"?>
 <ct:contentTypeSchema xmlns:ct="http://schemas.microsoft.com/office/2006/metadata/contentType" xmlns:ma="http://schemas.microsoft.com/office/2006/metadata/properties/metaAttributes" ct:_="" ma:_="" ma:contentTypeName="Document" ma:contentTypeID="0x010100713C1FAF6865A74C9B8961CAD33C47F5" ma:contentTypeVersion="10" ma:contentTypeDescription="Create a new document." ma:contentTypeScope="" ma:versionID="a3a11af9f719b592dbb0239c5204982c">
   <xsd:schema xmlns:xsd="http://www.w3.org/2001/XMLSchema" xmlns:xs="http://www.w3.org/2001/XMLSchema" xmlns:p="http://schemas.microsoft.com/office/2006/metadata/properties" xmlns:ns3="f03f4401-91c5-4aaa-a874-f5be3abc78a0" xmlns:ns4="14905271-9db6-446f-8e6d-fbb863ab45c0" targetNamespace="http://schemas.microsoft.com/office/2006/metadata/properties" ma:root="true" ma:fieldsID="14f0a1a4e019220d89901965ecbac122" ns3:_="" ns4:_="">
     <xsd:import namespace="f03f4401-91c5-4aaa-a874-f5be3abc78a0"/>
@@ -26704,15 +26713,6 @@
 </ct:contentTypeSchema>
 </file>
 
-<file path=customXml/item2.xml><?xml version="1.0" encoding="utf-8"?>
-<?mso-contentType ?>
-<FormTemplates xmlns="http://schemas.microsoft.com/sharepoint/v3/contenttype/forms">
-  <Display>DocumentLibraryForm</Display>
-  <Edit>DocumentLibraryForm</Edit>
-  <New>DocumentLibraryForm</New>
-</FormTemplates>
-</file>
-
 <file path=customXml/item3.xml><?xml version="1.0" encoding="utf-8"?>
 <p:properties xmlns:p="http://schemas.microsoft.com/office/2006/metadata/properties" xmlns:xsi="http://www.w3.org/2001/XMLSchema-instance" xmlns:pc="http://schemas.microsoft.com/office/infopath/2007/PartnerControls">
   <documentManagement/>
@@ -26720,6 +26720,14 @@
 </file>
 
 <file path=customXml/itemProps1.xml><?xml version="1.0" encoding="utf-8"?>
+<ds:datastoreItem xmlns:ds="http://schemas.openxmlformats.org/officeDocument/2006/customXml" ds:itemID="{47D19A3F-6BE1-4DB4-840D-E50BD14CF264}">
+  <ds:schemaRefs>
+    <ds:schemaRef ds:uri="http://schemas.microsoft.com/sharepoint/v3/contenttype/forms"/>
+  </ds:schemaRefs>
+</ds:datastoreItem>
+</file>
+
+<file path=customXml/itemProps2.xml><?xml version="1.0" encoding="utf-8"?>
 <ds:datastoreItem xmlns:ds="http://schemas.openxmlformats.org/officeDocument/2006/customXml" ds:itemID="{06206CDF-B10F-4D30-80B8-A1D25462C3DA}">
   <ds:schemaRefs>
     <ds:schemaRef ds:uri="14905271-9db6-446f-8e6d-fbb863ab45c0"/>
@@ -26734,14 +26742,6 @@
     <ds:schemaRef ds:uri="http://schemas.microsoft.com/office/infopath/2007/PartnerControls"/>
     <ds:schemaRef ds:uri="http://schemas.openxmlformats.org/package/2006/metadata/core-properties"/>
     <ds:schemaRef ds:uri="http://www.w3.org/2001/XMLSchema"/>
-  </ds:schemaRefs>
-</ds:datastoreItem>
-</file>
-
-<file path=customXml/itemProps2.xml><?xml version="1.0" encoding="utf-8"?>
-<ds:datastoreItem xmlns:ds="http://schemas.openxmlformats.org/officeDocument/2006/customXml" ds:itemID="{47D19A3F-6BE1-4DB4-840D-E50BD14CF264}">
-  <ds:schemaRefs>
-    <ds:schemaRef ds:uri="http://schemas.microsoft.com/sharepoint/v3/contenttype/forms"/>
   </ds:schemaRefs>
 </ds:datastoreItem>
 </file>
